--- a/presentation.pptx
+++ b/presentation.pptx
@@ -1,38 +1,38 @@
 
 <file path=ppt/presentation.xml><?xml version="1.0" encoding="utf-8"?>
-<p:presentation xmlns:a="http://schemas.openxmlformats.org/drawingml/2006/main" xmlns:r="http://schemas.openxmlformats.org/officeDocument/2006/relationships" xmlns:mc="http://schemas.openxmlformats.org/markup-compatibility/2006" xmlns:mv="urn:schemas-microsoft-com:mac:vml" xmlns:p="http://schemas.openxmlformats.org/presentationml/2006/main" xmlns:c="http://schemas.openxmlformats.org/drawingml/2006/chart" xmlns:dgm="http://schemas.openxmlformats.org/drawingml/2006/diagram" xmlns:o="urn:schemas-microsoft-com:office:office" xmlns:v="urn:schemas-microsoft-com:vml" xmlns:pvml="urn:schemas-microsoft-com:office:powerpoint" xmlns:com="http://schemas.openxmlformats.org/drawingml/2006/compatibility" xmlns:p14="http://schemas.microsoft.com/office/powerpoint/2010/main" xmlns:p15="http://schemas.microsoft.com/office/powerpoint/2012/main" xmlns:ahyp="http://schemas.microsoft.com/office/drawing/2018/hyperlinkcolor" autoCompressPictures="0" embedTrueTypeFonts="1" strictFirstAndLastChars="0" saveSubsetFonts="1">
+<p:presentation xmlns:a="http://schemas.openxmlformats.org/drawingml/2006/main" xmlns:r="http://schemas.openxmlformats.org/officeDocument/2006/relationships" xmlns:p="http://schemas.openxmlformats.org/presentationml/2006/main" strictFirstAndLastChars="0" embedTrueTypeFonts="1" saveSubsetFonts="1" autoCompressPictures="0">
   <p:sldMasterIdLst>
-    <p:sldMasterId id="2147483659" r:id="rId4"/>
+    <p:sldMasterId id="2147483659" r:id="rId1"/>
   </p:sldMasterIdLst>
   <p:notesMasterIdLst>
-    <p:notesMasterId r:id="rId5"/>
+    <p:notesMasterId r:id="rId13"/>
   </p:notesMasterIdLst>
   <p:sldIdLst>
-    <p:sldId id="256" r:id="rId6"/>
-    <p:sldId id="257" r:id="rId7"/>
-    <p:sldId id="258" r:id="rId8"/>
-    <p:sldId id="259" r:id="rId9"/>
-    <p:sldId id="260" r:id="rId10"/>
-    <p:sldId id="261" r:id="rId11"/>
-    <p:sldId id="262" r:id="rId12"/>
-    <p:sldId id="263" r:id="rId13"/>
-    <p:sldId id="264" r:id="rId14"/>
-    <p:sldId id="265" r:id="rId15"/>
-    <p:sldId id="266" r:id="rId16"/>
+    <p:sldId id="256" r:id="rId2"/>
+    <p:sldId id="257" r:id="rId3"/>
+    <p:sldId id="258" r:id="rId4"/>
+    <p:sldId id="259" r:id="rId5"/>
+    <p:sldId id="260" r:id="rId6"/>
+    <p:sldId id="261" r:id="rId7"/>
+    <p:sldId id="262" r:id="rId8"/>
+    <p:sldId id="263" r:id="rId9"/>
+    <p:sldId id="264" r:id="rId10"/>
+    <p:sldId id="265" r:id="rId11"/>
+    <p:sldId id="266" r:id="rId12"/>
   </p:sldIdLst>
-  <p:sldSz cy="5143500" cx="9144000"/>
+  <p:sldSz cx="9144000" cy="5143500" type="screen16x9"/>
   <p:notesSz cx="6858000" cy="9144000"/>
   <p:embeddedFontLst>
     <p:embeddedFont>
-      <p:font typeface="Roboto Mono"/>
-      <p:regular r:id="rId17"/>
-      <p:bold r:id="rId18"/>
-      <p:italic r:id="rId19"/>
-      <p:boldItalic r:id="rId20"/>
+      <p:font typeface="Roboto Mono" panose="020F0502020204030204" pitchFamily="49" charset="0"/>
+      <p:regular r:id="rId14"/>
+      <p:bold r:id="rId15"/>
+      <p:italic r:id="rId16"/>
+      <p:boldItalic r:id="rId17"/>
     </p:embeddedFont>
   </p:embeddedFontLst>
   <p:defaultTextStyle>
-    <a:defPPr lvl="0" marR="0" rtl="0" algn="l">
+    <a:defPPr marR="0" lvl="0" algn="l" rtl="0">
       <a:lnSpc>
         <a:spcPct val="100000"/>
       </a:lnSpc>
@@ -43,7 +43,7 @@
         <a:spcPts val="0"/>
       </a:spcAft>
     </a:defPPr>
-    <a:lvl1pPr lvl="0" marR="0" rtl="0" algn="l">
+    <a:lvl1pPr marR="0" lvl="0" algn="l" rtl="0">
       <a:lnSpc>
         <a:spcPct val="100000"/>
       </a:lnSpc>
@@ -57,7 +57,7 @@
         <a:srgbClr val="000000"/>
       </a:buClr>
       <a:buFont typeface="Arial"/>
-      <a:defRPr b="0" i="0" sz="1400" u="none" cap="none" strike="noStrike">
+      <a:defRPr sz="1400" b="0" i="0" u="none" strike="noStrike" cap="none">
         <a:solidFill>
           <a:srgbClr val="000000"/>
         </a:solidFill>
@@ -67,7 +67,7 @@
         <a:sym typeface="Arial"/>
       </a:defRPr>
     </a:lvl1pPr>
-    <a:lvl2pPr lvl="1" marR="0" rtl="0" algn="l">
+    <a:lvl2pPr marR="0" lvl="1" algn="l" rtl="0">
       <a:lnSpc>
         <a:spcPct val="100000"/>
       </a:lnSpc>
@@ -81,7 +81,7 @@
         <a:srgbClr val="000000"/>
       </a:buClr>
       <a:buFont typeface="Arial"/>
-      <a:defRPr b="0" i="0" sz="1400" u="none" cap="none" strike="noStrike">
+      <a:defRPr sz="1400" b="0" i="0" u="none" strike="noStrike" cap="none">
         <a:solidFill>
           <a:srgbClr val="000000"/>
         </a:solidFill>
@@ -91,7 +91,7 @@
         <a:sym typeface="Arial"/>
       </a:defRPr>
     </a:lvl2pPr>
-    <a:lvl3pPr lvl="2" marR="0" rtl="0" algn="l">
+    <a:lvl3pPr marR="0" lvl="2" algn="l" rtl="0">
       <a:lnSpc>
         <a:spcPct val="100000"/>
       </a:lnSpc>
@@ -105,7 +105,7 @@
         <a:srgbClr val="000000"/>
       </a:buClr>
       <a:buFont typeface="Arial"/>
-      <a:defRPr b="0" i="0" sz="1400" u="none" cap="none" strike="noStrike">
+      <a:defRPr sz="1400" b="0" i="0" u="none" strike="noStrike" cap="none">
         <a:solidFill>
           <a:srgbClr val="000000"/>
         </a:solidFill>
@@ -115,7 +115,7 @@
         <a:sym typeface="Arial"/>
       </a:defRPr>
     </a:lvl3pPr>
-    <a:lvl4pPr lvl="3" marR="0" rtl="0" algn="l">
+    <a:lvl4pPr marR="0" lvl="3" algn="l" rtl="0">
       <a:lnSpc>
         <a:spcPct val="100000"/>
       </a:lnSpc>
@@ -129,7 +129,7 @@
         <a:srgbClr val="000000"/>
       </a:buClr>
       <a:buFont typeface="Arial"/>
-      <a:defRPr b="0" i="0" sz="1400" u="none" cap="none" strike="noStrike">
+      <a:defRPr sz="1400" b="0" i="0" u="none" strike="noStrike" cap="none">
         <a:solidFill>
           <a:srgbClr val="000000"/>
         </a:solidFill>
@@ -139,7 +139,7 @@
         <a:sym typeface="Arial"/>
       </a:defRPr>
     </a:lvl4pPr>
-    <a:lvl5pPr lvl="4" marR="0" rtl="0" algn="l">
+    <a:lvl5pPr marR="0" lvl="4" algn="l" rtl="0">
       <a:lnSpc>
         <a:spcPct val="100000"/>
       </a:lnSpc>
@@ -153,7 +153,7 @@
         <a:srgbClr val="000000"/>
       </a:buClr>
       <a:buFont typeface="Arial"/>
-      <a:defRPr b="0" i="0" sz="1400" u="none" cap="none" strike="noStrike">
+      <a:defRPr sz="1400" b="0" i="0" u="none" strike="noStrike" cap="none">
         <a:solidFill>
           <a:srgbClr val="000000"/>
         </a:solidFill>
@@ -163,7 +163,7 @@
         <a:sym typeface="Arial"/>
       </a:defRPr>
     </a:lvl5pPr>
-    <a:lvl6pPr lvl="5" marR="0" rtl="0" algn="l">
+    <a:lvl6pPr marR="0" lvl="5" algn="l" rtl="0">
       <a:lnSpc>
         <a:spcPct val="100000"/>
       </a:lnSpc>
@@ -177,7 +177,7 @@
         <a:srgbClr val="000000"/>
       </a:buClr>
       <a:buFont typeface="Arial"/>
-      <a:defRPr b="0" i="0" sz="1400" u="none" cap="none" strike="noStrike">
+      <a:defRPr sz="1400" b="0" i="0" u="none" strike="noStrike" cap="none">
         <a:solidFill>
           <a:srgbClr val="000000"/>
         </a:solidFill>
@@ -187,7 +187,7 @@
         <a:sym typeface="Arial"/>
       </a:defRPr>
     </a:lvl6pPr>
-    <a:lvl7pPr lvl="6" marR="0" rtl="0" algn="l">
+    <a:lvl7pPr marR="0" lvl="6" algn="l" rtl="0">
       <a:lnSpc>
         <a:spcPct val="100000"/>
       </a:lnSpc>
@@ -201,7 +201,7 @@
         <a:srgbClr val="000000"/>
       </a:buClr>
       <a:buFont typeface="Arial"/>
-      <a:defRPr b="0" i="0" sz="1400" u="none" cap="none" strike="noStrike">
+      <a:defRPr sz="1400" b="0" i="0" u="none" strike="noStrike" cap="none">
         <a:solidFill>
           <a:srgbClr val="000000"/>
         </a:solidFill>
@@ -211,7 +211,7 @@
         <a:sym typeface="Arial"/>
       </a:defRPr>
     </a:lvl7pPr>
-    <a:lvl8pPr lvl="7" marR="0" rtl="0" algn="l">
+    <a:lvl8pPr marR="0" lvl="7" algn="l" rtl="0">
       <a:lnSpc>
         <a:spcPct val="100000"/>
       </a:lnSpc>
@@ -225,7 +225,7 @@
         <a:srgbClr val="000000"/>
       </a:buClr>
       <a:buFont typeface="Arial"/>
-      <a:defRPr b="0" i="0" sz="1400" u="none" cap="none" strike="noStrike">
+      <a:defRPr sz="1400" b="0" i="0" u="none" strike="noStrike" cap="none">
         <a:solidFill>
           <a:srgbClr val="000000"/>
         </a:solidFill>
@@ -235,7 +235,7 @@
         <a:sym typeface="Arial"/>
       </a:defRPr>
     </a:lvl8pPr>
-    <a:lvl9pPr lvl="8" marR="0" rtl="0" algn="l">
+    <a:lvl9pPr marR="0" lvl="8" algn="l" rtl="0">
       <a:lnSpc>
         <a:spcPct val="100000"/>
       </a:lnSpc>
@@ -249,7 +249,7 @@
         <a:srgbClr val="000000"/>
       </a:buClr>
       <a:buFont typeface="Arial"/>
-      <a:defRPr b="0" i="0" sz="1400" u="none" cap="none" strike="noStrike">
+      <a:defRPr sz="1400" b="0" i="0" u="none" strike="noStrike" cap="none">
         <a:solidFill>
           <a:srgbClr val="000000"/>
         </a:solidFill>
@@ -262,7 +262,7 @@
   </p:defaultTextStyle>
   <p:extLst>
     <p:ext uri="{EFAFB233-063F-42B5-8137-9DF3F51BA10A}">
-      <p15:sldGuideLst>
+      <p15:sldGuideLst xmlns:p15="http://schemas.microsoft.com/office/powerpoint/2012/main">
         <p15:guide id="1" orient="horz" pos="1620">
           <p15:clr>
             <a:srgbClr val="747775"/>
@@ -280,11 +280,16 @@
 </file>
 
 <file path=ppt/notesMasters/notesMaster1.xml><?xml version="1.0" encoding="utf-8"?>
-<p:notesMaster xmlns:a="http://schemas.openxmlformats.org/drawingml/2006/main" xmlns:r="http://schemas.openxmlformats.org/officeDocument/2006/relationships" xmlns:mc="http://schemas.openxmlformats.org/markup-compatibility/2006" xmlns:mv="urn:schemas-microsoft-com:mac:vml" xmlns:p="http://schemas.openxmlformats.org/presentationml/2006/main" xmlns:c="http://schemas.openxmlformats.org/drawingml/2006/chart" xmlns:dgm="http://schemas.openxmlformats.org/drawingml/2006/diagram" xmlns:o="urn:schemas-microsoft-com:office:office" xmlns:v="urn:schemas-microsoft-com:vml" xmlns:pvml="urn:schemas-microsoft-com:office:powerpoint" xmlns:com="http://schemas.openxmlformats.org/drawingml/2006/compatibility" xmlns:p14="http://schemas.microsoft.com/office/powerpoint/2010/main" xmlns:p15="http://schemas.microsoft.com/office/powerpoint/2012/main" xmlns:ahyp="http://schemas.microsoft.com/office/drawing/2018/hyperlinkcolor">
+<p:notesMaster xmlns:a="http://schemas.openxmlformats.org/drawingml/2006/main" xmlns:r="http://schemas.openxmlformats.org/officeDocument/2006/relationships" xmlns:p="http://schemas.openxmlformats.org/presentationml/2006/main">
   <p:cSld>
+    <p:bg>
+      <p:bgRef idx="1001">
+        <a:schemeClr val="bg1"/>
+      </p:bgRef>
+    </p:bg>
     <p:spTree>
       <p:nvGrpSpPr>
-        <p:cNvPr id="2" name="Shape 2"/>
+        <p:cNvPr id="1" name="Shape 2"/>
         <p:cNvGrpSpPr/>
         <p:nvPr/>
       </p:nvGrpSpPr>
@@ -299,9 +304,11 @@
       <p:sp>
         <p:nvSpPr>
           <p:cNvPr id="3" name="Google Shape;3;n"/>
-          <p:cNvSpPr/>
+          <p:cNvSpPr>
+            <a:spLocks noGrp="1" noRot="1" noChangeAspect="1"/>
+          </p:cNvSpPr>
           <p:nvPr>
-            <p:ph idx="2" type="sldImg"/>
+            <p:ph type="sldImg" idx="2"/>
           </p:nvPr>
         </p:nvSpPr>
         <p:spPr>
@@ -310,9 +317,13 @@
             <a:ext cx="6096075" cy="3429000"/>
           </a:xfrm>
           <a:custGeom>
-            <a:rect b="b" l="l" r="r" t="t"/>
+            <a:avLst/>
+            <a:gdLst/>
+            <a:ahLst/>
+            <a:cxnLst/>
+            <a:rect l="l" t="t" r="r" b="b"/>
             <a:pathLst>
-              <a:path extrusionOk="0" h="120000" w="120000">
+              <a:path w="120000" h="120000" extrusionOk="0">
                 <a:moveTo>
                   <a:pt x="0" y="0"/>
                 </a:moveTo>
@@ -330,23 +341,25 @@
             </a:pathLst>
           </a:custGeom>
           <a:noFill/>
-          <a:ln cap="flat" cmpd="sng" w="9525">
+          <a:ln w="9525" cap="flat" cmpd="sng">
             <a:solidFill>
               <a:srgbClr val="000000"/>
             </a:solidFill>
             <a:prstDash val="solid"/>
             <a:round/>
-            <a:headEnd len="sm" w="sm" type="none"/>
-            <a:tailEnd len="sm" w="sm" type="none"/>
+            <a:headEnd type="none" w="sm" len="sm"/>
+            <a:tailEnd type="none" w="sm" len="sm"/>
           </a:ln>
         </p:spPr>
       </p:sp>
       <p:sp>
         <p:nvSpPr>
           <p:cNvPr id="4" name="Google Shape;4;n"/>
-          <p:cNvSpPr txBox="1"/>
+          <p:cNvSpPr txBox="1">
+            <a:spLocks noGrp="1"/>
+          </p:cNvSpPr>
           <p:nvPr>
-            <p:ph idx="1" type="body"/>
+            <p:ph type="body" idx="1"/>
           </p:nvPr>
         </p:nvSpPr>
         <p:spPr>
@@ -363,11 +376,11 @@
           </a:ln>
         </p:spPr>
         <p:txBody>
-          <a:bodyPr anchorCtr="0" anchor="t" bIns="91425" lIns="91425" spcFirstLastPara="1" rIns="91425" wrap="square" tIns="91425">
+          <a:bodyPr spcFirstLastPara="1" wrap="square" lIns="91425" tIns="91425" rIns="91425" bIns="91425" anchor="t" anchorCtr="0">
             <a:noAutofit/>
           </a:bodyPr>
           <a:lstStyle>
-            <a:lvl1pPr indent="-298450" lvl="0" marL="457200">
+            <a:lvl1pPr marL="457200" lvl="0" indent="-298450">
               <a:spcBef>
                 <a:spcPts val="0"/>
               </a:spcBef>
@@ -378,7 +391,7 @@
               <a:buChar char="●"/>
               <a:defRPr sz="1100"/>
             </a:lvl1pPr>
-            <a:lvl2pPr indent="-298450" lvl="1" marL="914400">
+            <a:lvl2pPr marL="914400" lvl="1" indent="-298450">
               <a:spcBef>
                 <a:spcPts val="0"/>
               </a:spcBef>
@@ -389,7 +402,7 @@
               <a:buChar char="○"/>
               <a:defRPr sz="1100"/>
             </a:lvl2pPr>
-            <a:lvl3pPr indent="-298450" lvl="2" marL="1371600">
+            <a:lvl3pPr marL="1371600" lvl="2" indent="-298450">
               <a:spcBef>
                 <a:spcPts val="0"/>
               </a:spcBef>
@@ -400,7 +413,7 @@
               <a:buChar char="■"/>
               <a:defRPr sz="1100"/>
             </a:lvl3pPr>
-            <a:lvl4pPr indent="-298450" lvl="3" marL="1828800">
+            <a:lvl4pPr marL="1828800" lvl="3" indent="-298450">
               <a:spcBef>
                 <a:spcPts val="0"/>
               </a:spcBef>
@@ -411,7 +424,7 @@
               <a:buChar char="●"/>
               <a:defRPr sz="1100"/>
             </a:lvl4pPr>
-            <a:lvl5pPr indent="-298450" lvl="4" marL="2286000">
+            <a:lvl5pPr marL="2286000" lvl="4" indent="-298450">
               <a:spcBef>
                 <a:spcPts val="0"/>
               </a:spcBef>
@@ -422,7 +435,7 @@
               <a:buChar char="○"/>
               <a:defRPr sz="1100"/>
             </a:lvl5pPr>
-            <a:lvl6pPr indent="-298450" lvl="5" marL="2743200">
+            <a:lvl6pPr marL="2743200" lvl="5" indent="-298450">
               <a:spcBef>
                 <a:spcPts val="0"/>
               </a:spcBef>
@@ -433,7 +446,7 @@
               <a:buChar char="■"/>
               <a:defRPr sz="1100"/>
             </a:lvl6pPr>
-            <a:lvl7pPr indent="-298450" lvl="6" marL="3200400">
+            <a:lvl7pPr marL="3200400" lvl="6" indent="-298450">
               <a:spcBef>
                 <a:spcPts val="0"/>
               </a:spcBef>
@@ -444,7 +457,7 @@
               <a:buChar char="●"/>
               <a:defRPr sz="1100"/>
             </a:lvl7pPr>
-            <a:lvl8pPr indent="-298450" lvl="7" marL="3657600">
+            <a:lvl8pPr marL="3657600" lvl="7" indent="-298450">
               <a:spcBef>
                 <a:spcPts val="0"/>
               </a:spcBef>
@@ -455,7 +468,7 @@
               <a:buChar char="○"/>
               <a:defRPr sz="1100"/>
             </a:lvl8pPr>
-            <a:lvl9pPr indent="-298450" lvl="8" marL="4114800">
+            <a:lvl9pPr marL="4114800" lvl="8" indent="-298450">
               <a:spcBef>
                 <a:spcPts val="0"/>
               </a:spcBef>
@@ -467,14 +480,16 @@
               <a:defRPr sz="1100"/>
             </a:lvl9pPr>
           </a:lstStyle>
-          <a:p/>
+          <a:p>
+            <a:endParaRPr/>
+          </a:p>
         </p:txBody>
       </p:sp>
     </p:spTree>
   </p:cSld>
-  <p:clrMap accent1="accent1" accent2="accent2" accent3="accent3" accent4="accent4" accent5="accent5" accent6="accent6" bg1="lt1" bg2="dk2" tx1="dk1" tx2="lt2" folHlink="folHlink" hlink="hlink"/>
+  <p:clrMap bg1="lt1" tx1="dk1" bg2="dk2" tx2="lt2" accent1="accent1" accent2="accent2" accent3="accent3" accent4="accent4" accent5="accent5" accent6="accent6" hlink="hlink" folHlink="folHlink"/>
   <p:notesStyle>
-    <a:defPPr lvl="0" marR="0" rtl="0" algn="l">
+    <a:defPPr marR="0" lvl="0" algn="l" rtl="0">
       <a:lnSpc>
         <a:spcPct val="100000"/>
       </a:lnSpc>
@@ -485,7 +500,7 @@
         <a:spcPts val="0"/>
       </a:spcAft>
     </a:defPPr>
-    <a:lvl1pPr lvl="0" marR="0" rtl="0" algn="l">
+    <a:lvl1pPr marR="0" lvl="0" algn="l" rtl="0">
       <a:lnSpc>
         <a:spcPct val="100000"/>
       </a:lnSpc>
@@ -499,7 +514,7 @@
         <a:srgbClr val="000000"/>
       </a:buClr>
       <a:buFont typeface="Arial"/>
-      <a:defRPr b="0" i="0" sz="1400" u="none" cap="none" strike="noStrike">
+      <a:defRPr sz="1400" b="0" i="0" u="none" strike="noStrike" cap="none">
         <a:solidFill>
           <a:srgbClr val="000000"/>
         </a:solidFill>
@@ -509,7 +524,7 @@
         <a:sym typeface="Arial"/>
       </a:defRPr>
     </a:lvl1pPr>
-    <a:lvl2pPr lvl="1" marR="0" rtl="0" algn="l">
+    <a:lvl2pPr marR="0" lvl="1" algn="l" rtl="0">
       <a:lnSpc>
         <a:spcPct val="100000"/>
       </a:lnSpc>
@@ -523,7 +538,7 @@
         <a:srgbClr val="000000"/>
       </a:buClr>
       <a:buFont typeface="Arial"/>
-      <a:defRPr b="0" i="0" sz="1400" u="none" cap="none" strike="noStrike">
+      <a:defRPr sz="1400" b="0" i="0" u="none" strike="noStrike" cap="none">
         <a:solidFill>
           <a:srgbClr val="000000"/>
         </a:solidFill>
@@ -533,7 +548,7 @@
         <a:sym typeface="Arial"/>
       </a:defRPr>
     </a:lvl2pPr>
-    <a:lvl3pPr lvl="2" marR="0" rtl="0" algn="l">
+    <a:lvl3pPr marR="0" lvl="2" algn="l" rtl="0">
       <a:lnSpc>
         <a:spcPct val="100000"/>
       </a:lnSpc>
@@ -547,7 +562,7 @@
         <a:srgbClr val="000000"/>
       </a:buClr>
       <a:buFont typeface="Arial"/>
-      <a:defRPr b="0" i="0" sz="1400" u="none" cap="none" strike="noStrike">
+      <a:defRPr sz="1400" b="0" i="0" u="none" strike="noStrike" cap="none">
         <a:solidFill>
           <a:srgbClr val="000000"/>
         </a:solidFill>
@@ -557,7 +572,7 @@
         <a:sym typeface="Arial"/>
       </a:defRPr>
     </a:lvl3pPr>
-    <a:lvl4pPr lvl="3" marR="0" rtl="0" algn="l">
+    <a:lvl4pPr marR="0" lvl="3" algn="l" rtl="0">
       <a:lnSpc>
         <a:spcPct val="100000"/>
       </a:lnSpc>
@@ -571,7 +586,7 @@
         <a:srgbClr val="000000"/>
       </a:buClr>
       <a:buFont typeface="Arial"/>
-      <a:defRPr b="0" i="0" sz="1400" u="none" cap="none" strike="noStrike">
+      <a:defRPr sz="1400" b="0" i="0" u="none" strike="noStrike" cap="none">
         <a:solidFill>
           <a:srgbClr val="000000"/>
         </a:solidFill>
@@ -581,7 +596,7 @@
         <a:sym typeface="Arial"/>
       </a:defRPr>
     </a:lvl4pPr>
-    <a:lvl5pPr lvl="4" marR="0" rtl="0" algn="l">
+    <a:lvl5pPr marR="0" lvl="4" algn="l" rtl="0">
       <a:lnSpc>
         <a:spcPct val="100000"/>
       </a:lnSpc>
@@ -595,7 +610,7 @@
         <a:srgbClr val="000000"/>
       </a:buClr>
       <a:buFont typeface="Arial"/>
-      <a:defRPr b="0" i="0" sz="1400" u="none" cap="none" strike="noStrike">
+      <a:defRPr sz="1400" b="0" i="0" u="none" strike="noStrike" cap="none">
         <a:solidFill>
           <a:srgbClr val="000000"/>
         </a:solidFill>
@@ -605,7 +620,7 @@
         <a:sym typeface="Arial"/>
       </a:defRPr>
     </a:lvl5pPr>
-    <a:lvl6pPr lvl="5" marR="0" rtl="0" algn="l">
+    <a:lvl6pPr marR="0" lvl="5" algn="l" rtl="0">
       <a:lnSpc>
         <a:spcPct val="100000"/>
       </a:lnSpc>
@@ -619,7 +634,7 @@
         <a:srgbClr val="000000"/>
       </a:buClr>
       <a:buFont typeface="Arial"/>
-      <a:defRPr b="0" i="0" sz="1400" u="none" cap="none" strike="noStrike">
+      <a:defRPr sz="1400" b="0" i="0" u="none" strike="noStrike" cap="none">
         <a:solidFill>
           <a:srgbClr val="000000"/>
         </a:solidFill>
@@ -629,7 +644,7 @@
         <a:sym typeface="Arial"/>
       </a:defRPr>
     </a:lvl6pPr>
-    <a:lvl7pPr lvl="6" marR="0" rtl="0" algn="l">
+    <a:lvl7pPr marR="0" lvl="6" algn="l" rtl="0">
       <a:lnSpc>
         <a:spcPct val="100000"/>
       </a:lnSpc>
@@ -643,7 +658,7 @@
         <a:srgbClr val="000000"/>
       </a:buClr>
       <a:buFont typeface="Arial"/>
-      <a:defRPr b="0" i="0" sz="1400" u="none" cap="none" strike="noStrike">
+      <a:defRPr sz="1400" b="0" i="0" u="none" strike="noStrike" cap="none">
         <a:solidFill>
           <a:srgbClr val="000000"/>
         </a:solidFill>
@@ -653,7 +668,7 @@
         <a:sym typeface="Arial"/>
       </a:defRPr>
     </a:lvl7pPr>
-    <a:lvl8pPr lvl="7" marR="0" rtl="0" algn="l">
+    <a:lvl8pPr marR="0" lvl="7" algn="l" rtl="0">
       <a:lnSpc>
         <a:spcPct val="100000"/>
       </a:lnSpc>
@@ -667,7 +682,7 @@
         <a:srgbClr val="000000"/>
       </a:buClr>
       <a:buFont typeface="Arial"/>
-      <a:defRPr b="0" i="0" sz="1400" u="none" cap="none" strike="noStrike">
+      <a:defRPr sz="1400" b="0" i="0" u="none" strike="noStrike" cap="none">
         <a:solidFill>
           <a:srgbClr val="000000"/>
         </a:solidFill>
@@ -677,7 +692,7 @@
         <a:sym typeface="Arial"/>
       </a:defRPr>
     </a:lvl8pPr>
-    <a:lvl9pPr lvl="8" marR="0" rtl="0" algn="l">
+    <a:lvl9pPr marR="0" lvl="8" algn="l" rtl="0">
       <a:lnSpc>
         <a:spcPct val="100000"/>
       </a:lnSpc>
@@ -691,7 +706,7 @@
         <a:srgbClr val="000000"/>
       </a:buClr>
       <a:buFont typeface="Arial"/>
-      <a:defRPr b="0" i="0" sz="1400" u="none" cap="none" strike="noStrike">
+      <a:defRPr sz="1400" b="0" i="0" u="none" strike="noStrike" cap="none">
         <a:solidFill>
           <a:srgbClr val="000000"/>
         </a:solidFill>
@@ -706,11 +721,11 @@
 </file>
 
 <file path=ppt/notesSlides/notesSlide1.xml><?xml version="1.0" encoding="utf-8"?>
-<p:notes xmlns:a="http://schemas.openxmlformats.org/drawingml/2006/main" xmlns:r="http://schemas.openxmlformats.org/officeDocument/2006/relationships" xmlns:mc="http://schemas.openxmlformats.org/markup-compatibility/2006" xmlns:mv="urn:schemas-microsoft-com:mac:vml" xmlns:p="http://schemas.openxmlformats.org/presentationml/2006/main" xmlns:c="http://schemas.openxmlformats.org/drawingml/2006/chart" xmlns:dgm="http://schemas.openxmlformats.org/drawingml/2006/diagram" xmlns:o="urn:schemas-microsoft-com:office:office" xmlns:v="urn:schemas-microsoft-com:vml" xmlns:pvml="urn:schemas-microsoft-com:office:powerpoint" xmlns:com="http://schemas.openxmlformats.org/drawingml/2006/compatibility" xmlns:p14="http://schemas.microsoft.com/office/powerpoint/2010/main" xmlns:p15="http://schemas.microsoft.com/office/powerpoint/2012/main" xmlns:ahyp="http://schemas.microsoft.com/office/drawing/2018/hyperlinkcolor" showMasterPhAnim="0" showMasterSp="0">
+<p:notes xmlns:a="http://schemas.openxmlformats.org/drawingml/2006/main" xmlns:r="http://schemas.openxmlformats.org/officeDocument/2006/relationships" xmlns:p="http://schemas.openxmlformats.org/presentationml/2006/main" showMasterSp="0" showMasterPhAnim="0">
   <p:cSld>
     <p:spTree>
       <p:nvGrpSpPr>
-        <p:cNvPr id="50" name="Shape 50"/>
+        <p:cNvPr id="1" name="Shape 50"/>
         <p:cNvGrpSpPr/>
         <p:nvPr/>
       </p:nvGrpSpPr>
@@ -725,9 +740,11 @@
       <p:sp>
         <p:nvSpPr>
           <p:cNvPr id="51" name="Google Shape;51;p:notes"/>
-          <p:cNvSpPr/>
+          <p:cNvSpPr>
+            <a:spLocks noGrp="1" noRot="1" noChangeAspect="1"/>
+          </p:cNvSpPr>
           <p:nvPr>
-            <p:ph idx="2" type="sldImg"/>
+            <p:ph type="sldImg" idx="2"/>
           </p:nvPr>
         </p:nvSpPr>
         <p:spPr>
@@ -736,9 +753,13 @@
             <a:ext cx="6096075" cy="3429000"/>
           </a:xfrm>
           <a:custGeom>
-            <a:rect b="b" l="l" r="r" t="t"/>
+            <a:avLst/>
+            <a:gdLst/>
+            <a:ahLst/>
+            <a:cxnLst/>
+            <a:rect l="l" t="t" r="r" b="b"/>
             <a:pathLst>
-              <a:path extrusionOk="0" h="120000" w="120000">
+              <a:path w="120000" h="120000" extrusionOk="0">
                 <a:moveTo>
                   <a:pt x="0" y="0"/>
                 </a:moveTo>
@@ -760,9 +781,11 @@
       <p:sp>
         <p:nvSpPr>
           <p:cNvPr id="52" name="Google Shape;52;p:notes"/>
-          <p:cNvSpPr txBox="1"/>
+          <p:cNvSpPr txBox="1">
+            <a:spLocks noGrp="1"/>
+          </p:cNvSpPr>
           <p:nvPr>
-            <p:ph idx="1" type="body"/>
+            <p:ph type="body" idx="1"/>
           </p:nvPr>
         </p:nvSpPr>
         <p:spPr>
@@ -775,12 +798,12 @@
           </a:prstGeom>
         </p:spPr>
         <p:txBody>
-          <a:bodyPr anchorCtr="0" anchor="t" bIns="91425" lIns="91425" spcFirstLastPara="1" rIns="91425" wrap="square" tIns="91425">
+          <a:bodyPr spcFirstLastPara="1" wrap="square" lIns="91425" tIns="91425" rIns="91425" bIns="91425" anchor="t" anchorCtr="0">
             <a:noAutofit/>
           </a:bodyPr>
           <a:lstStyle/>
           <a:p>
-            <a:pPr indent="0" lvl="0" marL="0" rtl="0" algn="l">
+            <a:pPr marL="0" lvl="0" indent="0" algn="l" rtl="0">
               <a:spcBef>
                 <a:spcPts val="0"/>
               </a:spcBef>
@@ -789,9 +812,6 @@
               </a:spcAft>
               <a:buNone/>
             </a:pPr>
-            <a:r>
-              <a:t/>
-            </a:r>
             <a:endParaRPr/>
           </a:p>
         </p:txBody>
@@ -805,11 +825,11 @@
 </file>
 
 <file path=ppt/notesSlides/notesSlide10.xml><?xml version="1.0" encoding="utf-8"?>
-<p:notes xmlns:a="http://schemas.openxmlformats.org/drawingml/2006/main" xmlns:r="http://schemas.openxmlformats.org/officeDocument/2006/relationships" xmlns:mc="http://schemas.openxmlformats.org/markup-compatibility/2006" xmlns:mv="urn:schemas-microsoft-com:mac:vml" xmlns:p="http://schemas.openxmlformats.org/presentationml/2006/main" xmlns:c="http://schemas.openxmlformats.org/drawingml/2006/chart" xmlns:dgm="http://schemas.openxmlformats.org/drawingml/2006/diagram" xmlns:o="urn:schemas-microsoft-com:office:office" xmlns:v="urn:schemas-microsoft-com:vml" xmlns:pvml="urn:schemas-microsoft-com:office:powerpoint" xmlns:com="http://schemas.openxmlformats.org/drawingml/2006/compatibility" xmlns:p14="http://schemas.microsoft.com/office/powerpoint/2010/main" xmlns:p15="http://schemas.microsoft.com/office/powerpoint/2012/main" xmlns:ahyp="http://schemas.microsoft.com/office/drawing/2018/hyperlinkcolor" showMasterPhAnim="0" showMasterSp="0">
+<p:notes xmlns:a="http://schemas.openxmlformats.org/drawingml/2006/main" xmlns:r="http://schemas.openxmlformats.org/officeDocument/2006/relationships" xmlns:p="http://schemas.openxmlformats.org/presentationml/2006/main" showMasterSp="0" showMasterPhAnim="0">
   <p:cSld>
     <p:spTree>
       <p:nvGrpSpPr>
-        <p:cNvPr id="109" name="Shape 109"/>
+        <p:cNvPr id="1" name="Shape 109"/>
         <p:cNvGrpSpPr/>
         <p:nvPr/>
       </p:nvGrpSpPr>
@@ -824,9 +844,11 @@
       <p:sp>
         <p:nvSpPr>
           <p:cNvPr id="110" name="Google Shape;110;g35072149f47_0_42:notes"/>
-          <p:cNvSpPr/>
+          <p:cNvSpPr>
+            <a:spLocks noGrp="1" noRot="1" noChangeAspect="1"/>
+          </p:cNvSpPr>
           <p:nvPr>
-            <p:ph idx="2" type="sldImg"/>
+            <p:ph type="sldImg" idx="2"/>
           </p:nvPr>
         </p:nvSpPr>
         <p:spPr>
@@ -835,9 +857,13 @@
             <a:ext cx="6096000" cy="3429000"/>
           </a:xfrm>
           <a:custGeom>
-            <a:rect b="b" l="l" r="r" t="t"/>
+            <a:avLst/>
+            <a:gdLst/>
+            <a:ahLst/>
+            <a:cxnLst/>
+            <a:rect l="l" t="t" r="r" b="b"/>
             <a:pathLst>
-              <a:path extrusionOk="0" h="120000" w="120000">
+              <a:path w="120000" h="120000" extrusionOk="0">
                 <a:moveTo>
                   <a:pt x="0" y="0"/>
                 </a:moveTo>
@@ -859,9 +885,11 @@
       <p:sp>
         <p:nvSpPr>
           <p:cNvPr id="111" name="Google Shape;111;g35072149f47_0_42:notes"/>
-          <p:cNvSpPr txBox="1"/>
+          <p:cNvSpPr txBox="1">
+            <a:spLocks noGrp="1"/>
+          </p:cNvSpPr>
           <p:nvPr>
-            <p:ph idx="1" type="body"/>
+            <p:ph type="body" idx="1"/>
           </p:nvPr>
         </p:nvSpPr>
         <p:spPr>
@@ -874,12 +902,12 @@
           </a:prstGeom>
         </p:spPr>
         <p:txBody>
-          <a:bodyPr anchorCtr="0" anchor="t" bIns="91425" lIns="91425" spcFirstLastPara="1" rIns="91425" wrap="square" tIns="91425">
+          <a:bodyPr spcFirstLastPara="1" wrap="square" lIns="91425" tIns="91425" rIns="91425" bIns="91425" anchor="t" anchorCtr="0">
             <a:noAutofit/>
           </a:bodyPr>
           <a:lstStyle/>
           <a:p>
-            <a:pPr indent="0" lvl="0" marL="0" rtl="0" algn="l">
+            <a:pPr marL="0" lvl="0" indent="0" algn="l" rtl="0">
               <a:spcBef>
                 <a:spcPts val="0"/>
               </a:spcBef>
@@ -888,9 +916,6 @@
               </a:spcAft>
               <a:buNone/>
             </a:pPr>
-            <a:r>
-              <a:t/>
-            </a:r>
             <a:endParaRPr/>
           </a:p>
         </p:txBody>
@@ -904,11 +929,11 @@
 </file>
 
 <file path=ppt/notesSlides/notesSlide11.xml><?xml version="1.0" encoding="utf-8"?>
-<p:notes xmlns:a="http://schemas.openxmlformats.org/drawingml/2006/main" xmlns:r="http://schemas.openxmlformats.org/officeDocument/2006/relationships" xmlns:mc="http://schemas.openxmlformats.org/markup-compatibility/2006" xmlns:mv="urn:schemas-microsoft-com:mac:vml" xmlns:p="http://schemas.openxmlformats.org/presentationml/2006/main" xmlns:c="http://schemas.openxmlformats.org/drawingml/2006/chart" xmlns:dgm="http://schemas.openxmlformats.org/drawingml/2006/diagram" xmlns:o="urn:schemas-microsoft-com:office:office" xmlns:v="urn:schemas-microsoft-com:vml" xmlns:pvml="urn:schemas-microsoft-com:office:powerpoint" xmlns:com="http://schemas.openxmlformats.org/drawingml/2006/compatibility" xmlns:p14="http://schemas.microsoft.com/office/powerpoint/2010/main" xmlns:p15="http://schemas.microsoft.com/office/powerpoint/2012/main" xmlns:ahyp="http://schemas.microsoft.com/office/drawing/2018/hyperlinkcolor" showMasterPhAnim="0" showMasterSp="0">
+<p:notes xmlns:a="http://schemas.openxmlformats.org/drawingml/2006/main" xmlns:r="http://schemas.openxmlformats.org/officeDocument/2006/relationships" xmlns:p="http://schemas.openxmlformats.org/presentationml/2006/main" showMasterSp="0" showMasterPhAnim="0">
   <p:cSld>
     <p:spTree>
       <p:nvGrpSpPr>
-        <p:cNvPr id="118" name="Shape 118"/>
+        <p:cNvPr id="1" name="Shape 118"/>
         <p:cNvGrpSpPr/>
         <p:nvPr/>
       </p:nvGrpSpPr>
@@ -923,9 +948,11 @@
       <p:sp>
         <p:nvSpPr>
           <p:cNvPr id="119" name="Google Shape;119;g35072149f47_0_47:notes"/>
-          <p:cNvSpPr/>
+          <p:cNvSpPr>
+            <a:spLocks noGrp="1" noRot="1" noChangeAspect="1"/>
+          </p:cNvSpPr>
           <p:nvPr>
-            <p:ph idx="2" type="sldImg"/>
+            <p:ph type="sldImg" idx="2"/>
           </p:nvPr>
         </p:nvSpPr>
         <p:spPr>
@@ -934,9 +961,13 @@
             <a:ext cx="6096000" cy="3429000"/>
           </a:xfrm>
           <a:custGeom>
-            <a:rect b="b" l="l" r="r" t="t"/>
+            <a:avLst/>
+            <a:gdLst/>
+            <a:ahLst/>
+            <a:cxnLst/>
+            <a:rect l="l" t="t" r="r" b="b"/>
             <a:pathLst>
-              <a:path extrusionOk="0" h="120000" w="120000">
+              <a:path w="120000" h="120000" extrusionOk="0">
                 <a:moveTo>
                   <a:pt x="0" y="0"/>
                 </a:moveTo>
@@ -958,9 +989,11 @@
       <p:sp>
         <p:nvSpPr>
           <p:cNvPr id="120" name="Google Shape;120;g35072149f47_0_47:notes"/>
-          <p:cNvSpPr txBox="1"/>
+          <p:cNvSpPr txBox="1">
+            <a:spLocks noGrp="1"/>
+          </p:cNvSpPr>
           <p:nvPr>
-            <p:ph idx="1" type="body"/>
+            <p:ph type="body" idx="1"/>
           </p:nvPr>
         </p:nvSpPr>
         <p:spPr>
@@ -973,12 +1006,12 @@
           </a:prstGeom>
         </p:spPr>
         <p:txBody>
-          <a:bodyPr anchorCtr="0" anchor="t" bIns="91425" lIns="91425" spcFirstLastPara="1" rIns="91425" wrap="square" tIns="91425">
+          <a:bodyPr spcFirstLastPara="1" wrap="square" lIns="91425" tIns="91425" rIns="91425" bIns="91425" anchor="t" anchorCtr="0">
             <a:noAutofit/>
           </a:bodyPr>
           <a:lstStyle/>
           <a:p>
-            <a:pPr indent="0" lvl="0" marL="0" rtl="0" algn="l">
+            <a:pPr marL="0" lvl="0" indent="0" algn="l" rtl="0">
               <a:spcBef>
                 <a:spcPts val="0"/>
               </a:spcBef>
@@ -987,9 +1020,6 @@
               </a:spcAft>
               <a:buNone/>
             </a:pPr>
-            <a:r>
-              <a:t/>
-            </a:r>
             <a:endParaRPr/>
           </a:p>
         </p:txBody>
@@ -1003,11 +1033,11 @@
 </file>
 
 <file path=ppt/notesSlides/notesSlide2.xml><?xml version="1.0" encoding="utf-8"?>
-<p:notes xmlns:a="http://schemas.openxmlformats.org/drawingml/2006/main" xmlns:r="http://schemas.openxmlformats.org/officeDocument/2006/relationships" xmlns:mc="http://schemas.openxmlformats.org/markup-compatibility/2006" xmlns:mv="urn:schemas-microsoft-com:mac:vml" xmlns:p="http://schemas.openxmlformats.org/presentationml/2006/main" xmlns:c="http://schemas.openxmlformats.org/drawingml/2006/chart" xmlns:dgm="http://schemas.openxmlformats.org/drawingml/2006/diagram" xmlns:o="urn:schemas-microsoft-com:office:office" xmlns:v="urn:schemas-microsoft-com:vml" xmlns:pvml="urn:schemas-microsoft-com:office:powerpoint" xmlns:com="http://schemas.openxmlformats.org/drawingml/2006/compatibility" xmlns:p14="http://schemas.microsoft.com/office/powerpoint/2010/main" xmlns:p15="http://schemas.microsoft.com/office/powerpoint/2012/main" xmlns:ahyp="http://schemas.microsoft.com/office/drawing/2018/hyperlinkcolor" showMasterPhAnim="0" showMasterSp="0">
+<p:notes xmlns:a="http://schemas.openxmlformats.org/drawingml/2006/main" xmlns:r="http://schemas.openxmlformats.org/officeDocument/2006/relationships" xmlns:p="http://schemas.openxmlformats.org/presentationml/2006/main" showMasterSp="0" showMasterPhAnim="0">
   <p:cSld>
     <p:spTree>
       <p:nvGrpSpPr>
-        <p:cNvPr id="56" name="Shape 56"/>
+        <p:cNvPr id="1" name="Shape 56"/>
         <p:cNvGrpSpPr/>
         <p:nvPr/>
       </p:nvGrpSpPr>
@@ -1022,9 +1052,11 @@
       <p:sp>
         <p:nvSpPr>
           <p:cNvPr id="57" name="Google Shape;57;g35072149f47_0_59:notes"/>
-          <p:cNvSpPr/>
+          <p:cNvSpPr>
+            <a:spLocks noGrp="1" noRot="1" noChangeAspect="1"/>
+          </p:cNvSpPr>
           <p:nvPr>
-            <p:ph idx="2" type="sldImg"/>
+            <p:ph type="sldImg" idx="2"/>
           </p:nvPr>
         </p:nvSpPr>
         <p:spPr>
@@ -1033,9 +1065,13 @@
             <a:ext cx="6096000" cy="3429000"/>
           </a:xfrm>
           <a:custGeom>
-            <a:rect b="b" l="l" r="r" t="t"/>
+            <a:avLst/>
+            <a:gdLst/>
+            <a:ahLst/>
+            <a:cxnLst/>
+            <a:rect l="l" t="t" r="r" b="b"/>
             <a:pathLst>
-              <a:path extrusionOk="0" h="120000" w="120000">
+              <a:path w="120000" h="120000" extrusionOk="0">
                 <a:moveTo>
                   <a:pt x="0" y="0"/>
                 </a:moveTo>
@@ -1057,9 +1093,11 @@
       <p:sp>
         <p:nvSpPr>
           <p:cNvPr id="58" name="Google Shape;58;g35072149f47_0_59:notes"/>
-          <p:cNvSpPr txBox="1"/>
+          <p:cNvSpPr txBox="1">
+            <a:spLocks noGrp="1"/>
+          </p:cNvSpPr>
           <p:nvPr>
-            <p:ph idx="1" type="body"/>
+            <p:ph type="body" idx="1"/>
           </p:nvPr>
         </p:nvSpPr>
         <p:spPr>
@@ -1072,12 +1110,12 @@
           </a:prstGeom>
         </p:spPr>
         <p:txBody>
-          <a:bodyPr anchorCtr="0" anchor="t" bIns="91425" lIns="91425" spcFirstLastPara="1" rIns="91425" wrap="square" tIns="91425">
+          <a:bodyPr spcFirstLastPara="1" wrap="square" lIns="91425" tIns="91425" rIns="91425" bIns="91425" anchor="t" anchorCtr="0">
             <a:noAutofit/>
           </a:bodyPr>
           <a:lstStyle/>
           <a:p>
-            <a:pPr indent="0" lvl="0" marL="0" rtl="0" algn="l">
+            <a:pPr marL="0" lvl="0" indent="0" algn="l" rtl="0">
               <a:spcBef>
                 <a:spcPts val="0"/>
               </a:spcBef>
@@ -1086,9 +1124,6 @@
               </a:spcAft>
               <a:buNone/>
             </a:pPr>
-            <a:r>
-              <a:t/>
-            </a:r>
             <a:endParaRPr/>
           </a:p>
         </p:txBody>
@@ -1102,11 +1137,11 @@
 </file>
 
 <file path=ppt/notesSlides/notesSlide3.xml><?xml version="1.0" encoding="utf-8"?>
-<p:notes xmlns:a="http://schemas.openxmlformats.org/drawingml/2006/main" xmlns:r="http://schemas.openxmlformats.org/officeDocument/2006/relationships" xmlns:mc="http://schemas.openxmlformats.org/markup-compatibility/2006" xmlns:mv="urn:schemas-microsoft-com:mac:vml" xmlns:p="http://schemas.openxmlformats.org/presentationml/2006/main" xmlns:c="http://schemas.openxmlformats.org/drawingml/2006/chart" xmlns:dgm="http://schemas.openxmlformats.org/drawingml/2006/diagram" xmlns:o="urn:schemas-microsoft-com:office:office" xmlns:v="urn:schemas-microsoft-com:vml" xmlns:pvml="urn:schemas-microsoft-com:office:powerpoint" xmlns:com="http://schemas.openxmlformats.org/drawingml/2006/compatibility" xmlns:p14="http://schemas.microsoft.com/office/powerpoint/2010/main" xmlns:p15="http://schemas.microsoft.com/office/powerpoint/2012/main" xmlns:ahyp="http://schemas.microsoft.com/office/drawing/2018/hyperlinkcolor" showMasterPhAnim="0" showMasterSp="0">
+<p:notes xmlns:a="http://schemas.openxmlformats.org/drawingml/2006/main" xmlns:r="http://schemas.openxmlformats.org/officeDocument/2006/relationships" xmlns:p="http://schemas.openxmlformats.org/presentationml/2006/main" showMasterSp="0" showMasterPhAnim="0">
   <p:cSld>
     <p:spTree>
       <p:nvGrpSpPr>
-        <p:cNvPr id="62" name="Shape 62"/>
+        <p:cNvPr id="1" name="Shape 62"/>
         <p:cNvGrpSpPr/>
         <p:nvPr/>
       </p:nvGrpSpPr>
@@ -1121,20 +1156,26 @@
       <p:sp>
         <p:nvSpPr>
           <p:cNvPr id="63" name="Google Shape;63;g35072149f47_0_2:notes"/>
-          <p:cNvSpPr/>
+          <p:cNvSpPr>
+            <a:spLocks noGrp="1" noRot="1" noChangeAspect="1"/>
+          </p:cNvSpPr>
           <p:nvPr>
-            <p:ph idx="2" type="sldImg"/>
+            <p:ph type="sldImg" idx="2"/>
           </p:nvPr>
         </p:nvSpPr>
         <p:spPr>
           <a:xfrm>
-            <a:off x="381300" y="685800"/>
+            <a:off x="381000" y="685800"/>
             <a:ext cx="6096000" cy="3429000"/>
           </a:xfrm>
           <a:custGeom>
-            <a:rect b="b" l="l" r="r" t="t"/>
+            <a:avLst/>
+            <a:gdLst/>
+            <a:ahLst/>
+            <a:cxnLst/>
+            <a:rect l="l" t="t" r="r" b="b"/>
             <a:pathLst>
-              <a:path extrusionOk="0" h="120000" w="120000">
+              <a:path w="120000" h="120000" extrusionOk="0">
                 <a:moveTo>
                   <a:pt x="0" y="0"/>
                 </a:moveTo>
@@ -1156,9 +1197,11 @@
       <p:sp>
         <p:nvSpPr>
           <p:cNvPr id="64" name="Google Shape;64;g35072149f47_0_2:notes"/>
-          <p:cNvSpPr txBox="1"/>
+          <p:cNvSpPr txBox="1">
+            <a:spLocks noGrp="1"/>
+          </p:cNvSpPr>
           <p:nvPr>
-            <p:ph idx="1" type="body"/>
+            <p:ph type="body" idx="1"/>
           </p:nvPr>
         </p:nvSpPr>
         <p:spPr>
@@ -1171,12 +1214,12 @@
           </a:prstGeom>
         </p:spPr>
         <p:txBody>
-          <a:bodyPr anchorCtr="0" anchor="t" bIns="91425" lIns="91425" spcFirstLastPara="1" rIns="91425" wrap="square" tIns="91425">
+          <a:bodyPr spcFirstLastPara="1" wrap="square" lIns="91425" tIns="91425" rIns="91425" bIns="91425" anchor="t" anchorCtr="0">
             <a:noAutofit/>
           </a:bodyPr>
           <a:lstStyle/>
           <a:p>
-            <a:pPr indent="0" lvl="0" marL="0" rtl="0" algn="l">
+            <a:pPr marL="0" lvl="0" indent="0" algn="l" rtl="0">
               <a:spcBef>
                 <a:spcPts val="0"/>
               </a:spcBef>
@@ -1185,9 +1228,6 @@
               </a:spcAft>
               <a:buNone/>
             </a:pPr>
-            <a:r>
-              <a:t/>
-            </a:r>
             <a:endParaRPr/>
           </a:p>
         </p:txBody>
@@ -1201,11 +1241,11 @@
 </file>
 
 <file path=ppt/notesSlides/notesSlide4.xml><?xml version="1.0" encoding="utf-8"?>
-<p:notes xmlns:a="http://schemas.openxmlformats.org/drawingml/2006/main" xmlns:r="http://schemas.openxmlformats.org/officeDocument/2006/relationships" xmlns:mc="http://schemas.openxmlformats.org/markup-compatibility/2006" xmlns:mv="urn:schemas-microsoft-com:mac:vml" xmlns:p="http://schemas.openxmlformats.org/presentationml/2006/main" xmlns:c="http://schemas.openxmlformats.org/drawingml/2006/chart" xmlns:dgm="http://schemas.openxmlformats.org/drawingml/2006/diagram" xmlns:o="urn:schemas-microsoft-com:office:office" xmlns:v="urn:schemas-microsoft-com:vml" xmlns:pvml="urn:schemas-microsoft-com:office:powerpoint" xmlns:com="http://schemas.openxmlformats.org/drawingml/2006/compatibility" xmlns:p14="http://schemas.microsoft.com/office/powerpoint/2010/main" xmlns:p15="http://schemas.microsoft.com/office/powerpoint/2012/main" xmlns:ahyp="http://schemas.microsoft.com/office/drawing/2018/hyperlinkcolor" showMasterPhAnim="0" showMasterSp="0">
+<p:notes xmlns:a="http://schemas.openxmlformats.org/drawingml/2006/main" xmlns:r="http://schemas.openxmlformats.org/officeDocument/2006/relationships" xmlns:p="http://schemas.openxmlformats.org/presentationml/2006/main" showMasterSp="0" showMasterPhAnim="0">
   <p:cSld>
     <p:spTree>
       <p:nvGrpSpPr>
-        <p:cNvPr id="69" name="Shape 69"/>
+        <p:cNvPr id="1" name="Shape 69"/>
         <p:cNvGrpSpPr/>
         <p:nvPr/>
       </p:nvGrpSpPr>
@@ -1220,9 +1260,11 @@
       <p:sp>
         <p:nvSpPr>
           <p:cNvPr id="70" name="Google Shape;70;g35072149f47_0_7:notes"/>
-          <p:cNvSpPr/>
+          <p:cNvSpPr>
+            <a:spLocks noGrp="1" noRot="1" noChangeAspect="1"/>
+          </p:cNvSpPr>
           <p:nvPr>
-            <p:ph idx="2" type="sldImg"/>
+            <p:ph type="sldImg" idx="2"/>
           </p:nvPr>
         </p:nvSpPr>
         <p:spPr>
@@ -1231,9 +1273,13 @@
             <a:ext cx="6096000" cy="3429000"/>
           </a:xfrm>
           <a:custGeom>
-            <a:rect b="b" l="l" r="r" t="t"/>
+            <a:avLst/>
+            <a:gdLst/>
+            <a:ahLst/>
+            <a:cxnLst/>
+            <a:rect l="l" t="t" r="r" b="b"/>
             <a:pathLst>
-              <a:path extrusionOk="0" h="120000" w="120000">
+              <a:path w="120000" h="120000" extrusionOk="0">
                 <a:moveTo>
                   <a:pt x="0" y="0"/>
                 </a:moveTo>
@@ -1255,9 +1301,11 @@
       <p:sp>
         <p:nvSpPr>
           <p:cNvPr id="71" name="Google Shape;71;g35072149f47_0_7:notes"/>
-          <p:cNvSpPr txBox="1"/>
+          <p:cNvSpPr txBox="1">
+            <a:spLocks noGrp="1"/>
+          </p:cNvSpPr>
           <p:nvPr>
-            <p:ph idx="1" type="body"/>
+            <p:ph type="body" idx="1"/>
           </p:nvPr>
         </p:nvSpPr>
         <p:spPr>
@@ -1270,12 +1318,12 @@
           </a:prstGeom>
         </p:spPr>
         <p:txBody>
-          <a:bodyPr anchorCtr="0" anchor="t" bIns="91425" lIns="91425" spcFirstLastPara="1" rIns="91425" wrap="square" tIns="91425">
+          <a:bodyPr spcFirstLastPara="1" wrap="square" lIns="91425" tIns="91425" rIns="91425" bIns="91425" anchor="t" anchorCtr="0">
             <a:noAutofit/>
           </a:bodyPr>
           <a:lstStyle/>
           <a:p>
-            <a:pPr indent="0" lvl="0" marL="0" rtl="0" algn="l">
+            <a:pPr marL="0" lvl="0" indent="0" algn="l" rtl="0">
               <a:spcBef>
                 <a:spcPts val="0"/>
               </a:spcBef>
@@ -1284,9 +1332,6 @@
               </a:spcAft>
               <a:buNone/>
             </a:pPr>
-            <a:r>
-              <a:t/>
-            </a:r>
             <a:endParaRPr/>
           </a:p>
         </p:txBody>
@@ -1300,11 +1345,11 @@
 </file>
 
 <file path=ppt/notesSlides/notesSlide5.xml><?xml version="1.0" encoding="utf-8"?>
-<p:notes xmlns:a="http://schemas.openxmlformats.org/drawingml/2006/main" xmlns:r="http://schemas.openxmlformats.org/officeDocument/2006/relationships" xmlns:mc="http://schemas.openxmlformats.org/markup-compatibility/2006" xmlns:mv="urn:schemas-microsoft-com:mac:vml" xmlns:p="http://schemas.openxmlformats.org/presentationml/2006/main" xmlns:c="http://schemas.openxmlformats.org/drawingml/2006/chart" xmlns:dgm="http://schemas.openxmlformats.org/drawingml/2006/diagram" xmlns:o="urn:schemas-microsoft-com:office:office" xmlns:v="urn:schemas-microsoft-com:vml" xmlns:pvml="urn:schemas-microsoft-com:office:powerpoint" xmlns:com="http://schemas.openxmlformats.org/drawingml/2006/compatibility" xmlns:p14="http://schemas.microsoft.com/office/powerpoint/2010/main" xmlns:p15="http://schemas.microsoft.com/office/powerpoint/2012/main" xmlns:ahyp="http://schemas.microsoft.com/office/drawing/2018/hyperlinkcolor" showMasterPhAnim="0" showMasterSp="0">
+<p:notes xmlns:a="http://schemas.openxmlformats.org/drawingml/2006/main" xmlns:r="http://schemas.openxmlformats.org/officeDocument/2006/relationships" xmlns:p="http://schemas.openxmlformats.org/presentationml/2006/main" showMasterSp="0" showMasterPhAnim="0">
   <p:cSld>
     <p:spTree>
       <p:nvGrpSpPr>
-        <p:cNvPr id="75" name="Shape 75"/>
+        <p:cNvPr id="1" name="Shape 75"/>
         <p:cNvGrpSpPr/>
         <p:nvPr/>
       </p:nvGrpSpPr>
@@ -1319,20 +1364,26 @@
       <p:sp>
         <p:nvSpPr>
           <p:cNvPr id="76" name="Google Shape;76;g35072149f47_0_12:notes"/>
-          <p:cNvSpPr/>
+          <p:cNvSpPr>
+            <a:spLocks noGrp="1" noRot="1" noChangeAspect="1"/>
+          </p:cNvSpPr>
           <p:nvPr>
-            <p:ph idx="2" type="sldImg"/>
+            <p:ph type="sldImg" idx="2"/>
           </p:nvPr>
         </p:nvSpPr>
         <p:spPr>
           <a:xfrm>
-            <a:off x="381300" y="685800"/>
+            <a:off x="381000" y="685800"/>
             <a:ext cx="6096000" cy="3429000"/>
           </a:xfrm>
           <a:custGeom>
-            <a:rect b="b" l="l" r="r" t="t"/>
+            <a:avLst/>
+            <a:gdLst/>
+            <a:ahLst/>
+            <a:cxnLst/>
+            <a:rect l="l" t="t" r="r" b="b"/>
             <a:pathLst>
-              <a:path extrusionOk="0" h="120000" w="120000">
+              <a:path w="120000" h="120000" extrusionOk="0">
                 <a:moveTo>
                   <a:pt x="0" y="0"/>
                 </a:moveTo>
@@ -1354,9 +1405,11 @@
       <p:sp>
         <p:nvSpPr>
           <p:cNvPr id="77" name="Google Shape;77;g35072149f47_0_12:notes"/>
-          <p:cNvSpPr txBox="1"/>
+          <p:cNvSpPr txBox="1">
+            <a:spLocks noGrp="1"/>
+          </p:cNvSpPr>
           <p:nvPr>
-            <p:ph idx="1" type="body"/>
+            <p:ph type="body" idx="1"/>
           </p:nvPr>
         </p:nvSpPr>
         <p:spPr>
@@ -1369,12 +1422,12 @@
           </a:prstGeom>
         </p:spPr>
         <p:txBody>
-          <a:bodyPr anchorCtr="0" anchor="t" bIns="91425" lIns="91425" spcFirstLastPara="1" rIns="91425" wrap="square" tIns="91425">
+          <a:bodyPr spcFirstLastPara="1" wrap="square" lIns="91425" tIns="91425" rIns="91425" bIns="91425" anchor="t" anchorCtr="0">
             <a:noAutofit/>
           </a:bodyPr>
           <a:lstStyle/>
           <a:p>
-            <a:pPr indent="0" lvl="0" marL="0" rtl="0" algn="l">
+            <a:pPr marL="0" lvl="0" indent="0" algn="l" rtl="0">
               <a:spcBef>
                 <a:spcPts val="0"/>
               </a:spcBef>
@@ -1383,9 +1436,6 @@
               </a:spcAft>
               <a:buNone/>
             </a:pPr>
-            <a:r>
-              <a:t/>
-            </a:r>
             <a:endParaRPr/>
           </a:p>
         </p:txBody>
@@ -1399,11 +1449,11 @@
 </file>
 
 <file path=ppt/notesSlides/notesSlide6.xml><?xml version="1.0" encoding="utf-8"?>
-<p:notes xmlns:a="http://schemas.openxmlformats.org/drawingml/2006/main" xmlns:r="http://schemas.openxmlformats.org/officeDocument/2006/relationships" xmlns:mc="http://schemas.openxmlformats.org/markup-compatibility/2006" xmlns:mv="urn:schemas-microsoft-com:mac:vml" xmlns:p="http://schemas.openxmlformats.org/presentationml/2006/main" xmlns:c="http://schemas.openxmlformats.org/drawingml/2006/chart" xmlns:dgm="http://schemas.openxmlformats.org/drawingml/2006/diagram" xmlns:o="urn:schemas-microsoft-com:office:office" xmlns:v="urn:schemas-microsoft-com:vml" xmlns:pvml="urn:schemas-microsoft-com:office:powerpoint" xmlns:com="http://schemas.openxmlformats.org/drawingml/2006/compatibility" xmlns:p14="http://schemas.microsoft.com/office/powerpoint/2010/main" xmlns:p15="http://schemas.microsoft.com/office/powerpoint/2012/main" xmlns:ahyp="http://schemas.microsoft.com/office/drawing/2018/hyperlinkcolor" showMasterPhAnim="0" showMasterSp="0">
+<p:notes xmlns:a="http://schemas.openxmlformats.org/drawingml/2006/main" xmlns:r="http://schemas.openxmlformats.org/officeDocument/2006/relationships" xmlns:p="http://schemas.openxmlformats.org/presentationml/2006/main" showMasterSp="0" showMasterPhAnim="0">
   <p:cSld>
     <p:spTree>
       <p:nvGrpSpPr>
-        <p:cNvPr id="82" name="Shape 82"/>
+        <p:cNvPr id="1" name="Shape 82"/>
         <p:cNvGrpSpPr/>
         <p:nvPr/>
       </p:nvGrpSpPr>
@@ -1418,9 +1468,11 @@
       <p:sp>
         <p:nvSpPr>
           <p:cNvPr id="83" name="Google Shape;83;g35072149f47_0_17:notes"/>
-          <p:cNvSpPr/>
+          <p:cNvSpPr>
+            <a:spLocks noGrp="1" noRot="1" noChangeAspect="1"/>
+          </p:cNvSpPr>
           <p:nvPr>
-            <p:ph idx="2" type="sldImg"/>
+            <p:ph type="sldImg" idx="2"/>
           </p:nvPr>
         </p:nvSpPr>
         <p:spPr>
@@ -1429,9 +1481,13 @@
             <a:ext cx="6096000" cy="3429000"/>
           </a:xfrm>
           <a:custGeom>
-            <a:rect b="b" l="l" r="r" t="t"/>
+            <a:avLst/>
+            <a:gdLst/>
+            <a:ahLst/>
+            <a:cxnLst/>
+            <a:rect l="l" t="t" r="r" b="b"/>
             <a:pathLst>
-              <a:path extrusionOk="0" h="120000" w="120000">
+              <a:path w="120000" h="120000" extrusionOk="0">
                 <a:moveTo>
                   <a:pt x="0" y="0"/>
                 </a:moveTo>
@@ -1453,9 +1509,11 @@
       <p:sp>
         <p:nvSpPr>
           <p:cNvPr id="84" name="Google Shape;84;g35072149f47_0_17:notes"/>
-          <p:cNvSpPr txBox="1"/>
+          <p:cNvSpPr txBox="1">
+            <a:spLocks noGrp="1"/>
+          </p:cNvSpPr>
           <p:nvPr>
-            <p:ph idx="1" type="body"/>
+            <p:ph type="body" idx="1"/>
           </p:nvPr>
         </p:nvSpPr>
         <p:spPr>
@@ -1468,12 +1526,12 @@
           </a:prstGeom>
         </p:spPr>
         <p:txBody>
-          <a:bodyPr anchorCtr="0" anchor="t" bIns="91425" lIns="91425" spcFirstLastPara="1" rIns="91425" wrap="square" tIns="91425">
+          <a:bodyPr spcFirstLastPara="1" wrap="square" lIns="91425" tIns="91425" rIns="91425" bIns="91425" anchor="t" anchorCtr="0">
             <a:noAutofit/>
           </a:bodyPr>
           <a:lstStyle/>
           <a:p>
-            <a:pPr indent="0" lvl="0" marL="0" rtl="0" algn="l">
+            <a:pPr marL="0" lvl="0" indent="0" algn="l" rtl="0">
               <a:spcBef>
                 <a:spcPts val="0"/>
               </a:spcBef>
@@ -1482,9 +1540,6 @@
               </a:spcAft>
               <a:buNone/>
             </a:pPr>
-            <a:r>
-              <a:t/>
-            </a:r>
             <a:endParaRPr/>
           </a:p>
         </p:txBody>
@@ -1498,11 +1553,11 @@
 </file>
 
 <file path=ppt/notesSlides/notesSlide7.xml><?xml version="1.0" encoding="utf-8"?>
-<p:notes xmlns:a="http://schemas.openxmlformats.org/drawingml/2006/main" xmlns:r="http://schemas.openxmlformats.org/officeDocument/2006/relationships" xmlns:mc="http://schemas.openxmlformats.org/markup-compatibility/2006" xmlns:mv="urn:schemas-microsoft-com:mac:vml" xmlns:p="http://schemas.openxmlformats.org/presentationml/2006/main" xmlns:c="http://schemas.openxmlformats.org/drawingml/2006/chart" xmlns:dgm="http://schemas.openxmlformats.org/drawingml/2006/diagram" xmlns:o="urn:schemas-microsoft-com:office:office" xmlns:v="urn:schemas-microsoft-com:vml" xmlns:pvml="urn:schemas-microsoft-com:office:powerpoint" xmlns:com="http://schemas.openxmlformats.org/drawingml/2006/compatibility" xmlns:p14="http://schemas.microsoft.com/office/powerpoint/2010/main" xmlns:p15="http://schemas.microsoft.com/office/powerpoint/2012/main" xmlns:ahyp="http://schemas.microsoft.com/office/drawing/2018/hyperlinkcolor" showMasterPhAnim="0" showMasterSp="0">
+<p:notes xmlns:a="http://schemas.openxmlformats.org/drawingml/2006/main" xmlns:r="http://schemas.openxmlformats.org/officeDocument/2006/relationships" xmlns:p="http://schemas.openxmlformats.org/presentationml/2006/main" showMasterSp="0" showMasterPhAnim="0">
   <p:cSld>
     <p:spTree>
       <p:nvGrpSpPr>
-        <p:cNvPr id="89" name="Shape 89"/>
+        <p:cNvPr id="1" name="Shape 89"/>
         <p:cNvGrpSpPr/>
         <p:nvPr/>
       </p:nvGrpSpPr>
@@ -1517,9 +1572,11 @@
       <p:sp>
         <p:nvSpPr>
           <p:cNvPr id="90" name="Google Shape;90;g35072149f47_0_22:notes"/>
-          <p:cNvSpPr/>
+          <p:cNvSpPr>
+            <a:spLocks noGrp="1" noRot="1" noChangeAspect="1"/>
+          </p:cNvSpPr>
           <p:nvPr>
-            <p:ph idx="2" type="sldImg"/>
+            <p:ph type="sldImg" idx="2"/>
           </p:nvPr>
         </p:nvSpPr>
         <p:spPr>
@@ -1528,9 +1585,13 @@
             <a:ext cx="6096000" cy="3429000"/>
           </a:xfrm>
           <a:custGeom>
-            <a:rect b="b" l="l" r="r" t="t"/>
+            <a:avLst/>
+            <a:gdLst/>
+            <a:ahLst/>
+            <a:cxnLst/>
+            <a:rect l="l" t="t" r="r" b="b"/>
             <a:pathLst>
-              <a:path extrusionOk="0" h="120000" w="120000">
+              <a:path w="120000" h="120000" extrusionOk="0">
                 <a:moveTo>
                   <a:pt x="0" y="0"/>
                 </a:moveTo>
@@ -1552,9 +1613,11 @@
       <p:sp>
         <p:nvSpPr>
           <p:cNvPr id="91" name="Google Shape;91;g35072149f47_0_22:notes"/>
-          <p:cNvSpPr txBox="1"/>
+          <p:cNvSpPr txBox="1">
+            <a:spLocks noGrp="1"/>
+          </p:cNvSpPr>
           <p:nvPr>
-            <p:ph idx="1" type="body"/>
+            <p:ph type="body" idx="1"/>
           </p:nvPr>
         </p:nvSpPr>
         <p:spPr>
@@ -1567,12 +1630,12 @@
           </a:prstGeom>
         </p:spPr>
         <p:txBody>
-          <a:bodyPr anchorCtr="0" anchor="t" bIns="91425" lIns="91425" spcFirstLastPara="1" rIns="91425" wrap="square" tIns="91425">
+          <a:bodyPr spcFirstLastPara="1" wrap="square" lIns="91425" tIns="91425" rIns="91425" bIns="91425" anchor="t" anchorCtr="0">
             <a:noAutofit/>
           </a:bodyPr>
           <a:lstStyle/>
           <a:p>
-            <a:pPr indent="0" lvl="0" marL="0" rtl="0" algn="l">
+            <a:pPr marL="0" lvl="0" indent="0" algn="l" rtl="0">
               <a:spcBef>
                 <a:spcPts val="0"/>
               </a:spcBef>
@@ -1581,9 +1644,6 @@
               </a:spcAft>
               <a:buNone/>
             </a:pPr>
-            <a:r>
-              <a:t/>
-            </a:r>
             <a:endParaRPr/>
           </a:p>
         </p:txBody>
@@ -1597,11 +1657,11 @@
 </file>
 
 <file path=ppt/notesSlides/notesSlide8.xml><?xml version="1.0" encoding="utf-8"?>
-<p:notes xmlns:a="http://schemas.openxmlformats.org/drawingml/2006/main" xmlns:r="http://schemas.openxmlformats.org/officeDocument/2006/relationships" xmlns:mc="http://schemas.openxmlformats.org/markup-compatibility/2006" xmlns:mv="urn:schemas-microsoft-com:mac:vml" xmlns:p="http://schemas.openxmlformats.org/presentationml/2006/main" xmlns:c="http://schemas.openxmlformats.org/drawingml/2006/chart" xmlns:dgm="http://schemas.openxmlformats.org/drawingml/2006/diagram" xmlns:o="urn:schemas-microsoft-com:office:office" xmlns:v="urn:schemas-microsoft-com:vml" xmlns:pvml="urn:schemas-microsoft-com:office:powerpoint" xmlns:com="http://schemas.openxmlformats.org/drawingml/2006/compatibility" xmlns:p14="http://schemas.microsoft.com/office/powerpoint/2010/main" xmlns:p15="http://schemas.microsoft.com/office/powerpoint/2012/main" xmlns:ahyp="http://schemas.microsoft.com/office/drawing/2018/hyperlinkcolor" showMasterPhAnim="0" showMasterSp="0">
+<p:notes xmlns:a="http://schemas.openxmlformats.org/drawingml/2006/main" xmlns:r="http://schemas.openxmlformats.org/officeDocument/2006/relationships" xmlns:p="http://schemas.openxmlformats.org/presentationml/2006/main" showMasterSp="0" showMasterPhAnim="0">
   <p:cSld>
     <p:spTree>
       <p:nvGrpSpPr>
-        <p:cNvPr id="96" name="Shape 96"/>
+        <p:cNvPr id="1" name="Shape 96"/>
         <p:cNvGrpSpPr/>
         <p:nvPr/>
       </p:nvGrpSpPr>
@@ -1616,20 +1676,26 @@
       <p:sp>
         <p:nvSpPr>
           <p:cNvPr id="97" name="Google Shape;97;g35072149f47_0_27:notes"/>
-          <p:cNvSpPr/>
+          <p:cNvSpPr>
+            <a:spLocks noGrp="1" noRot="1" noChangeAspect="1"/>
+          </p:cNvSpPr>
           <p:nvPr>
-            <p:ph idx="2" type="sldImg"/>
+            <p:ph type="sldImg" idx="2"/>
           </p:nvPr>
         </p:nvSpPr>
         <p:spPr>
           <a:xfrm>
-            <a:off x="381300" y="685800"/>
+            <a:off x="381000" y="685800"/>
             <a:ext cx="6096000" cy="3429000"/>
           </a:xfrm>
           <a:custGeom>
-            <a:rect b="b" l="l" r="r" t="t"/>
+            <a:avLst/>
+            <a:gdLst/>
+            <a:ahLst/>
+            <a:cxnLst/>
+            <a:rect l="l" t="t" r="r" b="b"/>
             <a:pathLst>
-              <a:path extrusionOk="0" h="120000" w="120000">
+              <a:path w="120000" h="120000" extrusionOk="0">
                 <a:moveTo>
                   <a:pt x="0" y="0"/>
                 </a:moveTo>
@@ -1651,9 +1717,11 @@
       <p:sp>
         <p:nvSpPr>
           <p:cNvPr id="98" name="Google Shape;98;g35072149f47_0_27:notes"/>
-          <p:cNvSpPr txBox="1"/>
+          <p:cNvSpPr txBox="1">
+            <a:spLocks noGrp="1"/>
+          </p:cNvSpPr>
           <p:nvPr>
-            <p:ph idx="1" type="body"/>
+            <p:ph type="body" idx="1"/>
           </p:nvPr>
         </p:nvSpPr>
         <p:spPr>
@@ -1666,12 +1734,12 @@
           </a:prstGeom>
         </p:spPr>
         <p:txBody>
-          <a:bodyPr anchorCtr="0" anchor="t" bIns="91425" lIns="91425" spcFirstLastPara="1" rIns="91425" wrap="square" tIns="91425">
+          <a:bodyPr spcFirstLastPara="1" wrap="square" lIns="91425" tIns="91425" rIns="91425" bIns="91425" anchor="t" anchorCtr="0">
             <a:noAutofit/>
           </a:bodyPr>
           <a:lstStyle/>
           <a:p>
-            <a:pPr indent="0" lvl="0" marL="0" rtl="0" algn="l">
+            <a:pPr marL="0" lvl="0" indent="0" algn="l" rtl="0">
               <a:spcBef>
                 <a:spcPts val="0"/>
               </a:spcBef>
@@ -1680,9 +1748,6 @@
               </a:spcAft>
               <a:buNone/>
             </a:pPr>
-            <a:r>
-              <a:t/>
-            </a:r>
             <a:endParaRPr/>
           </a:p>
         </p:txBody>
@@ -1696,11 +1761,11 @@
 </file>
 
 <file path=ppt/notesSlides/notesSlide9.xml><?xml version="1.0" encoding="utf-8"?>
-<p:notes xmlns:a="http://schemas.openxmlformats.org/drawingml/2006/main" xmlns:r="http://schemas.openxmlformats.org/officeDocument/2006/relationships" xmlns:mc="http://schemas.openxmlformats.org/markup-compatibility/2006" xmlns:mv="urn:schemas-microsoft-com:mac:vml" xmlns:p="http://schemas.openxmlformats.org/presentationml/2006/main" xmlns:c="http://schemas.openxmlformats.org/drawingml/2006/chart" xmlns:dgm="http://schemas.openxmlformats.org/drawingml/2006/diagram" xmlns:o="urn:schemas-microsoft-com:office:office" xmlns:v="urn:schemas-microsoft-com:vml" xmlns:pvml="urn:schemas-microsoft-com:office:powerpoint" xmlns:com="http://schemas.openxmlformats.org/drawingml/2006/compatibility" xmlns:p14="http://schemas.microsoft.com/office/powerpoint/2010/main" xmlns:p15="http://schemas.microsoft.com/office/powerpoint/2012/main" xmlns:ahyp="http://schemas.microsoft.com/office/drawing/2018/hyperlinkcolor" showMasterPhAnim="0" showMasterSp="0">
+<p:notes xmlns:a="http://schemas.openxmlformats.org/drawingml/2006/main" xmlns:r="http://schemas.openxmlformats.org/officeDocument/2006/relationships" xmlns:p="http://schemas.openxmlformats.org/presentationml/2006/main" showMasterSp="0" showMasterPhAnim="0">
   <p:cSld>
     <p:spTree>
       <p:nvGrpSpPr>
-        <p:cNvPr id="102" name="Shape 102"/>
+        <p:cNvPr id="1" name="Shape 102"/>
         <p:cNvGrpSpPr/>
         <p:nvPr/>
       </p:nvGrpSpPr>
@@ -1715,20 +1780,26 @@
       <p:sp>
         <p:nvSpPr>
           <p:cNvPr id="103" name="Google Shape;103;g35072149f47_0_32:notes"/>
-          <p:cNvSpPr/>
+          <p:cNvSpPr>
+            <a:spLocks noGrp="1" noRot="1" noChangeAspect="1"/>
+          </p:cNvSpPr>
           <p:nvPr>
-            <p:ph idx="2" type="sldImg"/>
+            <p:ph type="sldImg" idx="2"/>
           </p:nvPr>
         </p:nvSpPr>
         <p:spPr>
           <a:xfrm>
-            <a:off x="381300" y="685800"/>
+            <a:off x="381000" y="685800"/>
             <a:ext cx="6096000" cy="3429000"/>
           </a:xfrm>
           <a:custGeom>
-            <a:rect b="b" l="l" r="r" t="t"/>
+            <a:avLst/>
+            <a:gdLst/>
+            <a:ahLst/>
+            <a:cxnLst/>
+            <a:rect l="l" t="t" r="r" b="b"/>
             <a:pathLst>
-              <a:path extrusionOk="0" h="120000" w="120000">
+              <a:path w="120000" h="120000" extrusionOk="0">
                 <a:moveTo>
                   <a:pt x="0" y="0"/>
                 </a:moveTo>
@@ -1750,9 +1821,11 @@
       <p:sp>
         <p:nvSpPr>
           <p:cNvPr id="104" name="Google Shape;104;g35072149f47_0_32:notes"/>
-          <p:cNvSpPr txBox="1"/>
+          <p:cNvSpPr txBox="1">
+            <a:spLocks noGrp="1"/>
+          </p:cNvSpPr>
           <p:nvPr>
-            <p:ph idx="1" type="body"/>
+            <p:ph type="body" idx="1"/>
           </p:nvPr>
         </p:nvSpPr>
         <p:spPr>
@@ -1765,12 +1838,12 @@
           </a:prstGeom>
         </p:spPr>
         <p:txBody>
-          <a:bodyPr anchorCtr="0" anchor="t" bIns="91425" lIns="91425" spcFirstLastPara="1" rIns="91425" wrap="square" tIns="91425">
+          <a:bodyPr spcFirstLastPara="1" wrap="square" lIns="91425" tIns="91425" rIns="91425" bIns="91425" anchor="t" anchorCtr="0">
             <a:noAutofit/>
           </a:bodyPr>
           <a:lstStyle/>
           <a:p>
-            <a:pPr indent="0" lvl="0" marL="0" rtl="0" algn="l">
+            <a:pPr marL="0" lvl="0" indent="0" algn="l" rtl="0">
               <a:spcBef>
                 <a:spcPts val="0"/>
               </a:spcBef>
@@ -1779,9 +1852,6 @@
               </a:spcAft>
               <a:buNone/>
             </a:pPr>
-            <a:r>
-              <a:t/>
-            </a:r>
             <a:endParaRPr/>
           </a:p>
         </p:txBody>
@@ -1795,11 +1865,11 @@
 </file>
 
 <file path=ppt/slideLayouts/slideLayout1.xml><?xml version="1.0" encoding="utf-8"?>
-<p:sldLayout xmlns:a="http://schemas.openxmlformats.org/drawingml/2006/main" xmlns:r="http://schemas.openxmlformats.org/officeDocument/2006/relationships" xmlns:mc="http://schemas.openxmlformats.org/markup-compatibility/2006" xmlns:mv="urn:schemas-microsoft-com:mac:vml" xmlns:p="http://schemas.openxmlformats.org/presentationml/2006/main" xmlns:c="http://schemas.openxmlformats.org/drawingml/2006/chart" xmlns:dgm="http://schemas.openxmlformats.org/drawingml/2006/diagram" xmlns:o="urn:schemas-microsoft-com:office:office" xmlns:v="urn:schemas-microsoft-com:vml" xmlns:pvml="urn:schemas-microsoft-com:office:powerpoint" xmlns:com="http://schemas.openxmlformats.org/drawingml/2006/compatibility" xmlns:p14="http://schemas.microsoft.com/office/powerpoint/2010/main" xmlns:p15="http://schemas.microsoft.com/office/powerpoint/2012/main" xmlns:ahyp="http://schemas.microsoft.com/office/drawing/2018/hyperlinkcolor" matchingName="Title slide" type="title">
+<p:sldLayout xmlns:a="http://schemas.openxmlformats.org/drawingml/2006/main" xmlns:r="http://schemas.openxmlformats.org/officeDocument/2006/relationships" xmlns:p="http://schemas.openxmlformats.org/presentationml/2006/main" matchingName="Title slide" type="title">
   <p:cSld name="TITLE">
     <p:spTree>
       <p:nvGrpSpPr>
-        <p:cNvPr id="9" name="Shape 9"/>
+        <p:cNvPr id="1" name="Shape 9"/>
         <p:cNvGrpSpPr/>
         <p:nvPr/>
       </p:nvGrpSpPr>
@@ -1814,7 +1884,9 @@
       <p:sp>
         <p:nvSpPr>
           <p:cNvPr id="10" name="Google Shape;10;p2"/>
-          <p:cNvSpPr txBox="1"/>
+          <p:cNvSpPr txBox="1">
+            <a:spLocks noGrp="1"/>
+          </p:cNvSpPr>
           <p:nvPr>
             <p:ph type="ctrTitle"/>
           </p:nvPr>
@@ -1829,7 +1901,7 @@
           </a:prstGeom>
         </p:spPr>
         <p:txBody>
-          <a:bodyPr anchorCtr="0" anchor="b" bIns="91425" lIns="91425" spcFirstLastPara="1" rIns="91425" wrap="square" tIns="91425">
+          <a:bodyPr spcFirstLastPara="1" wrap="square" lIns="91425" tIns="91425" rIns="91425" bIns="91425" anchor="b" anchorCtr="0">
             <a:normAutofit/>
           </a:bodyPr>
           <a:lstStyle>
@@ -1933,15 +2005,19 @@
               <a:defRPr sz="5200"/>
             </a:lvl9pPr>
           </a:lstStyle>
-          <a:p/>
+          <a:p>
+            <a:endParaRPr/>
+          </a:p>
         </p:txBody>
       </p:sp>
       <p:sp>
         <p:nvSpPr>
           <p:cNvPr id="11" name="Google Shape;11;p2"/>
-          <p:cNvSpPr txBox="1"/>
+          <p:cNvSpPr txBox="1">
+            <a:spLocks noGrp="1"/>
+          </p:cNvSpPr>
           <p:nvPr>
-            <p:ph idx="1" type="subTitle"/>
+            <p:ph type="subTitle" idx="1"/>
           </p:nvPr>
         </p:nvSpPr>
         <p:spPr>
@@ -1954,7 +2030,7 @@
           </a:prstGeom>
         </p:spPr>
         <p:txBody>
-          <a:bodyPr anchorCtr="0" anchor="t" bIns="91425" lIns="91425" spcFirstLastPara="1" rIns="91425" wrap="square" tIns="91425">
+          <a:bodyPr spcFirstLastPara="1" wrap="square" lIns="91425" tIns="91425" rIns="91425" bIns="91425" anchor="t" anchorCtr="0">
             <a:normAutofit/>
           </a:bodyPr>
           <a:lstStyle>
@@ -2085,15 +2161,19 @@
               <a:defRPr sz="2800"/>
             </a:lvl9pPr>
           </a:lstStyle>
-          <a:p/>
+          <a:p>
+            <a:endParaRPr/>
+          </a:p>
         </p:txBody>
       </p:sp>
       <p:sp>
         <p:nvSpPr>
           <p:cNvPr id="12" name="Google Shape;12;p2"/>
-          <p:cNvSpPr txBox="1"/>
+          <p:cNvSpPr txBox="1">
+            <a:spLocks noGrp="1"/>
+          </p:cNvSpPr>
           <p:nvPr>
-            <p:ph idx="12" type="sldNum"/>
+            <p:ph type="sldNum" idx="12"/>
           </p:nvPr>
         </p:nvSpPr>
         <p:spPr>
@@ -2106,7 +2186,7 @@
           </a:prstGeom>
         </p:spPr>
         <p:txBody>
-          <a:bodyPr anchorCtr="0" anchor="ctr" bIns="91425" lIns="91425" spcFirstLastPara="1" rIns="91425" wrap="square" tIns="91425">
+          <a:bodyPr spcFirstLastPara="1" wrap="square" lIns="91425" tIns="91425" rIns="91425" bIns="91425" anchor="ctr" anchorCtr="0">
             <a:normAutofit/>
           </a:bodyPr>
           <a:lstStyle>
@@ -2148,7 +2228,7 @@
             </a:lvl9pPr>
           </a:lstStyle>
           <a:p>
-            <a:pPr indent="0" lvl="0" marL="0" rtl="0" algn="r">
+            <a:pPr marL="0" lvl="0" indent="0" algn="r" rtl="0">
               <a:spcBef>
                 <a:spcPts val="0"/>
               </a:spcBef>
@@ -2174,11 +2254,11 @@
 </file>
 
 <file path=ppt/slideLayouts/slideLayout10.xml><?xml version="1.0" encoding="utf-8"?>
-<p:sldLayout xmlns:a="http://schemas.openxmlformats.org/drawingml/2006/main" xmlns:r="http://schemas.openxmlformats.org/officeDocument/2006/relationships" xmlns:mc="http://schemas.openxmlformats.org/markup-compatibility/2006" xmlns:mv="urn:schemas-microsoft-com:mac:vml" xmlns:p="http://schemas.openxmlformats.org/presentationml/2006/main" xmlns:c="http://schemas.openxmlformats.org/drawingml/2006/chart" xmlns:dgm="http://schemas.openxmlformats.org/drawingml/2006/diagram" xmlns:o="urn:schemas-microsoft-com:office:office" xmlns:v="urn:schemas-microsoft-com:vml" xmlns:pvml="urn:schemas-microsoft-com:office:powerpoint" xmlns:com="http://schemas.openxmlformats.org/drawingml/2006/compatibility" xmlns:p14="http://schemas.microsoft.com/office/powerpoint/2010/main" xmlns:p15="http://schemas.microsoft.com/office/powerpoint/2012/main" xmlns:ahyp="http://schemas.microsoft.com/office/drawing/2018/hyperlinkcolor" matchingName="Big number">
+<p:sldLayout xmlns:a="http://schemas.openxmlformats.org/drawingml/2006/main" xmlns:r="http://schemas.openxmlformats.org/officeDocument/2006/relationships" xmlns:p="http://schemas.openxmlformats.org/presentationml/2006/main" matchingName="Big number">
   <p:cSld name="BIG_NUMBER">
     <p:spTree>
       <p:nvGrpSpPr>
-        <p:cNvPr id="44" name="Shape 44"/>
+        <p:cNvPr id="1" name="Shape 44"/>
         <p:cNvGrpSpPr/>
         <p:nvPr/>
       </p:nvGrpSpPr>
@@ -2193,9 +2273,11 @@
       <p:sp>
         <p:nvSpPr>
           <p:cNvPr id="45" name="Google Shape;45;p11"/>
-          <p:cNvSpPr txBox="1"/>
+          <p:cNvSpPr txBox="1">
+            <a:spLocks noGrp="1"/>
+          </p:cNvSpPr>
           <p:nvPr>
-            <p:ph hasCustomPrompt="1" type="title"/>
+            <p:ph type="title" hasCustomPrompt="1"/>
           </p:nvPr>
         </p:nvSpPr>
         <p:spPr>
@@ -2208,7 +2290,7 @@
           </a:prstGeom>
         </p:spPr>
         <p:txBody>
-          <a:bodyPr anchorCtr="0" anchor="b" bIns="91425" lIns="91425" spcFirstLastPara="1" rIns="91425" wrap="square" tIns="91425">
+          <a:bodyPr spcFirstLastPara="1" wrap="square" lIns="91425" tIns="91425" rIns="91425" bIns="91425" anchor="b" anchorCtr="0">
             <a:normAutofit/>
           </a:bodyPr>
           <a:lstStyle>
@@ -2322,9 +2404,11 @@
       <p:sp>
         <p:nvSpPr>
           <p:cNvPr id="46" name="Google Shape;46;p11"/>
-          <p:cNvSpPr txBox="1"/>
+          <p:cNvSpPr txBox="1">
+            <a:spLocks noGrp="1"/>
+          </p:cNvSpPr>
           <p:nvPr>
-            <p:ph idx="1" type="body"/>
+            <p:ph type="body" idx="1"/>
           </p:nvPr>
         </p:nvSpPr>
         <p:spPr>
@@ -2337,11 +2421,11 @@
           </a:prstGeom>
         </p:spPr>
         <p:txBody>
-          <a:bodyPr anchorCtr="0" anchor="t" bIns="91425" lIns="91425" spcFirstLastPara="1" rIns="91425" wrap="square" tIns="91425">
+          <a:bodyPr spcFirstLastPara="1" wrap="square" lIns="91425" tIns="91425" rIns="91425" bIns="91425" anchor="t" anchorCtr="0">
             <a:normAutofit/>
           </a:bodyPr>
           <a:lstStyle>
-            <a:lvl1pPr indent="-342900" lvl="0" marL="457200" algn="ctr">
+            <a:lvl1pPr marL="457200" lvl="0" indent="-342900" algn="ctr">
               <a:spcBef>
                 <a:spcPts val="0"/>
               </a:spcBef>
@@ -2352,7 +2436,7 @@
               <a:buChar char="●"/>
               <a:defRPr/>
             </a:lvl1pPr>
-            <a:lvl2pPr indent="-317500" lvl="1" marL="914400" algn="ctr">
+            <a:lvl2pPr marL="914400" lvl="1" indent="-317500" algn="ctr">
               <a:spcBef>
                 <a:spcPts val="0"/>
               </a:spcBef>
@@ -2363,7 +2447,7 @@
               <a:buChar char="○"/>
               <a:defRPr/>
             </a:lvl2pPr>
-            <a:lvl3pPr indent="-317500" lvl="2" marL="1371600" algn="ctr">
+            <a:lvl3pPr marL="1371600" lvl="2" indent="-317500" algn="ctr">
               <a:spcBef>
                 <a:spcPts val="0"/>
               </a:spcBef>
@@ -2374,7 +2458,7 @@
               <a:buChar char="■"/>
               <a:defRPr/>
             </a:lvl3pPr>
-            <a:lvl4pPr indent="-317500" lvl="3" marL="1828800" algn="ctr">
+            <a:lvl4pPr marL="1828800" lvl="3" indent="-317500" algn="ctr">
               <a:spcBef>
                 <a:spcPts val="0"/>
               </a:spcBef>
@@ -2385,7 +2469,7 @@
               <a:buChar char="●"/>
               <a:defRPr/>
             </a:lvl4pPr>
-            <a:lvl5pPr indent="-317500" lvl="4" marL="2286000" algn="ctr">
+            <a:lvl5pPr marL="2286000" lvl="4" indent="-317500" algn="ctr">
               <a:spcBef>
                 <a:spcPts val="0"/>
               </a:spcBef>
@@ -2396,7 +2480,7 @@
               <a:buChar char="○"/>
               <a:defRPr/>
             </a:lvl5pPr>
-            <a:lvl6pPr indent="-317500" lvl="5" marL="2743200" algn="ctr">
+            <a:lvl6pPr marL="2743200" lvl="5" indent="-317500" algn="ctr">
               <a:spcBef>
                 <a:spcPts val="0"/>
               </a:spcBef>
@@ -2407,7 +2491,7 @@
               <a:buChar char="■"/>
               <a:defRPr/>
             </a:lvl6pPr>
-            <a:lvl7pPr indent="-317500" lvl="6" marL="3200400" algn="ctr">
+            <a:lvl7pPr marL="3200400" lvl="6" indent="-317500" algn="ctr">
               <a:spcBef>
                 <a:spcPts val="0"/>
               </a:spcBef>
@@ -2418,7 +2502,7 @@
               <a:buChar char="●"/>
               <a:defRPr/>
             </a:lvl7pPr>
-            <a:lvl8pPr indent="-317500" lvl="7" marL="3657600" algn="ctr">
+            <a:lvl8pPr marL="3657600" lvl="7" indent="-317500" algn="ctr">
               <a:spcBef>
                 <a:spcPts val="0"/>
               </a:spcBef>
@@ -2429,7 +2513,7 @@
               <a:buChar char="○"/>
               <a:defRPr/>
             </a:lvl8pPr>
-            <a:lvl9pPr indent="-317500" lvl="8" marL="4114800" algn="ctr">
+            <a:lvl9pPr marL="4114800" lvl="8" indent="-317500" algn="ctr">
               <a:spcBef>
                 <a:spcPts val="0"/>
               </a:spcBef>
@@ -2441,15 +2525,19 @@
               <a:defRPr/>
             </a:lvl9pPr>
           </a:lstStyle>
-          <a:p/>
+          <a:p>
+            <a:endParaRPr/>
+          </a:p>
         </p:txBody>
       </p:sp>
       <p:sp>
         <p:nvSpPr>
           <p:cNvPr id="47" name="Google Shape;47;p11"/>
-          <p:cNvSpPr txBox="1"/>
+          <p:cNvSpPr txBox="1">
+            <a:spLocks noGrp="1"/>
+          </p:cNvSpPr>
           <p:nvPr>
-            <p:ph idx="12" type="sldNum"/>
+            <p:ph type="sldNum" idx="12"/>
           </p:nvPr>
         </p:nvSpPr>
         <p:spPr>
@@ -2462,7 +2550,7 @@
           </a:prstGeom>
         </p:spPr>
         <p:txBody>
-          <a:bodyPr anchorCtr="0" anchor="ctr" bIns="91425" lIns="91425" spcFirstLastPara="1" rIns="91425" wrap="square" tIns="91425">
+          <a:bodyPr spcFirstLastPara="1" wrap="square" lIns="91425" tIns="91425" rIns="91425" bIns="91425" anchor="ctr" anchorCtr="0">
             <a:normAutofit/>
           </a:bodyPr>
           <a:lstStyle>
@@ -2504,7 +2592,7 @@
             </a:lvl9pPr>
           </a:lstStyle>
           <a:p>
-            <a:pPr indent="0" lvl="0" marL="0" rtl="0" algn="r">
+            <a:pPr marL="0" lvl="0" indent="0" algn="r" rtl="0">
               <a:spcBef>
                 <a:spcPts val="0"/>
               </a:spcBef>
@@ -2530,11 +2618,11 @@
 </file>
 
 <file path=ppt/slideLayouts/slideLayout11.xml><?xml version="1.0" encoding="utf-8"?>
-<p:sldLayout xmlns:a="http://schemas.openxmlformats.org/drawingml/2006/main" xmlns:r="http://schemas.openxmlformats.org/officeDocument/2006/relationships" xmlns:mc="http://schemas.openxmlformats.org/markup-compatibility/2006" xmlns:mv="urn:schemas-microsoft-com:mac:vml" xmlns:p="http://schemas.openxmlformats.org/presentationml/2006/main" xmlns:c="http://schemas.openxmlformats.org/drawingml/2006/chart" xmlns:dgm="http://schemas.openxmlformats.org/drawingml/2006/diagram" xmlns:o="urn:schemas-microsoft-com:office:office" xmlns:v="urn:schemas-microsoft-com:vml" xmlns:pvml="urn:schemas-microsoft-com:office:powerpoint" xmlns:com="http://schemas.openxmlformats.org/drawingml/2006/compatibility" xmlns:p14="http://schemas.microsoft.com/office/powerpoint/2010/main" xmlns:p15="http://schemas.microsoft.com/office/powerpoint/2012/main" xmlns:ahyp="http://schemas.microsoft.com/office/drawing/2018/hyperlinkcolor" matchingName="Blank" type="blank">
+<p:sldLayout xmlns:a="http://schemas.openxmlformats.org/drawingml/2006/main" xmlns:r="http://schemas.openxmlformats.org/officeDocument/2006/relationships" xmlns:p="http://schemas.openxmlformats.org/presentationml/2006/main" matchingName="Blank" type="blank">
   <p:cSld name="BLANK">
     <p:spTree>
       <p:nvGrpSpPr>
-        <p:cNvPr id="48" name="Shape 48"/>
+        <p:cNvPr id="1" name="Shape 48"/>
         <p:cNvGrpSpPr/>
         <p:nvPr/>
       </p:nvGrpSpPr>
@@ -2549,9 +2637,11 @@
       <p:sp>
         <p:nvSpPr>
           <p:cNvPr id="49" name="Google Shape;49;p12"/>
-          <p:cNvSpPr txBox="1"/>
+          <p:cNvSpPr txBox="1">
+            <a:spLocks noGrp="1"/>
+          </p:cNvSpPr>
           <p:nvPr>
-            <p:ph idx="12" type="sldNum"/>
+            <p:ph type="sldNum" idx="12"/>
           </p:nvPr>
         </p:nvSpPr>
         <p:spPr>
@@ -2564,7 +2654,7 @@
           </a:prstGeom>
         </p:spPr>
         <p:txBody>
-          <a:bodyPr anchorCtr="0" anchor="ctr" bIns="91425" lIns="91425" spcFirstLastPara="1" rIns="91425" wrap="square" tIns="91425">
+          <a:bodyPr spcFirstLastPara="1" wrap="square" lIns="91425" tIns="91425" rIns="91425" bIns="91425" anchor="ctr" anchorCtr="0">
             <a:normAutofit/>
           </a:bodyPr>
           <a:lstStyle>
@@ -2606,7 +2696,7 @@
             </a:lvl9pPr>
           </a:lstStyle>
           <a:p>
-            <a:pPr indent="0" lvl="0" marL="0" rtl="0" algn="r">
+            <a:pPr marL="0" lvl="0" indent="0" algn="r" rtl="0">
               <a:spcBef>
                 <a:spcPts val="0"/>
               </a:spcBef>
@@ -2632,11 +2722,11 @@
 </file>
 
 <file path=ppt/slideLayouts/slideLayout2.xml><?xml version="1.0" encoding="utf-8"?>
-<p:sldLayout xmlns:a="http://schemas.openxmlformats.org/drawingml/2006/main" xmlns:r="http://schemas.openxmlformats.org/officeDocument/2006/relationships" xmlns:mc="http://schemas.openxmlformats.org/markup-compatibility/2006" xmlns:mv="urn:schemas-microsoft-com:mac:vml" xmlns:p="http://schemas.openxmlformats.org/presentationml/2006/main" xmlns:c="http://schemas.openxmlformats.org/drawingml/2006/chart" xmlns:dgm="http://schemas.openxmlformats.org/drawingml/2006/diagram" xmlns:o="urn:schemas-microsoft-com:office:office" xmlns:v="urn:schemas-microsoft-com:vml" xmlns:pvml="urn:schemas-microsoft-com:office:powerpoint" xmlns:com="http://schemas.openxmlformats.org/drawingml/2006/compatibility" xmlns:p14="http://schemas.microsoft.com/office/powerpoint/2010/main" xmlns:p15="http://schemas.microsoft.com/office/powerpoint/2012/main" xmlns:ahyp="http://schemas.microsoft.com/office/drawing/2018/hyperlinkcolor" matchingName="Section header" type="secHead">
+<p:sldLayout xmlns:a="http://schemas.openxmlformats.org/drawingml/2006/main" xmlns:r="http://schemas.openxmlformats.org/officeDocument/2006/relationships" xmlns:p="http://schemas.openxmlformats.org/presentationml/2006/main" matchingName="Section header" type="secHead">
   <p:cSld name="SECTION_HEADER">
     <p:spTree>
       <p:nvGrpSpPr>
-        <p:cNvPr id="13" name="Shape 13"/>
+        <p:cNvPr id="1" name="Shape 13"/>
         <p:cNvGrpSpPr/>
         <p:nvPr/>
       </p:nvGrpSpPr>
@@ -2651,7 +2741,9 @@
       <p:sp>
         <p:nvSpPr>
           <p:cNvPr id="14" name="Google Shape;14;p3"/>
-          <p:cNvSpPr txBox="1"/>
+          <p:cNvSpPr txBox="1">
+            <a:spLocks noGrp="1"/>
+          </p:cNvSpPr>
           <p:nvPr>
             <p:ph type="title"/>
           </p:nvPr>
@@ -2666,7 +2758,7 @@
           </a:prstGeom>
         </p:spPr>
         <p:txBody>
-          <a:bodyPr anchorCtr="0" anchor="ctr" bIns="91425" lIns="91425" spcFirstLastPara="1" rIns="91425" wrap="square" tIns="91425">
+          <a:bodyPr spcFirstLastPara="1" wrap="square" lIns="91425" tIns="91425" rIns="91425" bIns="91425" anchor="ctr" anchorCtr="0">
             <a:normAutofit/>
           </a:bodyPr>
           <a:lstStyle>
@@ -2770,15 +2862,19 @@
               <a:defRPr sz="3600"/>
             </a:lvl9pPr>
           </a:lstStyle>
-          <a:p/>
+          <a:p>
+            <a:endParaRPr/>
+          </a:p>
         </p:txBody>
       </p:sp>
       <p:sp>
         <p:nvSpPr>
           <p:cNvPr id="15" name="Google Shape;15;p3"/>
-          <p:cNvSpPr txBox="1"/>
+          <p:cNvSpPr txBox="1">
+            <a:spLocks noGrp="1"/>
+          </p:cNvSpPr>
           <p:nvPr>
-            <p:ph idx="12" type="sldNum"/>
+            <p:ph type="sldNum" idx="12"/>
           </p:nvPr>
         </p:nvSpPr>
         <p:spPr>
@@ -2791,7 +2887,7 @@
           </a:prstGeom>
         </p:spPr>
         <p:txBody>
-          <a:bodyPr anchorCtr="0" anchor="ctr" bIns="91425" lIns="91425" spcFirstLastPara="1" rIns="91425" wrap="square" tIns="91425">
+          <a:bodyPr spcFirstLastPara="1" wrap="square" lIns="91425" tIns="91425" rIns="91425" bIns="91425" anchor="ctr" anchorCtr="0">
             <a:normAutofit/>
           </a:bodyPr>
           <a:lstStyle>
@@ -2833,7 +2929,7 @@
             </a:lvl9pPr>
           </a:lstStyle>
           <a:p>
-            <a:pPr indent="0" lvl="0" marL="0" rtl="0" algn="r">
+            <a:pPr marL="0" lvl="0" indent="0" algn="r" rtl="0">
               <a:spcBef>
                 <a:spcPts val="0"/>
               </a:spcBef>
@@ -2859,11 +2955,11 @@
 </file>
 
 <file path=ppt/slideLayouts/slideLayout3.xml><?xml version="1.0" encoding="utf-8"?>
-<p:sldLayout xmlns:a="http://schemas.openxmlformats.org/drawingml/2006/main" xmlns:r="http://schemas.openxmlformats.org/officeDocument/2006/relationships" xmlns:mc="http://schemas.openxmlformats.org/markup-compatibility/2006" xmlns:mv="urn:schemas-microsoft-com:mac:vml" xmlns:p="http://schemas.openxmlformats.org/presentationml/2006/main" xmlns:c="http://schemas.openxmlformats.org/drawingml/2006/chart" xmlns:dgm="http://schemas.openxmlformats.org/drawingml/2006/diagram" xmlns:o="urn:schemas-microsoft-com:office:office" xmlns:v="urn:schemas-microsoft-com:vml" xmlns:pvml="urn:schemas-microsoft-com:office:powerpoint" xmlns:com="http://schemas.openxmlformats.org/drawingml/2006/compatibility" xmlns:p14="http://schemas.microsoft.com/office/powerpoint/2010/main" xmlns:p15="http://schemas.microsoft.com/office/powerpoint/2012/main" xmlns:ahyp="http://schemas.microsoft.com/office/drawing/2018/hyperlinkcolor" matchingName="Title and body" type="tx">
+<p:sldLayout xmlns:a="http://schemas.openxmlformats.org/drawingml/2006/main" xmlns:r="http://schemas.openxmlformats.org/officeDocument/2006/relationships" xmlns:p="http://schemas.openxmlformats.org/presentationml/2006/main" matchingName="Title and body" type="tx">
   <p:cSld name="TITLE_AND_BODY">
     <p:spTree>
       <p:nvGrpSpPr>
-        <p:cNvPr id="16" name="Shape 16"/>
+        <p:cNvPr id="1" name="Shape 16"/>
         <p:cNvGrpSpPr/>
         <p:nvPr/>
       </p:nvGrpSpPr>
@@ -2878,7 +2974,9 @@
       <p:sp>
         <p:nvSpPr>
           <p:cNvPr id="17" name="Google Shape;17;p4"/>
-          <p:cNvSpPr txBox="1"/>
+          <p:cNvSpPr txBox="1">
+            <a:spLocks noGrp="1"/>
+          </p:cNvSpPr>
           <p:nvPr>
             <p:ph type="title"/>
           </p:nvPr>
@@ -2893,7 +2991,7 @@
           </a:prstGeom>
         </p:spPr>
         <p:txBody>
-          <a:bodyPr anchorCtr="0" anchor="t" bIns="91425" lIns="91425" spcFirstLastPara="1" rIns="91425" wrap="square" tIns="91425">
+          <a:bodyPr spcFirstLastPara="1" wrap="square" lIns="91425" tIns="91425" rIns="91425" bIns="91425" anchor="t" anchorCtr="0">
             <a:normAutofit/>
           </a:bodyPr>
           <a:lstStyle>
@@ -2997,15 +3095,19 @@
               <a:defRPr/>
             </a:lvl9pPr>
           </a:lstStyle>
-          <a:p/>
+          <a:p>
+            <a:endParaRPr/>
+          </a:p>
         </p:txBody>
       </p:sp>
       <p:sp>
         <p:nvSpPr>
           <p:cNvPr id="18" name="Google Shape;18;p4"/>
-          <p:cNvSpPr txBox="1"/>
+          <p:cNvSpPr txBox="1">
+            <a:spLocks noGrp="1"/>
+          </p:cNvSpPr>
           <p:nvPr>
-            <p:ph idx="1" type="body"/>
+            <p:ph type="body" idx="1"/>
           </p:nvPr>
         </p:nvSpPr>
         <p:spPr>
@@ -3018,11 +3120,11 @@
           </a:prstGeom>
         </p:spPr>
         <p:txBody>
-          <a:bodyPr anchorCtr="0" anchor="t" bIns="91425" lIns="91425" spcFirstLastPara="1" rIns="91425" wrap="square" tIns="91425">
+          <a:bodyPr spcFirstLastPara="1" wrap="square" lIns="91425" tIns="91425" rIns="91425" bIns="91425" anchor="t" anchorCtr="0">
             <a:normAutofit/>
           </a:bodyPr>
           <a:lstStyle>
-            <a:lvl1pPr indent="-342900" lvl="0" marL="457200">
+            <a:lvl1pPr marL="457200" lvl="0" indent="-342900">
               <a:spcBef>
                 <a:spcPts val="0"/>
               </a:spcBef>
@@ -3033,7 +3135,7 @@
               <a:buChar char="●"/>
               <a:defRPr/>
             </a:lvl1pPr>
-            <a:lvl2pPr indent="-317500" lvl="1" marL="914400">
+            <a:lvl2pPr marL="914400" lvl="1" indent="-317500">
               <a:spcBef>
                 <a:spcPts val="0"/>
               </a:spcBef>
@@ -3044,7 +3146,7 @@
               <a:buChar char="○"/>
               <a:defRPr/>
             </a:lvl2pPr>
-            <a:lvl3pPr indent="-317500" lvl="2" marL="1371600">
+            <a:lvl3pPr marL="1371600" lvl="2" indent="-317500">
               <a:spcBef>
                 <a:spcPts val="0"/>
               </a:spcBef>
@@ -3055,7 +3157,7 @@
               <a:buChar char="■"/>
               <a:defRPr/>
             </a:lvl3pPr>
-            <a:lvl4pPr indent="-317500" lvl="3" marL="1828800">
+            <a:lvl4pPr marL="1828800" lvl="3" indent="-317500">
               <a:spcBef>
                 <a:spcPts val="0"/>
               </a:spcBef>
@@ -3066,7 +3168,7 @@
               <a:buChar char="●"/>
               <a:defRPr/>
             </a:lvl4pPr>
-            <a:lvl5pPr indent="-317500" lvl="4" marL="2286000">
+            <a:lvl5pPr marL="2286000" lvl="4" indent="-317500">
               <a:spcBef>
                 <a:spcPts val="0"/>
               </a:spcBef>
@@ -3077,7 +3179,7 @@
               <a:buChar char="○"/>
               <a:defRPr/>
             </a:lvl5pPr>
-            <a:lvl6pPr indent="-317500" lvl="5" marL="2743200">
+            <a:lvl6pPr marL="2743200" lvl="5" indent="-317500">
               <a:spcBef>
                 <a:spcPts val="0"/>
               </a:spcBef>
@@ -3088,7 +3190,7 @@
               <a:buChar char="■"/>
               <a:defRPr/>
             </a:lvl6pPr>
-            <a:lvl7pPr indent="-317500" lvl="6" marL="3200400">
+            <a:lvl7pPr marL="3200400" lvl="6" indent="-317500">
               <a:spcBef>
                 <a:spcPts val="0"/>
               </a:spcBef>
@@ -3099,7 +3201,7 @@
               <a:buChar char="●"/>
               <a:defRPr/>
             </a:lvl7pPr>
-            <a:lvl8pPr indent="-317500" lvl="7" marL="3657600">
+            <a:lvl8pPr marL="3657600" lvl="7" indent="-317500">
               <a:spcBef>
                 <a:spcPts val="0"/>
               </a:spcBef>
@@ -3110,7 +3212,7 @@
               <a:buChar char="○"/>
               <a:defRPr/>
             </a:lvl8pPr>
-            <a:lvl9pPr indent="-317500" lvl="8" marL="4114800">
+            <a:lvl9pPr marL="4114800" lvl="8" indent="-317500">
               <a:spcBef>
                 <a:spcPts val="0"/>
               </a:spcBef>
@@ -3122,15 +3224,19 @@
               <a:defRPr/>
             </a:lvl9pPr>
           </a:lstStyle>
-          <a:p/>
+          <a:p>
+            <a:endParaRPr/>
+          </a:p>
         </p:txBody>
       </p:sp>
       <p:sp>
         <p:nvSpPr>
           <p:cNvPr id="19" name="Google Shape;19;p4"/>
-          <p:cNvSpPr txBox="1"/>
+          <p:cNvSpPr txBox="1">
+            <a:spLocks noGrp="1"/>
+          </p:cNvSpPr>
           <p:nvPr>
-            <p:ph idx="12" type="sldNum"/>
+            <p:ph type="sldNum" idx="12"/>
           </p:nvPr>
         </p:nvSpPr>
         <p:spPr>
@@ -3143,7 +3249,7 @@
           </a:prstGeom>
         </p:spPr>
         <p:txBody>
-          <a:bodyPr anchorCtr="0" anchor="ctr" bIns="91425" lIns="91425" spcFirstLastPara="1" rIns="91425" wrap="square" tIns="91425">
+          <a:bodyPr spcFirstLastPara="1" wrap="square" lIns="91425" tIns="91425" rIns="91425" bIns="91425" anchor="ctr" anchorCtr="0">
             <a:normAutofit/>
           </a:bodyPr>
           <a:lstStyle>
@@ -3185,7 +3291,7 @@
             </a:lvl9pPr>
           </a:lstStyle>
           <a:p>
-            <a:pPr indent="0" lvl="0" marL="0" rtl="0" algn="r">
+            <a:pPr marL="0" lvl="0" indent="0" algn="r" rtl="0">
               <a:spcBef>
                 <a:spcPts val="0"/>
               </a:spcBef>
@@ -3211,11 +3317,11 @@
 </file>
 
 <file path=ppt/slideLayouts/slideLayout4.xml><?xml version="1.0" encoding="utf-8"?>
-<p:sldLayout xmlns:a="http://schemas.openxmlformats.org/drawingml/2006/main" xmlns:r="http://schemas.openxmlformats.org/officeDocument/2006/relationships" xmlns:mc="http://schemas.openxmlformats.org/markup-compatibility/2006" xmlns:mv="urn:schemas-microsoft-com:mac:vml" xmlns:p="http://schemas.openxmlformats.org/presentationml/2006/main" xmlns:c="http://schemas.openxmlformats.org/drawingml/2006/chart" xmlns:dgm="http://schemas.openxmlformats.org/drawingml/2006/diagram" xmlns:o="urn:schemas-microsoft-com:office:office" xmlns:v="urn:schemas-microsoft-com:vml" xmlns:pvml="urn:schemas-microsoft-com:office:powerpoint" xmlns:com="http://schemas.openxmlformats.org/drawingml/2006/compatibility" xmlns:p14="http://schemas.microsoft.com/office/powerpoint/2010/main" xmlns:p15="http://schemas.microsoft.com/office/powerpoint/2012/main" xmlns:ahyp="http://schemas.microsoft.com/office/drawing/2018/hyperlinkcolor" matchingName="Title and two columns" type="twoColTx">
+<p:sldLayout xmlns:a="http://schemas.openxmlformats.org/drawingml/2006/main" xmlns:r="http://schemas.openxmlformats.org/officeDocument/2006/relationships" xmlns:p="http://schemas.openxmlformats.org/presentationml/2006/main" matchingName="Title and two columns" type="twoColTx">
   <p:cSld name="TITLE_AND_TWO_COLUMNS">
     <p:spTree>
       <p:nvGrpSpPr>
-        <p:cNvPr id="20" name="Shape 20"/>
+        <p:cNvPr id="1" name="Shape 20"/>
         <p:cNvGrpSpPr/>
         <p:nvPr/>
       </p:nvGrpSpPr>
@@ -3230,7 +3336,9 @@
       <p:sp>
         <p:nvSpPr>
           <p:cNvPr id="21" name="Google Shape;21;p5"/>
-          <p:cNvSpPr txBox="1"/>
+          <p:cNvSpPr txBox="1">
+            <a:spLocks noGrp="1"/>
+          </p:cNvSpPr>
           <p:nvPr>
             <p:ph type="title"/>
           </p:nvPr>
@@ -3245,7 +3353,7 @@
           </a:prstGeom>
         </p:spPr>
         <p:txBody>
-          <a:bodyPr anchorCtr="0" anchor="t" bIns="91425" lIns="91425" spcFirstLastPara="1" rIns="91425" wrap="square" tIns="91425">
+          <a:bodyPr spcFirstLastPara="1" wrap="square" lIns="91425" tIns="91425" rIns="91425" bIns="91425" anchor="t" anchorCtr="0">
             <a:normAutofit/>
           </a:bodyPr>
           <a:lstStyle>
@@ -3349,15 +3457,19 @@
               <a:defRPr/>
             </a:lvl9pPr>
           </a:lstStyle>
-          <a:p/>
+          <a:p>
+            <a:endParaRPr/>
+          </a:p>
         </p:txBody>
       </p:sp>
       <p:sp>
         <p:nvSpPr>
           <p:cNvPr id="22" name="Google Shape;22;p5"/>
-          <p:cNvSpPr txBox="1"/>
+          <p:cNvSpPr txBox="1">
+            <a:spLocks noGrp="1"/>
+          </p:cNvSpPr>
           <p:nvPr>
-            <p:ph idx="1" type="body"/>
+            <p:ph type="body" idx="1"/>
           </p:nvPr>
         </p:nvSpPr>
         <p:spPr>
@@ -3370,11 +3482,11 @@
           </a:prstGeom>
         </p:spPr>
         <p:txBody>
-          <a:bodyPr anchorCtr="0" anchor="t" bIns="91425" lIns="91425" spcFirstLastPara="1" rIns="91425" wrap="square" tIns="91425">
+          <a:bodyPr spcFirstLastPara="1" wrap="square" lIns="91425" tIns="91425" rIns="91425" bIns="91425" anchor="t" anchorCtr="0">
             <a:normAutofit/>
           </a:bodyPr>
           <a:lstStyle>
-            <a:lvl1pPr indent="-317500" lvl="0" marL="457200">
+            <a:lvl1pPr marL="457200" lvl="0" indent="-317500">
               <a:spcBef>
                 <a:spcPts val="0"/>
               </a:spcBef>
@@ -3385,7 +3497,7 @@
               <a:buChar char="●"/>
               <a:defRPr sz="1400"/>
             </a:lvl1pPr>
-            <a:lvl2pPr indent="-304800" lvl="1" marL="914400">
+            <a:lvl2pPr marL="914400" lvl="1" indent="-304800">
               <a:spcBef>
                 <a:spcPts val="0"/>
               </a:spcBef>
@@ -3396,7 +3508,7 @@
               <a:buChar char="○"/>
               <a:defRPr sz="1200"/>
             </a:lvl2pPr>
-            <a:lvl3pPr indent="-304800" lvl="2" marL="1371600">
+            <a:lvl3pPr marL="1371600" lvl="2" indent="-304800">
               <a:spcBef>
                 <a:spcPts val="0"/>
               </a:spcBef>
@@ -3407,7 +3519,7 @@
               <a:buChar char="■"/>
               <a:defRPr sz="1200"/>
             </a:lvl3pPr>
-            <a:lvl4pPr indent="-304800" lvl="3" marL="1828800">
+            <a:lvl4pPr marL="1828800" lvl="3" indent="-304800">
               <a:spcBef>
                 <a:spcPts val="0"/>
               </a:spcBef>
@@ -3418,7 +3530,7 @@
               <a:buChar char="●"/>
               <a:defRPr sz="1200"/>
             </a:lvl4pPr>
-            <a:lvl5pPr indent="-304800" lvl="4" marL="2286000">
+            <a:lvl5pPr marL="2286000" lvl="4" indent="-304800">
               <a:spcBef>
                 <a:spcPts val="0"/>
               </a:spcBef>
@@ -3429,7 +3541,7 @@
               <a:buChar char="○"/>
               <a:defRPr sz="1200"/>
             </a:lvl5pPr>
-            <a:lvl6pPr indent="-304800" lvl="5" marL="2743200">
+            <a:lvl6pPr marL="2743200" lvl="5" indent="-304800">
               <a:spcBef>
                 <a:spcPts val="0"/>
               </a:spcBef>
@@ -3440,7 +3552,7 @@
               <a:buChar char="■"/>
               <a:defRPr sz="1200"/>
             </a:lvl6pPr>
-            <a:lvl7pPr indent="-304800" lvl="6" marL="3200400">
+            <a:lvl7pPr marL="3200400" lvl="6" indent="-304800">
               <a:spcBef>
                 <a:spcPts val="0"/>
               </a:spcBef>
@@ -3451,7 +3563,7 @@
               <a:buChar char="●"/>
               <a:defRPr sz="1200"/>
             </a:lvl7pPr>
-            <a:lvl8pPr indent="-304800" lvl="7" marL="3657600">
+            <a:lvl8pPr marL="3657600" lvl="7" indent="-304800">
               <a:spcBef>
                 <a:spcPts val="0"/>
               </a:spcBef>
@@ -3462,7 +3574,7 @@
               <a:buChar char="○"/>
               <a:defRPr sz="1200"/>
             </a:lvl8pPr>
-            <a:lvl9pPr indent="-304800" lvl="8" marL="4114800">
+            <a:lvl9pPr marL="4114800" lvl="8" indent="-304800">
               <a:spcBef>
                 <a:spcPts val="0"/>
               </a:spcBef>
@@ -3474,15 +3586,19 @@
               <a:defRPr sz="1200"/>
             </a:lvl9pPr>
           </a:lstStyle>
-          <a:p/>
+          <a:p>
+            <a:endParaRPr/>
+          </a:p>
         </p:txBody>
       </p:sp>
       <p:sp>
         <p:nvSpPr>
           <p:cNvPr id="23" name="Google Shape;23;p5"/>
-          <p:cNvSpPr txBox="1"/>
+          <p:cNvSpPr txBox="1">
+            <a:spLocks noGrp="1"/>
+          </p:cNvSpPr>
           <p:nvPr>
-            <p:ph idx="2" type="body"/>
+            <p:ph type="body" idx="2"/>
           </p:nvPr>
         </p:nvSpPr>
         <p:spPr>
@@ -3495,11 +3611,11 @@
           </a:prstGeom>
         </p:spPr>
         <p:txBody>
-          <a:bodyPr anchorCtr="0" anchor="t" bIns="91425" lIns="91425" spcFirstLastPara="1" rIns="91425" wrap="square" tIns="91425">
+          <a:bodyPr spcFirstLastPara="1" wrap="square" lIns="91425" tIns="91425" rIns="91425" bIns="91425" anchor="t" anchorCtr="0">
             <a:normAutofit/>
           </a:bodyPr>
           <a:lstStyle>
-            <a:lvl1pPr indent="-317500" lvl="0" marL="457200">
+            <a:lvl1pPr marL="457200" lvl="0" indent="-317500">
               <a:spcBef>
                 <a:spcPts val="0"/>
               </a:spcBef>
@@ -3510,7 +3626,7 @@
               <a:buChar char="●"/>
               <a:defRPr sz="1400"/>
             </a:lvl1pPr>
-            <a:lvl2pPr indent="-304800" lvl="1" marL="914400">
+            <a:lvl2pPr marL="914400" lvl="1" indent="-304800">
               <a:spcBef>
                 <a:spcPts val="0"/>
               </a:spcBef>
@@ -3521,7 +3637,7 @@
               <a:buChar char="○"/>
               <a:defRPr sz="1200"/>
             </a:lvl2pPr>
-            <a:lvl3pPr indent="-304800" lvl="2" marL="1371600">
+            <a:lvl3pPr marL="1371600" lvl="2" indent="-304800">
               <a:spcBef>
                 <a:spcPts val="0"/>
               </a:spcBef>
@@ -3532,7 +3648,7 @@
               <a:buChar char="■"/>
               <a:defRPr sz="1200"/>
             </a:lvl3pPr>
-            <a:lvl4pPr indent="-304800" lvl="3" marL="1828800">
+            <a:lvl4pPr marL="1828800" lvl="3" indent="-304800">
               <a:spcBef>
                 <a:spcPts val="0"/>
               </a:spcBef>
@@ -3543,7 +3659,7 @@
               <a:buChar char="●"/>
               <a:defRPr sz="1200"/>
             </a:lvl4pPr>
-            <a:lvl5pPr indent="-304800" lvl="4" marL="2286000">
+            <a:lvl5pPr marL="2286000" lvl="4" indent="-304800">
               <a:spcBef>
                 <a:spcPts val="0"/>
               </a:spcBef>
@@ -3554,7 +3670,7 @@
               <a:buChar char="○"/>
               <a:defRPr sz="1200"/>
             </a:lvl5pPr>
-            <a:lvl6pPr indent="-304800" lvl="5" marL="2743200">
+            <a:lvl6pPr marL="2743200" lvl="5" indent="-304800">
               <a:spcBef>
                 <a:spcPts val="0"/>
               </a:spcBef>
@@ -3565,7 +3681,7 @@
               <a:buChar char="■"/>
               <a:defRPr sz="1200"/>
             </a:lvl6pPr>
-            <a:lvl7pPr indent="-304800" lvl="6" marL="3200400">
+            <a:lvl7pPr marL="3200400" lvl="6" indent="-304800">
               <a:spcBef>
                 <a:spcPts val="0"/>
               </a:spcBef>
@@ -3576,7 +3692,7 @@
               <a:buChar char="●"/>
               <a:defRPr sz="1200"/>
             </a:lvl7pPr>
-            <a:lvl8pPr indent="-304800" lvl="7" marL="3657600">
+            <a:lvl8pPr marL="3657600" lvl="7" indent="-304800">
               <a:spcBef>
                 <a:spcPts val="0"/>
               </a:spcBef>
@@ -3587,7 +3703,7 @@
               <a:buChar char="○"/>
               <a:defRPr sz="1200"/>
             </a:lvl8pPr>
-            <a:lvl9pPr indent="-304800" lvl="8" marL="4114800">
+            <a:lvl9pPr marL="4114800" lvl="8" indent="-304800">
               <a:spcBef>
                 <a:spcPts val="0"/>
               </a:spcBef>
@@ -3599,15 +3715,19 @@
               <a:defRPr sz="1200"/>
             </a:lvl9pPr>
           </a:lstStyle>
-          <a:p/>
+          <a:p>
+            <a:endParaRPr/>
+          </a:p>
         </p:txBody>
       </p:sp>
       <p:sp>
         <p:nvSpPr>
           <p:cNvPr id="24" name="Google Shape;24;p5"/>
-          <p:cNvSpPr txBox="1"/>
+          <p:cNvSpPr txBox="1">
+            <a:spLocks noGrp="1"/>
+          </p:cNvSpPr>
           <p:nvPr>
-            <p:ph idx="12" type="sldNum"/>
+            <p:ph type="sldNum" idx="12"/>
           </p:nvPr>
         </p:nvSpPr>
         <p:spPr>
@@ -3620,7 +3740,7 @@
           </a:prstGeom>
         </p:spPr>
         <p:txBody>
-          <a:bodyPr anchorCtr="0" anchor="ctr" bIns="91425" lIns="91425" spcFirstLastPara="1" rIns="91425" wrap="square" tIns="91425">
+          <a:bodyPr spcFirstLastPara="1" wrap="square" lIns="91425" tIns="91425" rIns="91425" bIns="91425" anchor="ctr" anchorCtr="0">
             <a:normAutofit/>
           </a:bodyPr>
           <a:lstStyle>
@@ -3662,7 +3782,7 @@
             </a:lvl9pPr>
           </a:lstStyle>
           <a:p>
-            <a:pPr indent="0" lvl="0" marL="0" rtl="0" algn="r">
+            <a:pPr marL="0" lvl="0" indent="0" algn="r" rtl="0">
               <a:spcBef>
                 <a:spcPts val="0"/>
               </a:spcBef>
@@ -3688,11 +3808,11 @@
 </file>
 
 <file path=ppt/slideLayouts/slideLayout5.xml><?xml version="1.0" encoding="utf-8"?>
-<p:sldLayout xmlns:a="http://schemas.openxmlformats.org/drawingml/2006/main" xmlns:r="http://schemas.openxmlformats.org/officeDocument/2006/relationships" xmlns:mc="http://schemas.openxmlformats.org/markup-compatibility/2006" xmlns:mv="urn:schemas-microsoft-com:mac:vml" xmlns:p="http://schemas.openxmlformats.org/presentationml/2006/main" xmlns:c="http://schemas.openxmlformats.org/drawingml/2006/chart" xmlns:dgm="http://schemas.openxmlformats.org/drawingml/2006/diagram" xmlns:o="urn:schemas-microsoft-com:office:office" xmlns:v="urn:schemas-microsoft-com:vml" xmlns:pvml="urn:schemas-microsoft-com:office:powerpoint" xmlns:com="http://schemas.openxmlformats.org/drawingml/2006/compatibility" xmlns:p14="http://schemas.microsoft.com/office/powerpoint/2010/main" xmlns:p15="http://schemas.microsoft.com/office/powerpoint/2012/main" xmlns:ahyp="http://schemas.microsoft.com/office/drawing/2018/hyperlinkcolor" matchingName="Title only" type="titleOnly">
+<p:sldLayout xmlns:a="http://schemas.openxmlformats.org/drawingml/2006/main" xmlns:r="http://schemas.openxmlformats.org/officeDocument/2006/relationships" xmlns:p="http://schemas.openxmlformats.org/presentationml/2006/main" matchingName="Title only" type="titleOnly">
   <p:cSld name="TITLE_ONLY">
     <p:spTree>
       <p:nvGrpSpPr>
-        <p:cNvPr id="25" name="Shape 25"/>
+        <p:cNvPr id="1" name="Shape 25"/>
         <p:cNvGrpSpPr/>
         <p:nvPr/>
       </p:nvGrpSpPr>
@@ -3707,7 +3827,9 @@
       <p:sp>
         <p:nvSpPr>
           <p:cNvPr id="26" name="Google Shape;26;p6"/>
-          <p:cNvSpPr txBox="1"/>
+          <p:cNvSpPr txBox="1">
+            <a:spLocks noGrp="1"/>
+          </p:cNvSpPr>
           <p:nvPr>
             <p:ph type="title"/>
           </p:nvPr>
@@ -3722,7 +3844,7 @@
           </a:prstGeom>
         </p:spPr>
         <p:txBody>
-          <a:bodyPr anchorCtr="0" anchor="t" bIns="91425" lIns="91425" spcFirstLastPara="1" rIns="91425" wrap="square" tIns="91425">
+          <a:bodyPr spcFirstLastPara="1" wrap="square" lIns="91425" tIns="91425" rIns="91425" bIns="91425" anchor="t" anchorCtr="0">
             <a:normAutofit/>
           </a:bodyPr>
           <a:lstStyle>
@@ -3826,15 +3948,19 @@
               <a:defRPr/>
             </a:lvl9pPr>
           </a:lstStyle>
-          <a:p/>
+          <a:p>
+            <a:endParaRPr/>
+          </a:p>
         </p:txBody>
       </p:sp>
       <p:sp>
         <p:nvSpPr>
           <p:cNvPr id="27" name="Google Shape;27;p6"/>
-          <p:cNvSpPr txBox="1"/>
+          <p:cNvSpPr txBox="1">
+            <a:spLocks noGrp="1"/>
+          </p:cNvSpPr>
           <p:nvPr>
-            <p:ph idx="12" type="sldNum"/>
+            <p:ph type="sldNum" idx="12"/>
           </p:nvPr>
         </p:nvSpPr>
         <p:spPr>
@@ -3847,7 +3973,7 @@
           </a:prstGeom>
         </p:spPr>
         <p:txBody>
-          <a:bodyPr anchorCtr="0" anchor="ctr" bIns="91425" lIns="91425" spcFirstLastPara="1" rIns="91425" wrap="square" tIns="91425">
+          <a:bodyPr spcFirstLastPara="1" wrap="square" lIns="91425" tIns="91425" rIns="91425" bIns="91425" anchor="ctr" anchorCtr="0">
             <a:normAutofit/>
           </a:bodyPr>
           <a:lstStyle>
@@ -3889,7 +4015,7 @@
             </a:lvl9pPr>
           </a:lstStyle>
           <a:p>
-            <a:pPr indent="0" lvl="0" marL="0" rtl="0" algn="r">
+            <a:pPr marL="0" lvl="0" indent="0" algn="r" rtl="0">
               <a:spcBef>
                 <a:spcPts val="0"/>
               </a:spcBef>
@@ -3915,11 +4041,11 @@
 </file>
 
 <file path=ppt/slideLayouts/slideLayout6.xml><?xml version="1.0" encoding="utf-8"?>
-<p:sldLayout xmlns:a="http://schemas.openxmlformats.org/drawingml/2006/main" xmlns:r="http://schemas.openxmlformats.org/officeDocument/2006/relationships" xmlns:mc="http://schemas.openxmlformats.org/markup-compatibility/2006" xmlns:mv="urn:schemas-microsoft-com:mac:vml" xmlns:p="http://schemas.openxmlformats.org/presentationml/2006/main" xmlns:c="http://schemas.openxmlformats.org/drawingml/2006/chart" xmlns:dgm="http://schemas.openxmlformats.org/drawingml/2006/diagram" xmlns:o="urn:schemas-microsoft-com:office:office" xmlns:v="urn:schemas-microsoft-com:vml" xmlns:pvml="urn:schemas-microsoft-com:office:powerpoint" xmlns:com="http://schemas.openxmlformats.org/drawingml/2006/compatibility" xmlns:p14="http://schemas.microsoft.com/office/powerpoint/2010/main" xmlns:p15="http://schemas.microsoft.com/office/powerpoint/2012/main" xmlns:ahyp="http://schemas.microsoft.com/office/drawing/2018/hyperlinkcolor" matchingName="One column text">
+<p:sldLayout xmlns:a="http://schemas.openxmlformats.org/drawingml/2006/main" xmlns:r="http://schemas.openxmlformats.org/officeDocument/2006/relationships" xmlns:p="http://schemas.openxmlformats.org/presentationml/2006/main" matchingName="One column text">
   <p:cSld name="ONE_COLUMN_TEXT">
     <p:spTree>
       <p:nvGrpSpPr>
-        <p:cNvPr id="28" name="Shape 28"/>
+        <p:cNvPr id="1" name="Shape 28"/>
         <p:cNvGrpSpPr/>
         <p:nvPr/>
       </p:nvGrpSpPr>
@@ -3934,7 +4060,9 @@
       <p:sp>
         <p:nvSpPr>
           <p:cNvPr id="29" name="Google Shape;29;p7"/>
-          <p:cNvSpPr txBox="1"/>
+          <p:cNvSpPr txBox="1">
+            <a:spLocks noGrp="1"/>
+          </p:cNvSpPr>
           <p:nvPr>
             <p:ph type="title"/>
           </p:nvPr>
@@ -3949,7 +4077,7 @@
           </a:prstGeom>
         </p:spPr>
         <p:txBody>
-          <a:bodyPr anchorCtr="0" anchor="b" bIns="91425" lIns="91425" spcFirstLastPara="1" rIns="91425" wrap="square" tIns="91425">
+          <a:bodyPr spcFirstLastPara="1" wrap="square" lIns="91425" tIns="91425" rIns="91425" bIns="91425" anchor="b" anchorCtr="0">
             <a:normAutofit/>
           </a:bodyPr>
           <a:lstStyle>
@@ -4053,15 +4181,19 @@
               <a:defRPr sz="2400"/>
             </a:lvl9pPr>
           </a:lstStyle>
-          <a:p/>
+          <a:p>
+            <a:endParaRPr/>
+          </a:p>
         </p:txBody>
       </p:sp>
       <p:sp>
         <p:nvSpPr>
           <p:cNvPr id="30" name="Google Shape;30;p7"/>
-          <p:cNvSpPr txBox="1"/>
+          <p:cNvSpPr txBox="1">
+            <a:spLocks noGrp="1"/>
+          </p:cNvSpPr>
           <p:nvPr>
-            <p:ph idx="1" type="body"/>
+            <p:ph type="body" idx="1"/>
           </p:nvPr>
         </p:nvSpPr>
         <p:spPr>
@@ -4074,11 +4206,11 @@
           </a:prstGeom>
         </p:spPr>
         <p:txBody>
-          <a:bodyPr anchorCtr="0" anchor="t" bIns="91425" lIns="91425" spcFirstLastPara="1" rIns="91425" wrap="square" tIns="91425">
+          <a:bodyPr spcFirstLastPara="1" wrap="square" lIns="91425" tIns="91425" rIns="91425" bIns="91425" anchor="t" anchorCtr="0">
             <a:normAutofit/>
           </a:bodyPr>
           <a:lstStyle>
-            <a:lvl1pPr indent="-304800" lvl="0" marL="457200">
+            <a:lvl1pPr marL="457200" lvl="0" indent="-304800">
               <a:spcBef>
                 <a:spcPts val="0"/>
               </a:spcBef>
@@ -4089,7 +4221,7 @@
               <a:buChar char="●"/>
               <a:defRPr sz="1200"/>
             </a:lvl1pPr>
-            <a:lvl2pPr indent="-304800" lvl="1" marL="914400">
+            <a:lvl2pPr marL="914400" lvl="1" indent="-304800">
               <a:spcBef>
                 <a:spcPts val="0"/>
               </a:spcBef>
@@ -4100,7 +4232,7 @@
               <a:buChar char="○"/>
               <a:defRPr sz="1200"/>
             </a:lvl2pPr>
-            <a:lvl3pPr indent="-304800" lvl="2" marL="1371600">
+            <a:lvl3pPr marL="1371600" lvl="2" indent="-304800">
               <a:spcBef>
                 <a:spcPts val="0"/>
               </a:spcBef>
@@ -4111,7 +4243,7 @@
               <a:buChar char="■"/>
               <a:defRPr sz="1200"/>
             </a:lvl3pPr>
-            <a:lvl4pPr indent="-304800" lvl="3" marL="1828800">
+            <a:lvl4pPr marL="1828800" lvl="3" indent="-304800">
               <a:spcBef>
                 <a:spcPts val="0"/>
               </a:spcBef>
@@ -4122,7 +4254,7 @@
               <a:buChar char="●"/>
               <a:defRPr sz="1200"/>
             </a:lvl4pPr>
-            <a:lvl5pPr indent="-304800" lvl="4" marL="2286000">
+            <a:lvl5pPr marL="2286000" lvl="4" indent="-304800">
               <a:spcBef>
                 <a:spcPts val="0"/>
               </a:spcBef>
@@ -4133,7 +4265,7 @@
               <a:buChar char="○"/>
               <a:defRPr sz="1200"/>
             </a:lvl5pPr>
-            <a:lvl6pPr indent="-304800" lvl="5" marL="2743200">
+            <a:lvl6pPr marL="2743200" lvl="5" indent="-304800">
               <a:spcBef>
                 <a:spcPts val="0"/>
               </a:spcBef>
@@ -4144,7 +4276,7 @@
               <a:buChar char="■"/>
               <a:defRPr sz="1200"/>
             </a:lvl6pPr>
-            <a:lvl7pPr indent="-304800" lvl="6" marL="3200400">
+            <a:lvl7pPr marL="3200400" lvl="6" indent="-304800">
               <a:spcBef>
                 <a:spcPts val="0"/>
               </a:spcBef>
@@ -4155,7 +4287,7 @@
               <a:buChar char="●"/>
               <a:defRPr sz="1200"/>
             </a:lvl7pPr>
-            <a:lvl8pPr indent="-304800" lvl="7" marL="3657600">
+            <a:lvl8pPr marL="3657600" lvl="7" indent="-304800">
               <a:spcBef>
                 <a:spcPts val="0"/>
               </a:spcBef>
@@ -4166,7 +4298,7 @@
               <a:buChar char="○"/>
               <a:defRPr sz="1200"/>
             </a:lvl8pPr>
-            <a:lvl9pPr indent="-304800" lvl="8" marL="4114800">
+            <a:lvl9pPr marL="4114800" lvl="8" indent="-304800">
               <a:spcBef>
                 <a:spcPts val="0"/>
               </a:spcBef>
@@ -4178,15 +4310,19 @@
               <a:defRPr sz="1200"/>
             </a:lvl9pPr>
           </a:lstStyle>
-          <a:p/>
+          <a:p>
+            <a:endParaRPr/>
+          </a:p>
         </p:txBody>
       </p:sp>
       <p:sp>
         <p:nvSpPr>
           <p:cNvPr id="31" name="Google Shape;31;p7"/>
-          <p:cNvSpPr txBox="1"/>
+          <p:cNvSpPr txBox="1">
+            <a:spLocks noGrp="1"/>
+          </p:cNvSpPr>
           <p:nvPr>
-            <p:ph idx="12" type="sldNum"/>
+            <p:ph type="sldNum" idx="12"/>
           </p:nvPr>
         </p:nvSpPr>
         <p:spPr>
@@ -4199,7 +4335,7 @@
           </a:prstGeom>
         </p:spPr>
         <p:txBody>
-          <a:bodyPr anchorCtr="0" anchor="ctr" bIns="91425" lIns="91425" spcFirstLastPara="1" rIns="91425" wrap="square" tIns="91425">
+          <a:bodyPr spcFirstLastPara="1" wrap="square" lIns="91425" tIns="91425" rIns="91425" bIns="91425" anchor="ctr" anchorCtr="0">
             <a:normAutofit/>
           </a:bodyPr>
           <a:lstStyle>
@@ -4241,7 +4377,7 @@
             </a:lvl9pPr>
           </a:lstStyle>
           <a:p>
-            <a:pPr indent="0" lvl="0" marL="0" rtl="0" algn="r">
+            <a:pPr marL="0" lvl="0" indent="0" algn="r" rtl="0">
               <a:spcBef>
                 <a:spcPts val="0"/>
               </a:spcBef>
@@ -4267,11 +4403,11 @@
 </file>
 
 <file path=ppt/slideLayouts/slideLayout7.xml><?xml version="1.0" encoding="utf-8"?>
-<p:sldLayout xmlns:a="http://schemas.openxmlformats.org/drawingml/2006/main" xmlns:r="http://schemas.openxmlformats.org/officeDocument/2006/relationships" xmlns:mc="http://schemas.openxmlformats.org/markup-compatibility/2006" xmlns:mv="urn:schemas-microsoft-com:mac:vml" xmlns:p="http://schemas.openxmlformats.org/presentationml/2006/main" xmlns:c="http://schemas.openxmlformats.org/drawingml/2006/chart" xmlns:dgm="http://schemas.openxmlformats.org/drawingml/2006/diagram" xmlns:o="urn:schemas-microsoft-com:office:office" xmlns:v="urn:schemas-microsoft-com:vml" xmlns:pvml="urn:schemas-microsoft-com:office:powerpoint" xmlns:com="http://schemas.openxmlformats.org/drawingml/2006/compatibility" xmlns:p14="http://schemas.microsoft.com/office/powerpoint/2010/main" xmlns:p15="http://schemas.microsoft.com/office/powerpoint/2012/main" xmlns:ahyp="http://schemas.microsoft.com/office/drawing/2018/hyperlinkcolor" matchingName="Main point">
+<p:sldLayout xmlns:a="http://schemas.openxmlformats.org/drawingml/2006/main" xmlns:r="http://schemas.openxmlformats.org/officeDocument/2006/relationships" xmlns:p="http://schemas.openxmlformats.org/presentationml/2006/main" matchingName="Main point">
   <p:cSld name="MAIN_POINT">
     <p:spTree>
       <p:nvGrpSpPr>
-        <p:cNvPr id="32" name="Shape 32"/>
+        <p:cNvPr id="1" name="Shape 32"/>
         <p:cNvGrpSpPr/>
         <p:nvPr/>
       </p:nvGrpSpPr>
@@ -4286,7 +4422,9 @@
       <p:sp>
         <p:nvSpPr>
           <p:cNvPr id="33" name="Google Shape;33;p8"/>
-          <p:cNvSpPr txBox="1"/>
+          <p:cNvSpPr txBox="1">
+            <a:spLocks noGrp="1"/>
+          </p:cNvSpPr>
           <p:nvPr>
             <p:ph type="title"/>
           </p:nvPr>
@@ -4301,7 +4439,7 @@
           </a:prstGeom>
         </p:spPr>
         <p:txBody>
-          <a:bodyPr anchorCtr="0" anchor="ctr" bIns="91425" lIns="91425" spcFirstLastPara="1" rIns="91425" wrap="square" tIns="91425">
+          <a:bodyPr spcFirstLastPara="1" wrap="square" lIns="91425" tIns="91425" rIns="91425" bIns="91425" anchor="ctr" anchorCtr="0">
             <a:normAutofit/>
           </a:bodyPr>
           <a:lstStyle>
@@ -4405,15 +4543,19 @@
               <a:defRPr sz="4800"/>
             </a:lvl9pPr>
           </a:lstStyle>
-          <a:p/>
+          <a:p>
+            <a:endParaRPr/>
+          </a:p>
         </p:txBody>
       </p:sp>
       <p:sp>
         <p:nvSpPr>
           <p:cNvPr id="34" name="Google Shape;34;p8"/>
-          <p:cNvSpPr txBox="1"/>
+          <p:cNvSpPr txBox="1">
+            <a:spLocks noGrp="1"/>
+          </p:cNvSpPr>
           <p:nvPr>
-            <p:ph idx="12" type="sldNum"/>
+            <p:ph type="sldNum" idx="12"/>
           </p:nvPr>
         </p:nvSpPr>
         <p:spPr>
@@ -4426,7 +4568,7 @@
           </a:prstGeom>
         </p:spPr>
         <p:txBody>
-          <a:bodyPr anchorCtr="0" anchor="ctr" bIns="91425" lIns="91425" spcFirstLastPara="1" rIns="91425" wrap="square" tIns="91425">
+          <a:bodyPr spcFirstLastPara="1" wrap="square" lIns="91425" tIns="91425" rIns="91425" bIns="91425" anchor="ctr" anchorCtr="0">
             <a:normAutofit/>
           </a:bodyPr>
           <a:lstStyle>
@@ -4468,7 +4610,7 @@
             </a:lvl9pPr>
           </a:lstStyle>
           <a:p>
-            <a:pPr indent="0" lvl="0" marL="0" rtl="0" algn="r">
+            <a:pPr marL="0" lvl="0" indent="0" algn="r" rtl="0">
               <a:spcBef>
                 <a:spcPts val="0"/>
               </a:spcBef>
@@ -4494,11 +4636,11 @@
 </file>
 
 <file path=ppt/slideLayouts/slideLayout8.xml><?xml version="1.0" encoding="utf-8"?>
-<p:sldLayout xmlns:a="http://schemas.openxmlformats.org/drawingml/2006/main" xmlns:r="http://schemas.openxmlformats.org/officeDocument/2006/relationships" xmlns:mc="http://schemas.openxmlformats.org/markup-compatibility/2006" xmlns:mv="urn:schemas-microsoft-com:mac:vml" xmlns:p="http://schemas.openxmlformats.org/presentationml/2006/main" xmlns:c="http://schemas.openxmlformats.org/drawingml/2006/chart" xmlns:dgm="http://schemas.openxmlformats.org/drawingml/2006/diagram" xmlns:o="urn:schemas-microsoft-com:office:office" xmlns:v="urn:schemas-microsoft-com:vml" xmlns:pvml="urn:schemas-microsoft-com:office:powerpoint" xmlns:com="http://schemas.openxmlformats.org/drawingml/2006/compatibility" xmlns:p14="http://schemas.microsoft.com/office/powerpoint/2010/main" xmlns:p15="http://schemas.microsoft.com/office/powerpoint/2012/main" xmlns:ahyp="http://schemas.microsoft.com/office/drawing/2018/hyperlinkcolor" matchingName="Section title and description">
+<p:sldLayout xmlns:a="http://schemas.openxmlformats.org/drawingml/2006/main" xmlns:r="http://schemas.openxmlformats.org/officeDocument/2006/relationships" xmlns:p="http://schemas.openxmlformats.org/presentationml/2006/main" matchingName="Section title and description">
   <p:cSld name="SECTION_TITLE_AND_DESCRIPTION">
     <p:spTree>
       <p:nvGrpSpPr>
-        <p:cNvPr id="35" name="Shape 35"/>
+        <p:cNvPr id="1" name="Shape 35"/>
         <p:cNvGrpSpPr/>
         <p:nvPr/>
       </p:nvGrpSpPr>
@@ -4532,12 +4674,12 @@
           </a:ln>
         </p:spPr>
         <p:txBody>
-          <a:bodyPr anchorCtr="0" anchor="ctr" bIns="91425" lIns="91425" spcFirstLastPara="1" rIns="91425" wrap="square" tIns="91425">
+          <a:bodyPr spcFirstLastPara="1" wrap="square" lIns="91425" tIns="91425" rIns="91425" bIns="91425" anchor="ctr" anchorCtr="0">
             <a:noAutofit/>
           </a:bodyPr>
           <a:lstStyle/>
           <a:p>
-            <a:pPr indent="0" lvl="0" marL="0" rtl="0" algn="l">
+            <a:pPr marL="0" lvl="0" indent="0" algn="l" rtl="0">
               <a:spcBef>
                 <a:spcPts val="0"/>
               </a:spcBef>
@@ -4546,9 +4688,6 @@
               </a:spcAft>
               <a:buNone/>
             </a:pPr>
-            <a:r>
-              <a:t/>
-            </a:r>
             <a:endParaRPr/>
           </a:p>
         </p:txBody>
@@ -4556,7 +4695,9 @@
       <p:sp>
         <p:nvSpPr>
           <p:cNvPr id="37" name="Google Shape;37;p9"/>
-          <p:cNvSpPr txBox="1"/>
+          <p:cNvSpPr txBox="1">
+            <a:spLocks noGrp="1"/>
+          </p:cNvSpPr>
           <p:nvPr>
             <p:ph type="title"/>
           </p:nvPr>
@@ -4571,7 +4712,7 @@
           </a:prstGeom>
         </p:spPr>
         <p:txBody>
-          <a:bodyPr anchorCtr="0" anchor="b" bIns="91425" lIns="91425" spcFirstLastPara="1" rIns="91425" wrap="square" tIns="91425">
+          <a:bodyPr spcFirstLastPara="1" wrap="square" lIns="91425" tIns="91425" rIns="91425" bIns="91425" anchor="b" anchorCtr="0">
             <a:normAutofit/>
           </a:bodyPr>
           <a:lstStyle>
@@ -4675,15 +4816,19 @@
               <a:defRPr sz="4200"/>
             </a:lvl9pPr>
           </a:lstStyle>
-          <a:p/>
+          <a:p>
+            <a:endParaRPr/>
+          </a:p>
         </p:txBody>
       </p:sp>
       <p:sp>
         <p:nvSpPr>
           <p:cNvPr id="38" name="Google Shape;38;p9"/>
-          <p:cNvSpPr txBox="1"/>
+          <p:cNvSpPr txBox="1">
+            <a:spLocks noGrp="1"/>
+          </p:cNvSpPr>
           <p:nvPr>
-            <p:ph idx="1" type="subTitle"/>
+            <p:ph type="subTitle" idx="1"/>
           </p:nvPr>
         </p:nvSpPr>
         <p:spPr>
@@ -4696,7 +4841,7 @@
           </a:prstGeom>
         </p:spPr>
         <p:txBody>
-          <a:bodyPr anchorCtr="0" anchor="t" bIns="91425" lIns="91425" spcFirstLastPara="1" rIns="91425" wrap="square" tIns="91425">
+          <a:bodyPr spcFirstLastPara="1" wrap="square" lIns="91425" tIns="91425" rIns="91425" bIns="91425" anchor="t" anchorCtr="0">
             <a:normAutofit/>
           </a:bodyPr>
           <a:lstStyle>
@@ -4827,15 +4972,19 @@
               <a:defRPr sz="2100"/>
             </a:lvl9pPr>
           </a:lstStyle>
-          <a:p/>
+          <a:p>
+            <a:endParaRPr/>
+          </a:p>
         </p:txBody>
       </p:sp>
       <p:sp>
         <p:nvSpPr>
           <p:cNvPr id="39" name="Google Shape;39;p9"/>
-          <p:cNvSpPr txBox="1"/>
+          <p:cNvSpPr txBox="1">
+            <a:spLocks noGrp="1"/>
+          </p:cNvSpPr>
           <p:nvPr>
-            <p:ph idx="2" type="body"/>
+            <p:ph type="body" idx="2"/>
           </p:nvPr>
         </p:nvSpPr>
         <p:spPr>
@@ -4848,11 +4997,11 @@
           </a:prstGeom>
         </p:spPr>
         <p:txBody>
-          <a:bodyPr anchorCtr="0" anchor="ctr" bIns="91425" lIns="91425" spcFirstLastPara="1" rIns="91425" wrap="square" tIns="91425">
+          <a:bodyPr spcFirstLastPara="1" wrap="square" lIns="91425" tIns="91425" rIns="91425" bIns="91425" anchor="ctr" anchorCtr="0">
             <a:normAutofit/>
           </a:bodyPr>
           <a:lstStyle>
-            <a:lvl1pPr indent="-342900" lvl="0" marL="457200">
+            <a:lvl1pPr marL="457200" lvl="0" indent="-342900">
               <a:spcBef>
                 <a:spcPts val="0"/>
               </a:spcBef>
@@ -4863,7 +5012,7 @@
               <a:buChar char="●"/>
               <a:defRPr/>
             </a:lvl1pPr>
-            <a:lvl2pPr indent="-317500" lvl="1" marL="914400">
+            <a:lvl2pPr marL="914400" lvl="1" indent="-317500">
               <a:spcBef>
                 <a:spcPts val="0"/>
               </a:spcBef>
@@ -4874,7 +5023,7 @@
               <a:buChar char="○"/>
               <a:defRPr/>
             </a:lvl2pPr>
-            <a:lvl3pPr indent="-317500" lvl="2" marL="1371600">
+            <a:lvl3pPr marL="1371600" lvl="2" indent="-317500">
               <a:spcBef>
                 <a:spcPts val="0"/>
               </a:spcBef>
@@ -4885,7 +5034,7 @@
               <a:buChar char="■"/>
               <a:defRPr/>
             </a:lvl3pPr>
-            <a:lvl4pPr indent="-317500" lvl="3" marL="1828800">
+            <a:lvl4pPr marL="1828800" lvl="3" indent="-317500">
               <a:spcBef>
                 <a:spcPts val="0"/>
               </a:spcBef>
@@ -4896,7 +5045,7 @@
               <a:buChar char="●"/>
               <a:defRPr/>
             </a:lvl4pPr>
-            <a:lvl5pPr indent="-317500" lvl="4" marL="2286000">
+            <a:lvl5pPr marL="2286000" lvl="4" indent="-317500">
               <a:spcBef>
                 <a:spcPts val="0"/>
               </a:spcBef>
@@ -4907,7 +5056,7 @@
               <a:buChar char="○"/>
               <a:defRPr/>
             </a:lvl5pPr>
-            <a:lvl6pPr indent="-317500" lvl="5" marL="2743200">
+            <a:lvl6pPr marL="2743200" lvl="5" indent="-317500">
               <a:spcBef>
                 <a:spcPts val="0"/>
               </a:spcBef>
@@ -4918,7 +5067,7 @@
               <a:buChar char="■"/>
               <a:defRPr/>
             </a:lvl6pPr>
-            <a:lvl7pPr indent="-317500" lvl="6" marL="3200400">
+            <a:lvl7pPr marL="3200400" lvl="6" indent="-317500">
               <a:spcBef>
                 <a:spcPts val="0"/>
               </a:spcBef>
@@ -4929,7 +5078,7 @@
               <a:buChar char="●"/>
               <a:defRPr/>
             </a:lvl7pPr>
-            <a:lvl8pPr indent="-317500" lvl="7" marL="3657600">
+            <a:lvl8pPr marL="3657600" lvl="7" indent="-317500">
               <a:spcBef>
                 <a:spcPts val="0"/>
               </a:spcBef>
@@ -4940,7 +5089,7 @@
               <a:buChar char="○"/>
               <a:defRPr/>
             </a:lvl8pPr>
-            <a:lvl9pPr indent="-317500" lvl="8" marL="4114800">
+            <a:lvl9pPr marL="4114800" lvl="8" indent="-317500">
               <a:spcBef>
                 <a:spcPts val="0"/>
               </a:spcBef>
@@ -4952,15 +5101,19 @@
               <a:defRPr/>
             </a:lvl9pPr>
           </a:lstStyle>
-          <a:p/>
+          <a:p>
+            <a:endParaRPr/>
+          </a:p>
         </p:txBody>
       </p:sp>
       <p:sp>
         <p:nvSpPr>
           <p:cNvPr id="40" name="Google Shape;40;p9"/>
-          <p:cNvSpPr txBox="1"/>
+          <p:cNvSpPr txBox="1">
+            <a:spLocks noGrp="1"/>
+          </p:cNvSpPr>
           <p:nvPr>
-            <p:ph idx="12" type="sldNum"/>
+            <p:ph type="sldNum" idx="12"/>
           </p:nvPr>
         </p:nvSpPr>
         <p:spPr>
@@ -4973,7 +5126,7 @@
           </a:prstGeom>
         </p:spPr>
         <p:txBody>
-          <a:bodyPr anchorCtr="0" anchor="ctr" bIns="91425" lIns="91425" spcFirstLastPara="1" rIns="91425" wrap="square" tIns="91425">
+          <a:bodyPr spcFirstLastPara="1" wrap="square" lIns="91425" tIns="91425" rIns="91425" bIns="91425" anchor="ctr" anchorCtr="0">
             <a:normAutofit/>
           </a:bodyPr>
           <a:lstStyle>
@@ -5015,7 +5168,7 @@
             </a:lvl9pPr>
           </a:lstStyle>
           <a:p>
-            <a:pPr indent="0" lvl="0" marL="0" rtl="0" algn="r">
+            <a:pPr marL="0" lvl="0" indent="0" algn="r" rtl="0">
               <a:spcBef>
                 <a:spcPts val="0"/>
               </a:spcBef>
@@ -5041,11 +5194,11 @@
 </file>
 
 <file path=ppt/slideLayouts/slideLayout9.xml><?xml version="1.0" encoding="utf-8"?>
-<p:sldLayout xmlns:a="http://schemas.openxmlformats.org/drawingml/2006/main" xmlns:r="http://schemas.openxmlformats.org/officeDocument/2006/relationships" xmlns:mc="http://schemas.openxmlformats.org/markup-compatibility/2006" xmlns:mv="urn:schemas-microsoft-com:mac:vml" xmlns:p="http://schemas.openxmlformats.org/presentationml/2006/main" xmlns:c="http://schemas.openxmlformats.org/drawingml/2006/chart" xmlns:dgm="http://schemas.openxmlformats.org/drawingml/2006/diagram" xmlns:o="urn:schemas-microsoft-com:office:office" xmlns:v="urn:schemas-microsoft-com:vml" xmlns:pvml="urn:schemas-microsoft-com:office:powerpoint" xmlns:com="http://schemas.openxmlformats.org/drawingml/2006/compatibility" xmlns:p14="http://schemas.microsoft.com/office/powerpoint/2010/main" xmlns:p15="http://schemas.microsoft.com/office/powerpoint/2012/main" xmlns:ahyp="http://schemas.microsoft.com/office/drawing/2018/hyperlinkcolor" matchingName="Caption">
+<p:sldLayout xmlns:a="http://schemas.openxmlformats.org/drawingml/2006/main" xmlns:r="http://schemas.openxmlformats.org/officeDocument/2006/relationships" xmlns:p="http://schemas.openxmlformats.org/presentationml/2006/main" matchingName="Caption">
   <p:cSld name="CAPTION_ONLY">
     <p:spTree>
       <p:nvGrpSpPr>
-        <p:cNvPr id="41" name="Shape 41"/>
+        <p:cNvPr id="1" name="Shape 41"/>
         <p:cNvGrpSpPr/>
         <p:nvPr/>
       </p:nvGrpSpPr>
@@ -5060,9 +5213,11 @@
       <p:sp>
         <p:nvSpPr>
           <p:cNvPr id="42" name="Google Shape;42;p10"/>
-          <p:cNvSpPr txBox="1"/>
+          <p:cNvSpPr txBox="1">
+            <a:spLocks noGrp="1"/>
+          </p:cNvSpPr>
           <p:nvPr>
-            <p:ph idx="1" type="body"/>
+            <p:ph type="body" idx="1"/>
           </p:nvPr>
         </p:nvSpPr>
         <p:spPr>
@@ -5075,11 +5230,11 @@
           </a:prstGeom>
         </p:spPr>
         <p:txBody>
-          <a:bodyPr anchorCtr="0" anchor="ctr" bIns="91425" lIns="91425" spcFirstLastPara="1" rIns="91425" wrap="square" tIns="91425">
+          <a:bodyPr spcFirstLastPara="1" wrap="square" lIns="91425" tIns="91425" rIns="91425" bIns="91425" anchor="ctr" anchorCtr="0">
             <a:normAutofit/>
           </a:bodyPr>
           <a:lstStyle>
-            <a:lvl1pPr indent="-228600" lvl="0" marL="457200">
+            <a:lvl1pPr marL="457200" lvl="0" indent="-228600">
               <a:lnSpc>
                 <a:spcPct val="100000"/>
               </a:lnSpc>
@@ -5094,15 +5249,19 @@
               <a:defRPr/>
             </a:lvl1pPr>
           </a:lstStyle>
-          <a:p/>
+          <a:p>
+            <a:endParaRPr/>
+          </a:p>
         </p:txBody>
       </p:sp>
       <p:sp>
         <p:nvSpPr>
           <p:cNvPr id="43" name="Google Shape;43;p10"/>
-          <p:cNvSpPr txBox="1"/>
+          <p:cNvSpPr txBox="1">
+            <a:spLocks noGrp="1"/>
+          </p:cNvSpPr>
           <p:nvPr>
-            <p:ph idx="12" type="sldNum"/>
+            <p:ph type="sldNum" idx="12"/>
           </p:nvPr>
         </p:nvSpPr>
         <p:spPr>
@@ -5115,7 +5274,7 @@
           </a:prstGeom>
         </p:spPr>
         <p:txBody>
-          <a:bodyPr anchorCtr="0" anchor="ctr" bIns="91425" lIns="91425" spcFirstLastPara="1" rIns="91425" wrap="square" tIns="91425">
+          <a:bodyPr spcFirstLastPara="1" wrap="square" lIns="91425" tIns="91425" rIns="91425" bIns="91425" anchor="ctr" anchorCtr="0">
             <a:normAutofit/>
           </a:bodyPr>
           <a:lstStyle>
@@ -5157,7 +5316,7 @@
             </a:lvl9pPr>
           </a:lstStyle>
           <a:p>
-            <a:pPr indent="0" lvl="0" marL="0" rtl="0" algn="r">
+            <a:pPr marL="0" lvl="0" indent="0" algn="r" rtl="0">
               <a:spcBef>
                 <a:spcPts val="0"/>
               </a:spcBef>
@@ -5183,18 +5342,19 @@
 </file>
 
 <file path=ppt/slideMasters/slideMaster1.xml><?xml version="1.0" encoding="utf-8"?>
-<p:sldMaster xmlns:a="http://schemas.openxmlformats.org/drawingml/2006/main" xmlns:r="http://schemas.openxmlformats.org/officeDocument/2006/relationships" xmlns:mc="http://schemas.openxmlformats.org/markup-compatibility/2006" xmlns:mv="urn:schemas-microsoft-com:mac:vml" xmlns:p="http://schemas.openxmlformats.org/presentationml/2006/main" xmlns:c="http://schemas.openxmlformats.org/drawingml/2006/chart" xmlns:dgm="http://schemas.openxmlformats.org/drawingml/2006/diagram" xmlns:o="urn:schemas-microsoft-com:office:office" xmlns:v="urn:schemas-microsoft-com:vml" xmlns:pvml="urn:schemas-microsoft-com:office:powerpoint" xmlns:com="http://schemas.openxmlformats.org/drawingml/2006/compatibility" xmlns:p14="http://schemas.microsoft.com/office/powerpoint/2010/main" xmlns:p15="http://schemas.microsoft.com/office/powerpoint/2012/main" xmlns:ahyp="http://schemas.microsoft.com/office/drawing/2018/hyperlinkcolor">
+<p:sldMaster xmlns:a="http://schemas.openxmlformats.org/drawingml/2006/main" xmlns:r="http://schemas.openxmlformats.org/officeDocument/2006/relationships" xmlns:p="http://schemas.openxmlformats.org/presentationml/2006/main">
   <p:cSld name="simple-light-2">
     <p:bg>
       <p:bgPr>
         <a:solidFill>
           <a:schemeClr val="lt2"/>
         </a:solidFill>
+        <a:effectLst/>
       </p:bgPr>
     </p:bg>
     <p:spTree>
       <p:nvGrpSpPr>
-        <p:cNvPr id="5" name="Shape 5"/>
+        <p:cNvPr id="1" name="Shape 5"/>
         <p:cNvGrpSpPr/>
         <p:nvPr/>
       </p:nvGrpSpPr>
@@ -5209,7 +5369,9 @@
       <p:sp>
         <p:nvSpPr>
           <p:cNvPr id="6" name="Google Shape;6;p1"/>
-          <p:cNvSpPr txBox="1"/>
+          <p:cNvSpPr txBox="1">
+            <a:spLocks noGrp="1"/>
+          </p:cNvSpPr>
           <p:nvPr>
             <p:ph type="title"/>
           </p:nvPr>
@@ -5228,7 +5390,7 @@
           </a:ln>
         </p:spPr>
         <p:txBody>
-          <a:bodyPr anchorCtr="0" anchor="t" bIns="91425" lIns="91425" spcFirstLastPara="1" rIns="91425" wrap="square" tIns="91425">
+          <a:bodyPr spcFirstLastPara="1" wrap="square" lIns="91425" tIns="91425" rIns="91425" bIns="91425" anchor="t" anchorCtr="0">
             <a:normAutofit/>
           </a:bodyPr>
           <a:lstStyle>
@@ -5395,15 +5557,19 @@
               </a:defRPr>
             </a:lvl9pPr>
           </a:lstStyle>
-          <a:p/>
+          <a:p>
+            <a:endParaRPr/>
+          </a:p>
         </p:txBody>
       </p:sp>
       <p:sp>
         <p:nvSpPr>
           <p:cNvPr id="7" name="Google Shape;7;p1"/>
-          <p:cNvSpPr txBox="1"/>
+          <p:cNvSpPr txBox="1">
+            <a:spLocks noGrp="1"/>
+          </p:cNvSpPr>
           <p:nvPr>
-            <p:ph idx="1" type="body"/>
+            <p:ph type="body" idx="1"/>
           </p:nvPr>
         </p:nvSpPr>
         <p:spPr>
@@ -5420,11 +5586,11 @@
           </a:ln>
         </p:spPr>
         <p:txBody>
-          <a:bodyPr anchorCtr="0" anchor="t" bIns="91425" lIns="91425" spcFirstLastPara="1" rIns="91425" wrap="square" tIns="91425">
+          <a:bodyPr spcFirstLastPara="1" wrap="square" lIns="91425" tIns="91425" rIns="91425" bIns="91425" anchor="t" anchorCtr="0">
             <a:normAutofit/>
           </a:bodyPr>
           <a:lstStyle>
-            <a:lvl1pPr indent="-342900" lvl="0" marL="457200">
+            <a:lvl1pPr marL="457200" lvl="0" indent="-342900">
               <a:lnSpc>
                 <a:spcPct val="115000"/>
               </a:lnSpc>
@@ -5445,7 +5611,7 @@
                 </a:solidFill>
               </a:defRPr>
             </a:lvl1pPr>
-            <a:lvl2pPr indent="-317500" lvl="1" marL="914400">
+            <a:lvl2pPr marL="914400" lvl="1" indent="-317500">
               <a:lnSpc>
                 <a:spcPct val="115000"/>
               </a:lnSpc>
@@ -5466,7 +5632,7 @@
                 </a:solidFill>
               </a:defRPr>
             </a:lvl2pPr>
-            <a:lvl3pPr indent="-317500" lvl="2" marL="1371600">
+            <a:lvl3pPr marL="1371600" lvl="2" indent="-317500">
               <a:lnSpc>
                 <a:spcPct val="115000"/>
               </a:lnSpc>
@@ -5487,7 +5653,7 @@
                 </a:solidFill>
               </a:defRPr>
             </a:lvl3pPr>
-            <a:lvl4pPr indent="-317500" lvl="3" marL="1828800">
+            <a:lvl4pPr marL="1828800" lvl="3" indent="-317500">
               <a:lnSpc>
                 <a:spcPct val="115000"/>
               </a:lnSpc>
@@ -5508,7 +5674,7 @@
                 </a:solidFill>
               </a:defRPr>
             </a:lvl4pPr>
-            <a:lvl5pPr indent="-317500" lvl="4" marL="2286000">
+            <a:lvl5pPr marL="2286000" lvl="4" indent="-317500">
               <a:lnSpc>
                 <a:spcPct val="115000"/>
               </a:lnSpc>
@@ -5529,7 +5695,7 @@
                 </a:solidFill>
               </a:defRPr>
             </a:lvl5pPr>
-            <a:lvl6pPr indent="-317500" lvl="5" marL="2743200">
+            <a:lvl6pPr marL="2743200" lvl="5" indent="-317500">
               <a:lnSpc>
                 <a:spcPct val="115000"/>
               </a:lnSpc>
@@ -5550,7 +5716,7 @@
                 </a:solidFill>
               </a:defRPr>
             </a:lvl6pPr>
-            <a:lvl7pPr indent="-317500" lvl="6" marL="3200400">
+            <a:lvl7pPr marL="3200400" lvl="6" indent="-317500">
               <a:lnSpc>
                 <a:spcPct val="115000"/>
               </a:lnSpc>
@@ -5571,7 +5737,7 @@
                 </a:solidFill>
               </a:defRPr>
             </a:lvl7pPr>
-            <a:lvl8pPr indent="-317500" lvl="7" marL="3657600">
+            <a:lvl8pPr marL="3657600" lvl="7" indent="-317500">
               <a:lnSpc>
                 <a:spcPct val="115000"/>
               </a:lnSpc>
@@ -5592,7 +5758,7 @@
                 </a:solidFill>
               </a:defRPr>
             </a:lvl8pPr>
-            <a:lvl9pPr indent="-317500" lvl="8" marL="4114800">
+            <a:lvl9pPr marL="4114800" lvl="8" indent="-317500">
               <a:lnSpc>
                 <a:spcPct val="115000"/>
               </a:lnSpc>
@@ -5614,15 +5780,19 @@
               </a:defRPr>
             </a:lvl9pPr>
           </a:lstStyle>
-          <a:p/>
+          <a:p>
+            <a:endParaRPr/>
+          </a:p>
         </p:txBody>
       </p:sp>
       <p:sp>
         <p:nvSpPr>
           <p:cNvPr id="8" name="Google Shape;8;p1"/>
-          <p:cNvSpPr txBox="1"/>
+          <p:cNvSpPr txBox="1">
+            <a:spLocks noGrp="1"/>
+          </p:cNvSpPr>
           <p:nvPr>
-            <p:ph idx="12" type="sldNum"/>
+            <p:ph type="sldNum" idx="12"/>
           </p:nvPr>
         </p:nvSpPr>
         <p:spPr>
@@ -5639,7 +5809,7 @@
           </a:ln>
         </p:spPr>
         <p:txBody>
-          <a:bodyPr anchorCtr="0" anchor="ctr" bIns="91425" lIns="91425" spcFirstLastPara="1" rIns="91425" wrap="square" tIns="91425">
+          <a:bodyPr spcFirstLastPara="1" wrap="square" lIns="91425" tIns="91425" rIns="91425" bIns="91425" anchor="ctr" anchorCtr="0">
             <a:normAutofit/>
           </a:bodyPr>
           <a:lstStyle>
@@ -5717,7 +5887,7 @@
             </a:lvl9pPr>
           </a:lstStyle>
           <a:p>
-            <a:pPr indent="0" lvl="0" marL="0" rtl="0" algn="r">
+            <a:pPr marL="0" lvl="0" indent="0" algn="r" rtl="0">
               <a:spcBef>
                 <a:spcPts val="0"/>
               </a:spcBef>
@@ -5736,7 +5906,7 @@
       </p:sp>
     </p:spTree>
   </p:cSld>
-  <p:clrMap accent1="accent1" accent2="accent2" accent3="accent3" accent4="accent4" accent5="accent5" accent6="accent6" bg1="lt1" bg2="dk2" tx1="dk1" tx2="lt2" folHlink="folHlink" hlink="hlink"/>
+  <p:clrMap bg1="lt1" tx1="dk1" bg2="dk2" tx2="lt2" accent1="accent1" accent2="accent2" accent3="accent3" accent4="accent4" accent5="accent5" accent6="accent6" hlink="hlink" folHlink="folHlink"/>
   <p:sldLayoutIdLst>
     <p:sldLayoutId id="2147483648" r:id="rId1"/>
     <p:sldLayoutId id="2147483649" r:id="rId2"/>
@@ -5750,10 +5920,10 @@
     <p:sldLayoutId id="2147483657" r:id="rId10"/>
     <p:sldLayoutId id="2147483658" r:id="rId11"/>
   </p:sldLayoutIdLst>
-  <p:hf dt="0" ftr="0" hdr="0" sldNum="0"/>
+  <p:hf sldNum="0" hdr="0" ftr="0" dt="0"/>
   <p:txStyles>
     <p:titleStyle>
-      <a:defPPr lvl="0" marR="0" rtl="0" algn="l">
+      <a:defPPr marR="0" lvl="0" algn="l" rtl="0">
         <a:lnSpc>
           <a:spcPct val="100000"/>
         </a:lnSpc>
@@ -5764,7 +5934,7 @@
           <a:spcPts val="0"/>
         </a:spcAft>
       </a:defPPr>
-      <a:lvl1pPr lvl="0" marR="0" rtl="0" algn="l">
+      <a:lvl1pPr marR="0" lvl="0" algn="l" rtl="0">
         <a:lnSpc>
           <a:spcPct val="100000"/>
         </a:lnSpc>
@@ -5778,7 +5948,7 @@
           <a:srgbClr val="000000"/>
         </a:buClr>
         <a:buFont typeface="Arial"/>
-        <a:defRPr b="0" i="0" sz="1400" u="none" cap="none" strike="noStrike">
+        <a:defRPr sz="1400" b="0" i="0" u="none" strike="noStrike" cap="none">
           <a:solidFill>
             <a:srgbClr val="000000"/>
           </a:solidFill>
@@ -5788,7 +5958,7 @@
           <a:sym typeface="Arial"/>
         </a:defRPr>
       </a:lvl1pPr>
-      <a:lvl2pPr lvl="1" marR="0" rtl="0" algn="l">
+      <a:lvl2pPr marR="0" lvl="1" algn="l" rtl="0">
         <a:lnSpc>
           <a:spcPct val="100000"/>
         </a:lnSpc>
@@ -5802,7 +5972,7 @@
           <a:srgbClr val="000000"/>
         </a:buClr>
         <a:buFont typeface="Arial"/>
-        <a:defRPr b="0" i="0" sz="1400" u="none" cap="none" strike="noStrike">
+        <a:defRPr sz="1400" b="0" i="0" u="none" strike="noStrike" cap="none">
           <a:solidFill>
             <a:srgbClr val="000000"/>
           </a:solidFill>
@@ -5812,7 +5982,7 @@
           <a:sym typeface="Arial"/>
         </a:defRPr>
       </a:lvl2pPr>
-      <a:lvl3pPr lvl="2" marR="0" rtl="0" algn="l">
+      <a:lvl3pPr marR="0" lvl="2" algn="l" rtl="0">
         <a:lnSpc>
           <a:spcPct val="100000"/>
         </a:lnSpc>
@@ -5826,7 +5996,7 @@
           <a:srgbClr val="000000"/>
         </a:buClr>
         <a:buFont typeface="Arial"/>
-        <a:defRPr b="0" i="0" sz="1400" u="none" cap="none" strike="noStrike">
+        <a:defRPr sz="1400" b="0" i="0" u="none" strike="noStrike" cap="none">
           <a:solidFill>
             <a:srgbClr val="000000"/>
           </a:solidFill>
@@ -5836,7 +6006,7 @@
           <a:sym typeface="Arial"/>
         </a:defRPr>
       </a:lvl3pPr>
-      <a:lvl4pPr lvl="3" marR="0" rtl="0" algn="l">
+      <a:lvl4pPr marR="0" lvl="3" algn="l" rtl="0">
         <a:lnSpc>
           <a:spcPct val="100000"/>
         </a:lnSpc>
@@ -5850,7 +6020,7 @@
           <a:srgbClr val="000000"/>
         </a:buClr>
         <a:buFont typeface="Arial"/>
-        <a:defRPr b="0" i="0" sz="1400" u="none" cap="none" strike="noStrike">
+        <a:defRPr sz="1400" b="0" i="0" u="none" strike="noStrike" cap="none">
           <a:solidFill>
             <a:srgbClr val="000000"/>
           </a:solidFill>
@@ -5860,7 +6030,7 @@
           <a:sym typeface="Arial"/>
         </a:defRPr>
       </a:lvl4pPr>
-      <a:lvl5pPr lvl="4" marR="0" rtl="0" algn="l">
+      <a:lvl5pPr marR="0" lvl="4" algn="l" rtl="0">
         <a:lnSpc>
           <a:spcPct val="100000"/>
         </a:lnSpc>
@@ -5874,7 +6044,7 @@
           <a:srgbClr val="000000"/>
         </a:buClr>
         <a:buFont typeface="Arial"/>
-        <a:defRPr b="0" i="0" sz="1400" u="none" cap="none" strike="noStrike">
+        <a:defRPr sz="1400" b="0" i="0" u="none" strike="noStrike" cap="none">
           <a:solidFill>
             <a:srgbClr val="000000"/>
           </a:solidFill>
@@ -5884,7 +6054,7 @@
           <a:sym typeface="Arial"/>
         </a:defRPr>
       </a:lvl5pPr>
-      <a:lvl6pPr lvl="5" marR="0" rtl="0" algn="l">
+      <a:lvl6pPr marR="0" lvl="5" algn="l" rtl="0">
         <a:lnSpc>
           <a:spcPct val="100000"/>
         </a:lnSpc>
@@ -5898,7 +6068,7 @@
           <a:srgbClr val="000000"/>
         </a:buClr>
         <a:buFont typeface="Arial"/>
-        <a:defRPr b="0" i="0" sz="1400" u="none" cap="none" strike="noStrike">
+        <a:defRPr sz="1400" b="0" i="0" u="none" strike="noStrike" cap="none">
           <a:solidFill>
             <a:srgbClr val="000000"/>
           </a:solidFill>
@@ -5908,7 +6078,7 @@
           <a:sym typeface="Arial"/>
         </a:defRPr>
       </a:lvl6pPr>
-      <a:lvl7pPr lvl="6" marR="0" rtl="0" algn="l">
+      <a:lvl7pPr marR="0" lvl="6" algn="l" rtl="0">
         <a:lnSpc>
           <a:spcPct val="100000"/>
         </a:lnSpc>
@@ -5922,7 +6092,7 @@
           <a:srgbClr val="000000"/>
         </a:buClr>
         <a:buFont typeface="Arial"/>
-        <a:defRPr b="0" i="0" sz="1400" u="none" cap="none" strike="noStrike">
+        <a:defRPr sz="1400" b="0" i="0" u="none" strike="noStrike" cap="none">
           <a:solidFill>
             <a:srgbClr val="000000"/>
           </a:solidFill>
@@ -5932,7 +6102,7 @@
           <a:sym typeface="Arial"/>
         </a:defRPr>
       </a:lvl7pPr>
-      <a:lvl8pPr lvl="7" marR="0" rtl="0" algn="l">
+      <a:lvl8pPr marR="0" lvl="7" algn="l" rtl="0">
         <a:lnSpc>
           <a:spcPct val="100000"/>
         </a:lnSpc>
@@ -5946,7 +6116,7 @@
           <a:srgbClr val="000000"/>
         </a:buClr>
         <a:buFont typeface="Arial"/>
-        <a:defRPr b="0" i="0" sz="1400" u="none" cap="none" strike="noStrike">
+        <a:defRPr sz="1400" b="0" i="0" u="none" strike="noStrike" cap="none">
           <a:solidFill>
             <a:srgbClr val="000000"/>
           </a:solidFill>
@@ -5956,7 +6126,7 @@
           <a:sym typeface="Arial"/>
         </a:defRPr>
       </a:lvl8pPr>
-      <a:lvl9pPr lvl="8" marR="0" rtl="0" algn="l">
+      <a:lvl9pPr marR="0" lvl="8" algn="l" rtl="0">
         <a:lnSpc>
           <a:spcPct val="100000"/>
         </a:lnSpc>
@@ -5970,7 +6140,7 @@
           <a:srgbClr val="000000"/>
         </a:buClr>
         <a:buFont typeface="Arial"/>
-        <a:defRPr b="0" i="0" sz="1400" u="none" cap="none" strike="noStrike">
+        <a:defRPr sz="1400" b="0" i="0" u="none" strike="noStrike" cap="none">
           <a:solidFill>
             <a:srgbClr val="000000"/>
           </a:solidFill>
@@ -5982,7 +6152,7 @@
       </a:lvl9pPr>
     </p:titleStyle>
     <p:bodyStyle>
-      <a:defPPr lvl="0" marR="0" rtl="0" algn="l">
+      <a:defPPr marR="0" lvl="0" algn="l" rtl="0">
         <a:lnSpc>
           <a:spcPct val="100000"/>
         </a:lnSpc>
@@ -5993,7 +6163,7 @@
           <a:spcPts val="0"/>
         </a:spcAft>
       </a:defPPr>
-      <a:lvl1pPr lvl="0" marR="0" rtl="0" algn="l">
+      <a:lvl1pPr marR="0" lvl="0" algn="l" rtl="0">
         <a:lnSpc>
           <a:spcPct val="100000"/>
         </a:lnSpc>
@@ -6007,7 +6177,7 @@
           <a:srgbClr val="000000"/>
         </a:buClr>
         <a:buFont typeface="Arial"/>
-        <a:defRPr b="0" i="0" sz="1400" u="none" cap="none" strike="noStrike">
+        <a:defRPr sz="1400" b="0" i="0" u="none" strike="noStrike" cap="none">
           <a:solidFill>
             <a:srgbClr val="000000"/>
           </a:solidFill>
@@ -6017,7 +6187,7 @@
           <a:sym typeface="Arial"/>
         </a:defRPr>
       </a:lvl1pPr>
-      <a:lvl2pPr lvl="1" marR="0" rtl="0" algn="l">
+      <a:lvl2pPr marR="0" lvl="1" algn="l" rtl="0">
         <a:lnSpc>
           <a:spcPct val="100000"/>
         </a:lnSpc>
@@ -6031,7 +6201,7 @@
           <a:srgbClr val="000000"/>
         </a:buClr>
         <a:buFont typeface="Arial"/>
-        <a:defRPr b="0" i="0" sz="1400" u="none" cap="none" strike="noStrike">
+        <a:defRPr sz="1400" b="0" i="0" u="none" strike="noStrike" cap="none">
           <a:solidFill>
             <a:srgbClr val="000000"/>
           </a:solidFill>
@@ -6041,7 +6211,7 @@
           <a:sym typeface="Arial"/>
         </a:defRPr>
       </a:lvl2pPr>
-      <a:lvl3pPr lvl="2" marR="0" rtl="0" algn="l">
+      <a:lvl3pPr marR="0" lvl="2" algn="l" rtl="0">
         <a:lnSpc>
           <a:spcPct val="100000"/>
         </a:lnSpc>
@@ -6055,7 +6225,7 @@
           <a:srgbClr val="000000"/>
         </a:buClr>
         <a:buFont typeface="Arial"/>
-        <a:defRPr b="0" i="0" sz="1400" u="none" cap="none" strike="noStrike">
+        <a:defRPr sz="1400" b="0" i="0" u="none" strike="noStrike" cap="none">
           <a:solidFill>
             <a:srgbClr val="000000"/>
           </a:solidFill>
@@ -6065,7 +6235,7 @@
           <a:sym typeface="Arial"/>
         </a:defRPr>
       </a:lvl3pPr>
-      <a:lvl4pPr lvl="3" marR="0" rtl="0" algn="l">
+      <a:lvl4pPr marR="0" lvl="3" algn="l" rtl="0">
         <a:lnSpc>
           <a:spcPct val="100000"/>
         </a:lnSpc>
@@ -6079,7 +6249,7 @@
           <a:srgbClr val="000000"/>
         </a:buClr>
         <a:buFont typeface="Arial"/>
-        <a:defRPr b="0" i="0" sz="1400" u="none" cap="none" strike="noStrike">
+        <a:defRPr sz="1400" b="0" i="0" u="none" strike="noStrike" cap="none">
           <a:solidFill>
             <a:srgbClr val="000000"/>
           </a:solidFill>
@@ -6089,7 +6259,7 @@
           <a:sym typeface="Arial"/>
         </a:defRPr>
       </a:lvl4pPr>
-      <a:lvl5pPr lvl="4" marR="0" rtl="0" algn="l">
+      <a:lvl5pPr marR="0" lvl="4" algn="l" rtl="0">
         <a:lnSpc>
           <a:spcPct val="100000"/>
         </a:lnSpc>
@@ -6103,7 +6273,7 @@
           <a:srgbClr val="000000"/>
         </a:buClr>
         <a:buFont typeface="Arial"/>
-        <a:defRPr b="0" i="0" sz="1400" u="none" cap="none" strike="noStrike">
+        <a:defRPr sz="1400" b="0" i="0" u="none" strike="noStrike" cap="none">
           <a:solidFill>
             <a:srgbClr val="000000"/>
           </a:solidFill>
@@ -6113,7 +6283,7 @@
           <a:sym typeface="Arial"/>
         </a:defRPr>
       </a:lvl5pPr>
-      <a:lvl6pPr lvl="5" marR="0" rtl="0" algn="l">
+      <a:lvl6pPr marR="0" lvl="5" algn="l" rtl="0">
         <a:lnSpc>
           <a:spcPct val="100000"/>
         </a:lnSpc>
@@ -6127,7 +6297,7 @@
           <a:srgbClr val="000000"/>
         </a:buClr>
         <a:buFont typeface="Arial"/>
-        <a:defRPr b="0" i="0" sz="1400" u="none" cap="none" strike="noStrike">
+        <a:defRPr sz="1400" b="0" i="0" u="none" strike="noStrike" cap="none">
           <a:solidFill>
             <a:srgbClr val="000000"/>
           </a:solidFill>
@@ -6137,7 +6307,7 @@
           <a:sym typeface="Arial"/>
         </a:defRPr>
       </a:lvl6pPr>
-      <a:lvl7pPr lvl="6" marR="0" rtl="0" algn="l">
+      <a:lvl7pPr marR="0" lvl="6" algn="l" rtl="0">
         <a:lnSpc>
           <a:spcPct val="100000"/>
         </a:lnSpc>
@@ -6151,7 +6321,7 @@
           <a:srgbClr val="000000"/>
         </a:buClr>
         <a:buFont typeface="Arial"/>
-        <a:defRPr b="0" i="0" sz="1400" u="none" cap="none" strike="noStrike">
+        <a:defRPr sz="1400" b="0" i="0" u="none" strike="noStrike" cap="none">
           <a:solidFill>
             <a:srgbClr val="000000"/>
           </a:solidFill>
@@ -6161,7 +6331,7 @@
           <a:sym typeface="Arial"/>
         </a:defRPr>
       </a:lvl7pPr>
-      <a:lvl8pPr lvl="7" marR="0" rtl="0" algn="l">
+      <a:lvl8pPr marR="0" lvl="7" algn="l" rtl="0">
         <a:lnSpc>
           <a:spcPct val="100000"/>
         </a:lnSpc>
@@ -6175,7 +6345,7 @@
           <a:srgbClr val="000000"/>
         </a:buClr>
         <a:buFont typeface="Arial"/>
-        <a:defRPr b="0" i="0" sz="1400" u="none" cap="none" strike="noStrike">
+        <a:defRPr sz="1400" b="0" i="0" u="none" strike="noStrike" cap="none">
           <a:solidFill>
             <a:srgbClr val="000000"/>
           </a:solidFill>
@@ -6185,7 +6355,7 @@
           <a:sym typeface="Arial"/>
         </a:defRPr>
       </a:lvl8pPr>
-      <a:lvl9pPr lvl="8" marR="0" rtl="0" algn="l">
+      <a:lvl9pPr marR="0" lvl="8" algn="l" rtl="0">
         <a:lnSpc>
           <a:spcPct val="100000"/>
         </a:lnSpc>
@@ -6199,7 +6369,7 @@
           <a:srgbClr val="000000"/>
         </a:buClr>
         <a:buFont typeface="Arial"/>
-        <a:defRPr b="0" i="0" sz="1400" u="none" cap="none" strike="noStrike">
+        <a:defRPr sz="1400" b="0" i="0" u="none" strike="noStrike" cap="none">
           <a:solidFill>
             <a:srgbClr val="000000"/>
           </a:solidFill>
@@ -6211,7 +6381,7 @@
       </a:lvl9pPr>
     </p:bodyStyle>
     <p:otherStyle>
-      <a:defPPr lvl="0" marR="0" rtl="0" algn="l">
+      <a:defPPr marR="0" lvl="0" algn="l" rtl="0">
         <a:lnSpc>
           <a:spcPct val="100000"/>
         </a:lnSpc>
@@ -6222,7 +6392,7 @@
           <a:spcPts val="0"/>
         </a:spcAft>
       </a:defPPr>
-      <a:lvl1pPr lvl="0" marR="0" rtl="0" algn="l">
+      <a:lvl1pPr marR="0" lvl="0" algn="l" rtl="0">
         <a:lnSpc>
           <a:spcPct val="100000"/>
         </a:lnSpc>
@@ -6236,7 +6406,7 @@
           <a:srgbClr val="000000"/>
         </a:buClr>
         <a:buFont typeface="Arial"/>
-        <a:defRPr b="0" i="0" sz="1400" u="none" cap="none" strike="noStrike">
+        <a:defRPr sz="1400" b="0" i="0" u="none" strike="noStrike" cap="none">
           <a:solidFill>
             <a:srgbClr val="000000"/>
           </a:solidFill>
@@ -6246,7 +6416,7 @@
           <a:sym typeface="Arial"/>
         </a:defRPr>
       </a:lvl1pPr>
-      <a:lvl2pPr lvl="1" marR="0" rtl="0" algn="l">
+      <a:lvl2pPr marR="0" lvl="1" algn="l" rtl="0">
         <a:lnSpc>
           <a:spcPct val="100000"/>
         </a:lnSpc>
@@ -6260,7 +6430,7 @@
           <a:srgbClr val="000000"/>
         </a:buClr>
         <a:buFont typeface="Arial"/>
-        <a:defRPr b="0" i="0" sz="1400" u="none" cap="none" strike="noStrike">
+        <a:defRPr sz="1400" b="0" i="0" u="none" strike="noStrike" cap="none">
           <a:solidFill>
             <a:srgbClr val="000000"/>
           </a:solidFill>
@@ -6270,7 +6440,7 @@
           <a:sym typeface="Arial"/>
         </a:defRPr>
       </a:lvl2pPr>
-      <a:lvl3pPr lvl="2" marR="0" rtl="0" algn="l">
+      <a:lvl3pPr marR="0" lvl="2" algn="l" rtl="0">
         <a:lnSpc>
           <a:spcPct val="100000"/>
         </a:lnSpc>
@@ -6284,7 +6454,7 @@
           <a:srgbClr val="000000"/>
         </a:buClr>
         <a:buFont typeface="Arial"/>
-        <a:defRPr b="0" i="0" sz="1400" u="none" cap="none" strike="noStrike">
+        <a:defRPr sz="1400" b="0" i="0" u="none" strike="noStrike" cap="none">
           <a:solidFill>
             <a:srgbClr val="000000"/>
           </a:solidFill>
@@ -6294,7 +6464,7 @@
           <a:sym typeface="Arial"/>
         </a:defRPr>
       </a:lvl3pPr>
-      <a:lvl4pPr lvl="3" marR="0" rtl="0" algn="l">
+      <a:lvl4pPr marR="0" lvl="3" algn="l" rtl="0">
         <a:lnSpc>
           <a:spcPct val="100000"/>
         </a:lnSpc>
@@ -6308,7 +6478,7 @@
           <a:srgbClr val="000000"/>
         </a:buClr>
         <a:buFont typeface="Arial"/>
-        <a:defRPr b="0" i="0" sz="1400" u="none" cap="none" strike="noStrike">
+        <a:defRPr sz="1400" b="0" i="0" u="none" strike="noStrike" cap="none">
           <a:solidFill>
             <a:srgbClr val="000000"/>
           </a:solidFill>
@@ -6318,7 +6488,7 @@
           <a:sym typeface="Arial"/>
         </a:defRPr>
       </a:lvl4pPr>
-      <a:lvl5pPr lvl="4" marR="0" rtl="0" algn="l">
+      <a:lvl5pPr marR="0" lvl="4" algn="l" rtl="0">
         <a:lnSpc>
           <a:spcPct val="100000"/>
         </a:lnSpc>
@@ -6332,7 +6502,7 @@
           <a:srgbClr val="000000"/>
         </a:buClr>
         <a:buFont typeface="Arial"/>
-        <a:defRPr b="0" i="0" sz="1400" u="none" cap="none" strike="noStrike">
+        <a:defRPr sz="1400" b="0" i="0" u="none" strike="noStrike" cap="none">
           <a:solidFill>
             <a:srgbClr val="000000"/>
           </a:solidFill>
@@ -6342,7 +6512,7 @@
           <a:sym typeface="Arial"/>
         </a:defRPr>
       </a:lvl5pPr>
-      <a:lvl6pPr lvl="5" marR="0" rtl="0" algn="l">
+      <a:lvl6pPr marR="0" lvl="5" algn="l" rtl="0">
         <a:lnSpc>
           <a:spcPct val="100000"/>
         </a:lnSpc>
@@ -6356,7 +6526,7 @@
           <a:srgbClr val="000000"/>
         </a:buClr>
         <a:buFont typeface="Arial"/>
-        <a:defRPr b="0" i="0" sz="1400" u="none" cap="none" strike="noStrike">
+        <a:defRPr sz="1400" b="0" i="0" u="none" strike="noStrike" cap="none">
           <a:solidFill>
             <a:srgbClr val="000000"/>
           </a:solidFill>
@@ -6366,7 +6536,7 @@
           <a:sym typeface="Arial"/>
         </a:defRPr>
       </a:lvl6pPr>
-      <a:lvl7pPr lvl="6" marR="0" rtl="0" algn="l">
+      <a:lvl7pPr marR="0" lvl="6" algn="l" rtl="0">
         <a:lnSpc>
           <a:spcPct val="100000"/>
         </a:lnSpc>
@@ -6380,7 +6550,7 @@
           <a:srgbClr val="000000"/>
         </a:buClr>
         <a:buFont typeface="Arial"/>
-        <a:defRPr b="0" i="0" sz="1400" u="none" cap="none" strike="noStrike">
+        <a:defRPr sz="1400" b="0" i="0" u="none" strike="noStrike" cap="none">
           <a:solidFill>
             <a:srgbClr val="000000"/>
           </a:solidFill>
@@ -6390,7 +6560,7 @@
           <a:sym typeface="Arial"/>
         </a:defRPr>
       </a:lvl7pPr>
-      <a:lvl8pPr lvl="7" marR="0" rtl="0" algn="l">
+      <a:lvl8pPr marR="0" lvl="7" algn="l" rtl="0">
         <a:lnSpc>
           <a:spcPct val="100000"/>
         </a:lnSpc>
@@ -6404,7 +6574,7 @@
           <a:srgbClr val="000000"/>
         </a:buClr>
         <a:buFont typeface="Arial"/>
-        <a:defRPr b="0" i="0" sz="1400" u="none" cap="none" strike="noStrike">
+        <a:defRPr sz="1400" b="0" i="0" u="none" strike="noStrike" cap="none">
           <a:solidFill>
             <a:srgbClr val="000000"/>
           </a:solidFill>
@@ -6414,7 +6584,7 @@
           <a:sym typeface="Arial"/>
         </a:defRPr>
       </a:lvl8pPr>
-      <a:lvl9pPr lvl="8" marR="0" rtl="0" algn="l">
+      <a:lvl9pPr marR="0" lvl="8" algn="l" rtl="0">
         <a:lnSpc>
           <a:spcPct val="100000"/>
         </a:lnSpc>
@@ -6428,7 +6598,7 @@
           <a:srgbClr val="000000"/>
         </a:buClr>
         <a:buFont typeface="Arial"/>
-        <a:defRPr b="0" i="0" sz="1400" u="none" cap="none" strike="noStrike">
+        <a:defRPr sz="1400" b="0" i="0" u="none" strike="noStrike" cap="none">
           <a:solidFill>
             <a:srgbClr val="000000"/>
           </a:solidFill>
@@ -6444,11 +6614,11 @@
 </file>
 
 <file path=ppt/slides/slide1.xml><?xml version="1.0" encoding="utf-8"?>
-<p:sld xmlns:a="http://schemas.openxmlformats.org/drawingml/2006/main" xmlns:r="http://schemas.openxmlformats.org/officeDocument/2006/relationships" xmlns:mc="http://schemas.openxmlformats.org/markup-compatibility/2006" xmlns:mv="urn:schemas-microsoft-com:mac:vml" xmlns:p="http://schemas.openxmlformats.org/presentationml/2006/main" xmlns:c="http://schemas.openxmlformats.org/drawingml/2006/chart" xmlns:dgm="http://schemas.openxmlformats.org/drawingml/2006/diagram" xmlns:o="urn:schemas-microsoft-com:office:office" xmlns:v="urn:schemas-microsoft-com:vml" xmlns:pvml="urn:schemas-microsoft-com:office:powerpoint" xmlns:com="http://schemas.openxmlformats.org/drawingml/2006/compatibility" xmlns:p14="http://schemas.microsoft.com/office/powerpoint/2010/main" xmlns:p15="http://schemas.microsoft.com/office/powerpoint/2012/main" xmlns:ahyp="http://schemas.microsoft.com/office/drawing/2018/hyperlinkcolor">
+<p:sld xmlns:a="http://schemas.openxmlformats.org/drawingml/2006/main" xmlns:r="http://schemas.openxmlformats.org/officeDocument/2006/relationships" xmlns:p="http://schemas.openxmlformats.org/presentationml/2006/main">
   <p:cSld>
     <p:spTree>
       <p:nvGrpSpPr>
-        <p:cNvPr id="53" name="Shape 53"/>
+        <p:cNvPr id="1" name="Shape 53"/>
         <p:cNvGrpSpPr/>
         <p:nvPr/>
       </p:nvGrpSpPr>
@@ -6463,7 +6633,9 @@
       <p:sp>
         <p:nvSpPr>
           <p:cNvPr id="54" name="Google Shape;54;p13"/>
-          <p:cNvSpPr txBox="1"/>
+          <p:cNvSpPr txBox="1">
+            <a:spLocks noGrp="1"/>
+          </p:cNvSpPr>
           <p:nvPr>
             <p:ph type="ctrTitle"/>
           </p:nvPr>
@@ -6478,12 +6650,12 @@
           </a:prstGeom>
         </p:spPr>
         <p:txBody>
-          <a:bodyPr anchorCtr="0" anchor="b" bIns="91425" lIns="91425" spcFirstLastPara="1" rIns="91425" wrap="square" tIns="91425">
+          <a:bodyPr spcFirstLastPara="1" wrap="square" lIns="91425" tIns="91425" rIns="91425" bIns="91425" anchor="b" anchorCtr="0">
             <a:normAutofit fontScale="90000"/>
           </a:bodyPr>
           <a:lstStyle/>
           <a:p>
-            <a:pPr indent="0" lvl="0" marL="0" rtl="0" algn="ctr">
+            <a:pPr marL="0" lvl="0" indent="0" algn="ctr" rtl="0">
               <a:spcBef>
                 <a:spcPts val="0"/>
               </a:spcBef>
@@ -6499,7 +6671,7 @@
             <a:endParaRPr/>
           </a:p>
           <a:p>
-            <a:pPr indent="0" lvl="0" marL="0" rtl="0" algn="ctr">
+            <a:pPr marL="0" lvl="0" indent="0" algn="ctr" rtl="0">
               <a:spcBef>
                 <a:spcPts val="0"/>
               </a:spcBef>
@@ -6519,9 +6691,11 @@
       <p:sp>
         <p:nvSpPr>
           <p:cNvPr id="55" name="Google Shape;55;p13"/>
-          <p:cNvSpPr txBox="1"/>
+          <p:cNvSpPr txBox="1">
+            <a:spLocks noGrp="1"/>
+          </p:cNvSpPr>
           <p:nvPr>
-            <p:ph idx="1" type="subTitle"/>
+            <p:ph type="subTitle" idx="1"/>
           </p:nvPr>
         </p:nvSpPr>
         <p:spPr>
@@ -6534,12 +6708,12 @@
           </a:prstGeom>
         </p:spPr>
         <p:txBody>
-          <a:bodyPr anchorCtr="0" anchor="t" bIns="91425" lIns="91425" spcFirstLastPara="1" rIns="91425" wrap="square" tIns="91425">
+          <a:bodyPr spcFirstLastPara="1" wrap="square" lIns="91425" tIns="91425" rIns="91425" bIns="91425" anchor="t" anchorCtr="0">
             <a:normAutofit fontScale="92500"/>
           </a:bodyPr>
           <a:lstStyle/>
           <a:p>
-            <a:pPr indent="0" lvl="0" marL="0" rtl="0" algn="ctr">
+            <a:pPr marL="0" lvl="0" indent="0" algn="ctr" rtl="0">
               <a:spcBef>
                 <a:spcPts val="0"/>
               </a:spcBef>
@@ -6573,11 +6747,11 @@
 </file>
 
 <file path=ppt/slides/slide10.xml><?xml version="1.0" encoding="utf-8"?>
-<p:sld xmlns:a="http://schemas.openxmlformats.org/drawingml/2006/main" xmlns:r="http://schemas.openxmlformats.org/officeDocument/2006/relationships" xmlns:mc="http://schemas.openxmlformats.org/markup-compatibility/2006" xmlns:mv="urn:schemas-microsoft-com:mac:vml" xmlns:p="http://schemas.openxmlformats.org/presentationml/2006/main" xmlns:c="http://schemas.openxmlformats.org/drawingml/2006/chart" xmlns:dgm="http://schemas.openxmlformats.org/drawingml/2006/diagram" xmlns:o="urn:schemas-microsoft-com:office:office" xmlns:v="urn:schemas-microsoft-com:vml" xmlns:pvml="urn:schemas-microsoft-com:office:powerpoint" xmlns:com="http://schemas.openxmlformats.org/drawingml/2006/compatibility" xmlns:p14="http://schemas.microsoft.com/office/powerpoint/2010/main" xmlns:p15="http://schemas.microsoft.com/office/powerpoint/2012/main" xmlns:ahyp="http://schemas.microsoft.com/office/drawing/2018/hyperlinkcolor">
+<p:sld xmlns:a="http://schemas.openxmlformats.org/drawingml/2006/main" xmlns:r="http://schemas.openxmlformats.org/officeDocument/2006/relationships" xmlns:p="http://schemas.openxmlformats.org/presentationml/2006/main">
   <p:cSld>
     <p:spTree>
       <p:nvGrpSpPr>
-        <p:cNvPr id="112" name="Shape 112"/>
+        <p:cNvPr id="1" name="Shape 112"/>
         <p:cNvGrpSpPr/>
         <p:nvPr/>
       </p:nvGrpSpPr>
@@ -6592,7 +6766,9 @@
       <p:sp>
         <p:nvSpPr>
           <p:cNvPr id="113" name="Google Shape;113;p22"/>
-          <p:cNvSpPr txBox="1"/>
+          <p:cNvSpPr txBox="1">
+            <a:spLocks noGrp="1"/>
+          </p:cNvSpPr>
           <p:nvPr>
             <p:ph type="title"/>
           </p:nvPr>
@@ -6607,12 +6783,12 @@
           </a:prstGeom>
         </p:spPr>
         <p:txBody>
-          <a:bodyPr anchorCtr="0" anchor="t" bIns="91425" lIns="91425" spcFirstLastPara="1" rIns="91425" wrap="square" tIns="91425">
+          <a:bodyPr spcFirstLastPara="1" wrap="square" lIns="91425" tIns="91425" rIns="91425" bIns="91425" anchor="t" anchorCtr="0">
             <a:normAutofit fontScale="90000"/>
           </a:bodyPr>
           <a:lstStyle/>
           <a:p>
-            <a:pPr indent="0" lvl="0" marL="0" rtl="0" algn="l">
+            <a:pPr marL="0" lvl="0" indent="0" algn="l" rtl="0">
               <a:spcBef>
                 <a:spcPts val="0"/>
               </a:spcBef>
@@ -6632,9 +6808,11 @@
       <p:sp>
         <p:nvSpPr>
           <p:cNvPr id="114" name="Google Shape;114;p22"/>
-          <p:cNvSpPr txBox="1"/>
+          <p:cNvSpPr txBox="1">
+            <a:spLocks noGrp="1"/>
+          </p:cNvSpPr>
           <p:nvPr>
-            <p:ph idx="1" type="body"/>
+            <p:ph type="body" idx="1"/>
           </p:nvPr>
         </p:nvSpPr>
         <p:spPr>
@@ -6647,12 +6825,12 @@
           </a:prstGeom>
         </p:spPr>
         <p:txBody>
-          <a:bodyPr anchorCtr="0" anchor="t" bIns="91425" lIns="91425" spcFirstLastPara="1" rIns="91425" wrap="square" tIns="91425">
+          <a:bodyPr spcFirstLastPara="1" wrap="square" lIns="91425" tIns="91425" rIns="91425" bIns="91425" anchor="t" anchorCtr="0">
             <a:noAutofit/>
           </a:bodyPr>
           <a:lstStyle/>
           <a:p>
-            <a:pPr indent="0" lvl="0" marL="0" rtl="0" algn="l">
+            <a:pPr marL="0" lvl="0" indent="0" algn="l" rtl="0">
               <a:spcBef>
                 <a:spcPts val="0"/>
               </a:spcBef>
@@ -6667,21 +6845,21 @@
               <a:buNone/>
             </a:pPr>
             <a:r>
-              <a:rPr b="1" lang="en" sz="1400">
+              <a:rPr lang="en" sz="1400" b="1">
                 <a:solidFill>
                   <a:schemeClr val="dk1"/>
                 </a:solidFill>
               </a:rPr>
               <a:t>Challenge#1:</a:t>
             </a:r>
-            <a:endParaRPr b="1" sz="1400">
+            <a:endParaRPr sz="1400" b="1">
               <a:solidFill>
                 <a:schemeClr val="dk1"/>
               </a:solidFill>
             </a:endParaRPr>
           </a:p>
           <a:p>
-            <a:pPr indent="0" lvl="0" marL="0" rtl="0" algn="l">
+            <a:pPr marL="0" lvl="0" indent="0" algn="l" rtl="0">
               <a:spcBef>
                 <a:spcPts val="1200"/>
               </a:spcBef>
@@ -6705,7 +6883,7 @@
             </a:endParaRPr>
           </a:p>
           <a:p>
-            <a:pPr indent="0" lvl="0" marL="0" rtl="0" algn="l">
+            <a:pPr marL="0" lvl="0" indent="0" algn="l" rtl="0">
               <a:spcBef>
                 <a:spcPts val="1200"/>
               </a:spcBef>
@@ -6720,21 +6898,21 @@
               <a:buNone/>
             </a:pPr>
             <a:r>
-              <a:rPr b="1" lang="en" sz="1400">
+              <a:rPr lang="en" sz="1400" b="1">
                 <a:solidFill>
                   <a:schemeClr val="dk1"/>
                 </a:solidFill>
               </a:rPr>
               <a:t>Solution:</a:t>
             </a:r>
-            <a:endParaRPr b="1" sz="1400">
+            <a:endParaRPr sz="1400" b="1">
               <a:solidFill>
                 <a:schemeClr val="dk1"/>
               </a:solidFill>
             </a:endParaRPr>
           </a:p>
           <a:p>
-            <a:pPr indent="0" lvl="0" marL="0" rtl="0" algn="l">
+            <a:pPr marL="0" lvl="0" indent="0" algn="l" rtl="0">
               <a:spcBef>
                 <a:spcPts val="1200"/>
               </a:spcBef>
@@ -6751,7 +6929,7 @@
               </a:rPr>
               <a:t>Practiced basic MDX scripts to retrieve and validate cube data.</a:t>
             </a:r>
-            <a:endParaRPr b="1" sz="6000">
+            <a:endParaRPr sz="6000" b="1">
               <a:solidFill>
                 <a:schemeClr val="dk1"/>
               </a:solidFill>
@@ -6779,12 +6957,12 @@
           </a:ln>
         </p:spPr>
         <p:txBody>
-          <a:bodyPr anchorCtr="0" anchor="t" bIns="91425" lIns="91425" spcFirstLastPara="1" rIns="91425" wrap="square" tIns="91425">
+          <a:bodyPr spcFirstLastPara="1" wrap="square" lIns="91425" tIns="91425" rIns="91425" bIns="91425" anchor="t" anchorCtr="0">
             <a:noAutofit/>
           </a:bodyPr>
           <a:lstStyle/>
           <a:p>
-            <a:pPr indent="0" lvl="0" marL="0" rtl="0" algn="l">
+            <a:pPr marL="0" lvl="0" indent="0" algn="l" rtl="0">
               <a:lnSpc>
                 <a:spcPct val="115000"/>
               </a:lnSpc>
@@ -6797,7 +6975,7 @@
               <a:buNone/>
             </a:pPr>
             <a:r>
-              <a:rPr b="1" lang="en">
+              <a:rPr lang="en" b="1">
                 <a:solidFill>
                   <a:schemeClr val="dk1"/>
                 </a:solidFill>
@@ -6819,7 +6997,7 @@
             </a:endParaRPr>
           </a:p>
           <a:p>
-            <a:pPr indent="0" lvl="0" marL="0" rtl="0" algn="l">
+            <a:pPr marL="0" lvl="0" indent="0" algn="l" rtl="0">
               <a:lnSpc>
                 <a:spcPct val="115000"/>
               </a:lnSpc>
@@ -6846,7 +7024,7 @@
             </a:endParaRPr>
           </a:p>
           <a:p>
-            <a:pPr indent="0" lvl="0" marL="0" rtl="0" algn="l">
+            <a:pPr marL="0" lvl="0" indent="0" algn="l" rtl="0">
               <a:lnSpc>
                 <a:spcPct val="115000"/>
               </a:lnSpc>
@@ -6864,7 +7042,7 @@
               <a:buNone/>
             </a:pPr>
             <a:r>
-              <a:rPr b="1" lang="en">
+              <a:rPr lang="en" b="1">
                 <a:solidFill>
                   <a:schemeClr val="dk1"/>
                 </a:solidFill>
@@ -6886,7 +7064,7 @@
             </a:endParaRPr>
           </a:p>
           <a:p>
-            <a:pPr indent="-317500" lvl="0" marL="457200" rtl="0" algn="l">
+            <a:pPr marL="457200" lvl="0" indent="-317500" algn="l" rtl="0">
               <a:lnSpc>
                 <a:spcPct val="115000"/>
               </a:lnSpc>
@@ -6917,7 +7095,7 @@
             </a:endParaRPr>
           </a:p>
           <a:p>
-            <a:pPr indent="-317500" lvl="0" marL="457200" rtl="0" algn="l">
+            <a:pPr marL="457200" lvl="0" indent="-317500" algn="l" rtl="0">
               <a:lnSpc>
                 <a:spcPct val="115000"/>
               </a:lnSpc>
@@ -6952,9 +7130,11 @@
       <p:sp>
         <p:nvSpPr>
           <p:cNvPr id="116" name="Google Shape;116;p22"/>
-          <p:cNvSpPr txBox="1"/>
+          <p:cNvSpPr txBox="1">
+            <a:spLocks noGrp="1"/>
+          </p:cNvSpPr>
           <p:nvPr>
-            <p:ph idx="1" type="body"/>
+            <p:ph type="body" idx="1"/>
           </p:nvPr>
         </p:nvSpPr>
         <p:spPr>
@@ -6967,12 +7147,12 @@
           </a:prstGeom>
         </p:spPr>
         <p:txBody>
-          <a:bodyPr anchorCtr="0" anchor="t" bIns="91425" lIns="91425" spcFirstLastPara="1" rIns="91425" wrap="square" tIns="91425">
+          <a:bodyPr spcFirstLastPara="1" wrap="square" lIns="91425" tIns="91425" rIns="91425" bIns="91425" anchor="t" anchorCtr="0">
             <a:normAutofit fontScale="25000" lnSpcReduction="20000"/>
           </a:bodyPr>
           <a:lstStyle/>
           <a:p>
-            <a:pPr indent="0" lvl="0" marL="0" rtl="0" algn="l">
+            <a:pPr marL="0" lvl="0" indent="0" algn="l" rtl="0">
               <a:spcBef>
                 <a:spcPts val="0"/>
               </a:spcBef>
@@ -6982,7 +7162,7 @@
               <a:buNone/>
             </a:pPr>
             <a:r>
-              <a:rPr b="1" lang="en" sz="5600">
+              <a:rPr lang="en" sz="5600" b="1">
                 <a:solidFill>
                   <a:schemeClr val="dk1"/>
                 </a:solidFill>
@@ -7004,7 +7184,7 @@
             </a:endParaRPr>
           </a:p>
           <a:p>
-            <a:pPr indent="0" lvl="0" marL="0" rtl="0" algn="l">
+            <a:pPr marL="0" lvl="0" indent="0" algn="l" rtl="0">
               <a:spcBef>
                 <a:spcPts val="1200"/>
               </a:spcBef>
@@ -7021,14 +7201,14 @@
               </a:rPr>
               <a:t>ETL Process</a:t>
             </a:r>
-            <a:endParaRPr b="1" sz="5600">
+            <a:endParaRPr sz="5600" b="1">
               <a:solidFill>
                 <a:schemeClr val="dk1"/>
               </a:solidFill>
             </a:endParaRPr>
           </a:p>
           <a:p>
-            <a:pPr indent="0" lvl="0" marL="0" rtl="0" algn="l">
+            <a:pPr marL="0" lvl="0" indent="0" algn="l" rtl="0">
               <a:spcBef>
                 <a:spcPts val="1200"/>
               </a:spcBef>
@@ -7038,7 +7218,7 @@
               <a:buNone/>
             </a:pPr>
             <a:r>
-              <a:rPr b="1" lang="en" sz="5600">
+              <a:rPr lang="en" sz="5600" b="1">
                 <a:solidFill>
                   <a:schemeClr val="dk1"/>
                 </a:solidFill>
@@ -7060,7 +7240,7 @@
             </a:endParaRPr>
           </a:p>
           <a:p>
-            <a:pPr indent="0" lvl="0" marL="0" rtl="0" algn="l">
+            <a:pPr marL="0" lvl="0" indent="0" algn="l" rtl="0">
               <a:spcBef>
                 <a:spcPts val="1200"/>
               </a:spcBef>
@@ -7075,23 +7255,7 @@
                   <a:schemeClr val="dk1"/>
                 </a:solidFill>
               </a:rPr>
-              <a:t>Designed a powerful pipeline using SSIS </a:t>
-            </a:r>
-            <a:r>
-              <a:rPr lang="en" sz="5600">
-                <a:solidFill>
-                  <a:schemeClr val="dk1"/>
-                </a:solidFill>
-              </a:rPr>
-              <a:t>t</a:t>
-            </a:r>
-            <a:r>
-              <a:rPr lang="en" sz="5600">
-                <a:solidFill>
-                  <a:schemeClr val="dk1"/>
-                </a:solidFill>
-              </a:rPr>
-              <a:t>ools</a:t>
+              <a:t>Designed a powerful pipeline using SSIS tools</a:t>
             </a:r>
             <a:br>
               <a:rPr lang="en" sz="6400">
@@ -7107,7 +7271,7 @@
             </a:endParaRPr>
           </a:p>
           <a:p>
-            <a:pPr indent="0" lvl="0" marL="0" rtl="0" algn="l">
+            <a:pPr marL="0" lvl="0" indent="0" algn="l" rtl="0">
               <a:spcBef>
                 <a:spcPts val="1200"/>
               </a:spcBef>
@@ -7116,9 +7280,6 @@
               </a:spcAft>
               <a:buNone/>
             </a:pPr>
-            <a:r>
-              <a:t/>
-            </a:r>
             <a:endParaRPr sz="1100">
               <a:solidFill>
                 <a:schemeClr val="dk1"/>
@@ -7126,7 +7287,7 @@
             </a:endParaRPr>
           </a:p>
           <a:p>
-            <a:pPr indent="0" lvl="0" marL="0" rtl="0" algn="l">
+            <a:pPr marL="0" lvl="0" indent="0" algn="l" rtl="0">
               <a:spcBef>
                 <a:spcPts val="1200"/>
               </a:spcBef>
@@ -7135,10 +7296,7 @@
               </a:spcAft>
               <a:buNone/>
             </a:pPr>
-            <a:r>
-              <a:t/>
-            </a:r>
-            <a:endParaRPr b="1" sz="1100">
+            <a:endParaRPr sz="1100" b="1">
               <a:solidFill>
                 <a:schemeClr val="dk1"/>
               </a:solidFill>
@@ -7166,12 +7324,12 @@
           </a:ln>
         </p:spPr>
         <p:txBody>
-          <a:bodyPr anchorCtr="0" anchor="t" bIns="91425" lIns="91425" spcFirstLastPara="1" rIns="91425" wrap="square" tIns="91425">
+          <a:bodyPr spcFirstLastPara="1" wrap="square" lIns="91425" tIns="91425" rIns="91425" bIns="91425" anchor="t" anchorCtr="0">
             <a:noAutofit/>
           </a:bodyPr>
           <a:lstStyle/>
           <a:p>
-            <a:pPr indent="0" lvl="0" marL="0" rtl="0" algn="l">
+            <a:pPr marL="0" lvl="0" indent="0" algn="l" rtl="0">
               <a:lnSpc>
                 <a:spcPct val="115000"/>
               </a:lnSpc>
@@ -7184,7 +7342,7 @@
               <a:buNone/>
             </a:pPr>
             <a:r>
-              <a:rPr b="1" lang="en">
+              <a:rPr lang="en" b="1">
                 <a:solidFill>
                   <a:schemeClr val="dk1"/>
                 </a:solidFill>
@@ -7200,7 +7358,7 @@
               <a:t>: </a:t>
             </a:r>
             <a:r>
-              <a:rPr b="1" lang="en">
+              <a:rPr lang="en" b="1">
                 <a:solidFill>
                   <a:schemeClr val="dk1"/>
                 </a:solidFill>
@@ -7214,7 +7372,7 @@
             </a:endParaRPr>
           </a:p>
           <a:p>
-            <a:pPr indent="0" lvl="0" marL="0" rtl="0" algn="l">
+            <a:pPr marL="0" lvl="0" indent="0" algn="l" rtl="0">
               <a:lnSpc>
                 <a:spcPct val="115000"/>
               </a:lnSpc>
@@ -7246,7 +7404,7 @@
             </a:endParaRPr>
           </a:p>
           <a:p>
-            <a:pPr indent="0" lvl="0" marL="0" rtl="0" algn="l">
+            <a:pPr marL="0" lvl="0" indent="0" algn="l" rtl="0">
               <a:lnSpc>
                 <a:spcPct val="115000"/>
               </a:lnSpc>
@@ -7264,7 +7422,7 @@
               <a:buNone/>
             </a:pPr>
             <a:r>
-              <a:rPr b="1" lang="en">
+              <a:rPr lang="en" b="1">
                 <a:solidFill>
                   <a:schemeClr val="dk1"/>
                 </a:solidFill>
@@ -7278,7 +7436,7 @@
             </a:endParaRPr>
           </a:p>
           <a:p>
-            <a:pPr indent="0" lvl="0" marL="0" rtl="0" algn="l">
+            <a:pPr marL="0" lvl="0" indent="0" algn="l" rtl="0">
               <a:lnSpc>
                 <a:spcPct val="115000"/>
               </a:lnSpc>
@@ -7315,11 +7473,11 @@
 </file>
 
 <file path=ppt/slides/slide11.xml><?xml version="1.0" encoding="utf-8"?>
-<p:sld xmlns:a="http://schemas.openxmlformats.org/drawingml/2006/main" xmlns:r="http://schemas.openxmlformats.org/officeDocument/2006/relationships" xmlns:mc="http://schemas.openxmlformats.org/markup-compatibility/2006" xmlns:mv="urn:schemas-microsoft-com:mac:vml" xmlns:p="http://schemas.openxmlformats.org/presentationml/2006/main" xmlns:c="http://schemas.openxmlformats.org/drawingml/2006/chart" xmlns:dgm="http://schemas.openxmlformats.org/drawingml/2006/diagram" xmlns:o="urn:schemas-microsoft-com:office:office" xmlns:v="urn:schemas-microsoft-com:vml" xmlns:pvml="urn:schemas-microsoft-com:office:powerpoint" xmlns:com="http://schemas.openxmlformats.org/drawingml/2006/compatibility" xmlns:p14="http://schemas.microsoft.com/office/powerpoint/2010/main" xmlns:p15="http://schemas.microsoft.com/office/powerpoint/2012/main" xmlns:ahyp="http://schemas.microsoft.com/office/drawing/2018/hyperlinkcolor">
+<p:sld xmlns:a="http://schemas.openxmlformats.org/drawingml/2006/main" xmlns:r="http://schemas.openxmlformats.org/officeDocument/2006/relationships" xmlns:p="http://schemas.openxmlformats.org/presentationml/2006/main">
   <p:cSld>
     <p:spTree>
       <p:nvGrpSpPr>
-        <p:cNvPr id="121" name="Shape 121"/>
+        <p:cNvPr id="1" name="Shape 121"/>
         <p:cNvGrpSpPr/>
         <p:nvPr/>
       </p:nvGrpSpPr>
@@ -7334,7 +7492,9 @@
       <p:sp>
         <p:nvSpPr>
           <p:cNvPr id="122" name="Google Shape;122;p23"/>
-          <p:cNvSpPr txBox="1"/>
+          <p:cNvSpPr txBox="1">
+            <a:spLocks noGrp="1"/>
+          </p:cNvSpPr>
           <p:nvPr>
             <p:ph type="title"/>
           </p:nvPr>
@@ -7349,12 +7509,12 @@
           </a:prstGeom>
         </p:spPr>
         <p:txBody>
-          <a:bodyPr anchorCtr="0" anchor="t" bIns="91425" lIns="91425" spcFirstLastPara="1" rIns="91425" wrap="square" tIns="91425">
+          <a:bodyPr spcFirstLastPara="1" wrap="square" lIns="91425" tIns="91425" rIns="91425" bIns="91425" anchor="t" anchorCtr="0">
             <a:noAutofit/>
           </a:bodyPr>
           <a:lstStyle/>
           <a:p>
-            <a:pPr indent="0" lvl="0" marL="0" rtl="0" algn="ctr">
+            <a:pPr marL="0" lvl="0" indent="0" algn="ctr" rtl="0">
               <a:spcBef>
                 <a:spcPts val="0"/>
               </a:spcBef>
@@ -7379,9 +7539,11 @@
       <p:sp>
         <p:nvSpPr>
           <p:cNvPr id="123" name="Google Shape;123;p23"/>
-          <p:cNvSpPr txBox="1"/>
+          <p:cNvSpPr txBox="1">
+            <a:spLocks noGrp="1"/>
+          </p:cNvSpPr>
           <p:nvPr>
-            <p:ph idx="1" type="body"/>
+            <p:ph type="body" idx="1"/>
           </p:nvPr>
         </p:nvSpPr>
         <p:spPr>
@@ -7394,12 +7556,12 @@
           </a:prstGeom>
         </p:spPr>
         <p:txBody>
-          <a:bodyPr anchorCtr="0" anchor="t" bIns="91425" lIns="91425" spcFirstLastPara="1" rIns="91425" wrap="square" tIns="91425">
+          <a:bodyPr spcFirstLastPara="1" wrap="square" lIns="91425" tIns="91425" rIns="91425" bIns="91425" anchor="t" anchorCtr="0">
             <a:normAutofit/>
           </a:bodyPr>
           <a:lstStyle/>
           <a:p>
-            <a:pPr indent="0" lvl="0" marL="0" rtl="0" algn="ctr">
+            <a:pPr marL="0" lvl="0" indent="0" algn="ctr" rtl="0">
               <a:spcBef>
                 <a:spcPts val="0"/>
               </a:spcBef>
@@ -7428,7 +7590,7 @@
             </a:endParaRPr>
           </a:p>
           <a:p>
-            <a:pPr indent="0" lvl="0" marL="0" rtl="0" algn="l">
+            <a:pPr marL="0" lvl="0" indent="0" algn="l" rtl="0">
               <a:spcBef>
                 <a:spcPts val="1200"/>
               </a:spcBef>
@@ -7437,9 +7599,6 @@
               </a:spcAft>
               <a:buNone/>
             </a:pPr>
-            <a:r>
-              <a:t/>
-            </a:r>
             <a:endParaRPr/>
           </a:p>
         </p:txBody>
@@ -7453,11 +7612,11 @@
 </file>
 
 <file path=ppt/slides/slide2.xml><?xml version="1.0" encoding="utf-8"?>
-<p:sld xmlns:a="http://schemas.openxmlformats.org/drawingml/2006/main" xmlns:r="http://schemas.openxmlformats.org/officeDocument/2006/relationships" xmlns:mc="http://schemas.openxmlformats.org/markup-compatibility/2006" xmlns:mv="urn:schemas-microsoft-com:mac:vml" xmlns:p="http://schemas.openxmlformats.org/presentationml/2006/main" xmlns:c="http://schemas.openxmlformats.org/drawingml/2006/chart" xmlns:dgm="http://schemas.openxmlformats.org/drawingml/2006/diagram" xmlns:o="urn:schemas-microsoft-com:office:office" xmlns:v="urn:schemas-microsoft-com:vml" xmlns:pvml="urn:schemas-microsoft-com:office:powerpoint" xmlns:com="http://schemas.openxmlformats.org/drawingml/2006/compatibility" xmlns:p14="http://schemas.microsoft.com/office/powerpoint/2010/main" xmlns:p15="http://schemas.microsoft.com/office/powerpoint/2012/main" xmlns:ahyp="http://schemas.microsoft.com/office/drawing/2018/hyperlinkcolor">
+<p:sld xmlns:a="http://schemas.openxmlformats.org/drawingml/2006/main" xmlns:r="http://schemas.openxmlformats.org/officeDocument/2006/relationships" xmlns:p="http://schemas.openxmlformats.org/presentationml/2006/main">
   <p:cSld>
     <p:spTree>
       <p:nvGrpSpPr>
-        <p:cNvPr id="59" name="Shape 59"/>
+        <p:cNvPr id="1" name="Shape 59"/>
         <p:cNvGrpSpPr/>
         <p:nvPr/>
       </p:nvGrpSpPr>
@@ -7472,9 +7631,11 @@
       <p:sp>
         <p:nvSpPr>
           <p:cNvPr id="60" name="Google Shape;60;p14"/>
-          <p:cNvSpPr txBox="1"/>
+          <p:cNvSpPr txBox="1">
+            <a:spLocks noGrp="1"/>
+          </p:cNvSpPr>
           <p:nvPr>
-            <p:ph idx="1" type="body"/>
+            <p:ph type="body" idx="1"/>
           </p:nvPr>
         </p:nvSpPr>
         <p:spPr>
@@ -7487,12 +7648,12 @@
           </a:prstGeom>
         </p:spPr>
         <p:txBody>
-          <a:bodyPr anchorCtr="0" anchor="t" bIns="91425" lIns="91425" spcFirstLastPara="1" rIns="91425" wrap="square" tIns="91425">
+          <a:bodyPr spcFirstLastPara="1" wrap="square" lIns="91425" tIns="91425" rIns="91425" bIns="91425" anchor="t" anchorCtr="0">
             <a:normAutofit/>
           </a:bodyPr>
           <a:lstStyle/>
           <a:p>
-            <a:pPr indent="0" lvl="0" marL="0" rtl="0" algn="l">
+            <a:pPr marL="0" lvl="0" indent="0" algn="l" rtl="0">
               <a:spcBef>
                 <a:spcPts val="0"/>
               </a:spcBef>
@@ -7507,21 +7668,21 @@
               <a:buNone/>
             </a:pPr>
             <a:r>
-              <a:rPr b="1" lang="en" sz="2150">
+              <a:rPr lang="en" sz="2150" b="1">
                 <a:solidFill>
                   <a:schemeClr val="dk1"/>
                 </a:solidFill>
               </a:rPr>
               <a:t>Data Warehouse for DVD Rental Business</a:t>
             </a:r>
-            <a:endParaRPr b="1" sz="2150">
+            <a:endParaRPr sz="2150" b="1">
               <a:solidFill>
                 <a:schemeClr val="dk1"/>
               </a:solidFill>
             </a:endParaRPr>
           </a:p>
           <a:p>
-            <a:pPr indent="0" lvl="0" marL="0" rtl="0" algn="l">
+            <a:pPr marL="0" lvl="0" indent="0" algn="l" rtl="0">
               <a:spcBef>
                 <a:spcPts val="1200"/>
               </a:spcBef>
@@ -7550,7 +7711,7 @@
             </a:endParaRPr>
           </a:p>
           <a:p>
-            <a:pPr indent="0" lvl="0" marL="0" rtl="0" algn="l">
+            <a:pPr marL="0" lvl="0" indent="0" algn="l" rtl="0">
               <a:spcBef>
                 <a:spcPts val="1200"/>
               </a:spcBef>
@@ -7579,7 +7740,7 @@
             </a:endParaRPr>
           </a:p>
           <a:p>
-            <a:pPr indent="-317500" lvl="0" marL="457200" rtl="0" algn="l">
+            <a:pPr marL="457200" lvl="0" indent="-317500" algn="l" rtl="0">
               <a:spcBef>
                 <a:spcPts val="1200"/>
               </a:spcBef>
@@ -7607,7 +7768,7 @@
             </a:endParaRPr>
           </a:p>
           <a:p>
-            <a:pPr indent="-317500" lvl="0" marL="457200" rtl="0" algn="l">
+            <a:pPr marL="457200" lvl="0" indent="-317500" algn="l" rtl="0">
               <a:spcBef>
                 <a:spcPts val="0"/>
               </a:spcBef>
@@ -7635,7 +7796,7 @@
             </a:endParaRPr>
           </a:p>
           <a:p>
-            <a:pPr indent="-317500" lvl="0" marL="457200" rtl="0" algn="l">
+            <a:pPr marL="457200" lvl="0" indent="-317500" algn="l" rtl="0">
               <a:spcBef>
                 <a:spcPts val="0"/>
               </a:spcBef>
@@ -7663,7 +7824,7 @@
             </a:endParaRPr>
           </a:p>
           <a:p>
-            <a:pPr indent="-317500" lvl="0" marL="457200" rtl="0" algn="l">
+            <a:pPr marL="457200" lvl="0" indent="-317500" algn="l" rtl="0">
               <a:spcBef>
                 <a:spcPts val="0"/>
               </a:spcBef>
@@ -7691,7 +7852,7 @@
             </a:endParaRPr>
           </a:p>
           <a:p>
-            <a:pPr indent="0" lvl="0" marL="0" rtl="0" algn="l">
+            <a:pPr marL="0" lvl="0" indent="0" algn="l" rtl="0">
               <a:spcBef>
                 <a:spcPts val="1200"/>
               </a:spcBef>
@@ -7701,7 +7862,7 @@
               <a:buNone/>
             </a:pPr>
             <a:r>
-              <a:rPr i="1" lang="en" sz="1400">
+              <a:rPr lang="en" sz="1400" i="1">
                 <a:solidFill>
                   <a:schemeClr val="dk1"/>
                 </a:solidFill>
@@ -7723,7 +7884,7 @@
             </a:endParaRPr>
           </a:p>
           <a:p>
-            <a:pPr indent="0" lvl="0" marL="0" rtl="0" algn="l">
+            <a:pPr marL="0" lvl="0" indent="0" algn="l" rtl="0">
               <a:spcBef>
                 <a:spcPts val="1200"/>
               </a:spcBef>
@@ -7738,7 +7899,7 @@
               <a:buNone/>
             </a:pPr>
             <a:r>
-              <a:rPr i="1" lang="en" sz="1400">
+              <a:rPr lang="en" sz="1400" i="1">
                 <a:solidFill>
                   <a:schemeClr val="dk1"/>
                 </a:solidFill>
@@ -7760,7 +7921,7 @@
             </a:endParaRPr>
           </a:p>
           <a:p>
-            <a:pPr indent="0" lvl="0" marL="0" rtl="0" algn="l">
+            <a:pPr marL="0" lvl="0" indent="0" algn="l" rtl="0">
               <a:spcBef>
                 <a:spcPts val="1200"/>
               </a:spcBef>
@@ -7769,9 +7930,6 @@
               </a:spcAft>
               <a:buNone/>
             </a:pPr>
-            <a:r>
-              <a:t/>
-            </a:r>
             <a:endParaRPr/>
           </a:p>
         </p:txBody>
@@ -7786,7 +7944,7 @@
           <a:blip r:embed="rId3">
             <a:alphaModFix/>
           </a:blip>
-          <a:srcRect b="0" l="3623" r="0" t="3846"/>
+          <a:srcRect l="3623" t="3846"/>
           <a:stretch/>
         </p:blipFill>
         <p:spPr>
@@ -7812,11 +7970,11 @@
 </file>
 
 <file path=ppt/slides/slide3.xml><?xml version="1.0" encoding="utf-8"?>
-<p:sld xmlns:a="http://schemas.openxmlformats.org/drawingml/2006/main" xmlns:r="http://schemas.openxmlformats.org/officeDocument/2006/relationships" xmlns:mc="http://schemas.openxmlformats.org/markup-compatibility/2006" xmlns:mv="urn:schemas-microsoft-com:mac:vml" xmlns:p="http://schemas.openxmlformats.org/presentationml/2006/main" xmlns:c="http://schemas.openxmlformats.org/drawingml/2006/chart" xmlns:dgm="http://schemas.openxmlformats.org/drawingml/2006/diagram" xmlns:o="urn:schemas-microsoft-com:office:office" xmlns:v="urn:schemas-microsoft-com:vml" xmlns:pvml="urn:schemas-microsoft-com:office:powerpoint" xmlns:com="http://schemas.openxmlformats.org/drawingml/2006/compatibility" xmlns:p14="http://schemas.microsoft.com/office/powerpoint/2010/main" xmlns:p15="http://schemas.microsoft.com/office/powerpoint/2012/main" xmlns:ahyp="http://schemas.microsoft.com/office/drawing/2018/hyperlinkcolor">
+<p:sld xmlns:a="http://schemas.openxmlformats.org/drawingml/2006/main" xmlns:r="http://schemas.openxmlformats.org/officeDocument/2006/relationships" xmlns:p="http://schemas.openxmlformats.org/presentationml/2006/main">
   <p:cSld>
     <p:spTree>
       <p:nvGrpSpPr>
-        <p:cNvPr id="65" name="Shape 65"/>
+        <p:cNvPr id="1" name="Shape 65"/>
         <p:cNvGrpSpPr/>
         <p:nvPr/>
       </p:nvGrpSpPr>
@@ -7831,7 +7989,9 @@
       <p:sp>
         <p:nvSpPr>
           <p:cNvPr id="66" name="Google Shape;66;p15"/>
-          <p:cNvSpPr txBox="1"/>
+          <p:cNvSpPr txBox="1">
+            <a:spLocks noGrp="1"/>
+          </p:cNvSpPr>
           <p:nvPr>
             <p:ph type="title"/>
           </p:nvPr>
@@ -7846,12 +8006,12 @@
           </a:prstGeom>
         </p:spPr>
         <p:txBody>
-          <a:bodyPr anchorCtr="0" anchor="t" bIns="91425" lIns="91425" spcFirstLastPara="1" rIns="91425" wrap="square" tIns="91425">
+          <a:bodyPr spcFirstLastPara="1" wrap="square" lIns="91425" tIns="91425" rIns="91425" bIns="91425" anchor="t" anchorCtr="0">
             <a:normAutofit fontScale="90000"/>
           </a:bodyPr>
           <a:lstStyle/>
           <a:p>
-            <a:pPr indent="0" lvl="0" marL="0" rtl="0" algn="ctr">
+            <a:pPr marL="0" lvl="0" indent="0" algn="ctr" rtl="0">
               <a:spcBef>
                 <a:spcPts val="0"/>
               </a:spcBef>
@@ -7871,9 +8031,11 @@
       <p:sp>
         <p:nvSpPr>
           <p:cNvPr id="67" name="Google Shape;67;p15"/>
-          <p:cNvSpPr txBox="1"/>
+          <p:cNvSpPr txBox="1">
+            <a:spLocks noGrp="1"/>
+          </p:cNvSpPr>
           <p:nvPr>
-            <p:ph idx="1" type="body"/>
+            <p:ph type="body" idx="1"/>
           </p:nvPr>
         </p:nvSpPr>
         <p:spPr>
@@ -7886,12 +8048,12 @@
           </a:prstGeom>
         </p:spPr>
         <p:txBody>
-          <a:bodyPr anchorCtr="0" anchor="t" bIns="91425" lIns="91425" spcFirstLastPara="1" rIns="91425" wrap="square" tIns="91425">
-            <a:normAutofit lnSpcReduction="10000"/>
+          <a:bodyPr spcFirstLastPara="1" wrap="square" lIns="91425" tIns="91425" rIns="91425" bIns="91425" anchor="t" anchorCtr="0">
+            <a:normAutofit/>
           </a:bodyPr>
           <a:lstStyle/>
           <a:p>
-            <a:pPr indent="0" lvl="0" marL="0" rtl="0" algn="l">
+            <a:pPr marL="0" lvl="0" indent="0" algn="l" rtl="0">
               <a:spcBef>
                 <a:spcPts val="0"/>
               </a:spcBef>
@@ -7927,7 +8089,7 @@
             </a:endParaRPr>
           </a:p>
           <a:p>
-            <a:pPr indent="0" lvl="0" marL="0" rtl="0" algn="l">
+            <a:pPr marL="0" lvl="0" indent="0" algn="l" rtl="0">
               <a:spcBef>
                 <a:spcPts val="1200"/>
               </a:spcBef>
@@ -7963,7 +8125,7 @@
             </a:endParaRPr>
           </a:p>
           <a:p>
-            <a:pPr indent="0" lvl="0" marL="0" rtl="0" algn="l">
+            <a:pPr marL="0" lvl="0" indent="0" algn="l" rtl="0">
               <a:spcBef>
                 <a:spcPts val="1200"/>
               </a:spcBef>
@@ -7992,7 +8154,7 @@
             </a:endParaRPr>
           </a:p>
           <a:p>
-            <a:pPr indent="0" lvl="0" marL="0" rtl="0" algn="l">
+            <a:pPr marL="0" lvl="0" indent="0" algn="l" rtl="0">
               <a:spcBef>
                 <a:spcPts val="1200"/>
               </a:spcBef>
@@ -8001,9 +8163,6 @@
               </a:spcAft>
               <a:buNone/>
             </a:pPr>
-            <a:r>
-              <a:t/>
-            </a:r>
             <a:endParaRPr/>
           </a:p>
         </p:txBody>
@@ -8045,11 +8204,11 @@
 </file>
 
 <file path=ppt/slides/slide4.xml><?xml version="1.0" encoding="utf-8"?>
-<p:sld xmlns:a="http://schemas.openxmlformats.org/drawingml/2006/main" xmlns:r="http://schemas.openxmlformats.org/officeDocument/2006/relationships" xmlns:mc="http://schemas.openxmlformats.org/markup-compatibility/2006" xmlns:mv="urn:schemas-microsoft-com:mac:vml" xmlns:p="http://schemas.openxmlformats.org/presentationml/2006/main" xmlns:c="http://schemas.openxmlformats.org/drawingml/2006/chart" xmlns:dgm="http://schemas.openxmlformats.org/drawingml/2006/diagram" xmlns:o="urn:schemas-microsoft-com:office:office" xmlns:v="urn:schemas-microsoft-com:vml" xmlns:pvml="urn:schemas-microsoft-com:office:powerpoint" xmlns:com="http://schemas.openxmlformats.org/drawingml/2006/compatibility" xmlns:p14="http://schemas.microsoft.com/office/powerpoint/2010/main" xmlns:p15="http://schemas.microsoft.com/office/powerpoint/2012/main" xmlns:ahyp="http://schemas.microsoft.com/office/drawing/2018/hyperlinkcolor">
+<p:sld xmlns:a="http://schemas.openxmlformats.org/drawingml/2006/main" xmlns:r="http://schemas.openxmlformats.org/officeDocument/2006/relationships" xmlns:p="http://schemas.openxmlformats.org/presentationml/2006/main">
   <p:cSld>
     <p:spTree>
       <p:nvGrpSpPr>
-        <p:cNvPr id="72" name="Shape 72"/>
+        <p:cNvPr id="1" name="Shape 72"/>
         <p:cNvGrpSpPr/>
         <p:nvPr/>
       </p:nvGrpSpPr>
@@ -8064,7 +8223,9 @@
       <p:sp>
         <p:nvSpPr>
           <p:cNvPr id="73" name="Google Shape;73;p16"/>
-          <p:cNvSpPr txBox="1"/>
+          <p:cNvSpPr txBox="1">
+            <a:spLocks noGrp="1"/>
+          </p:cNvSpPr>
           <p:nvPr>
             <p:ph type="title"/>
           </p:nvPr>
@@ -8079,12 +8240,12 @@
           </a:prstGeom>
         </p:spPr>
         <p:txBody>
-          <a:bodyPr anchorCtr="0" anchor="t" bIns="91425" lIns="91425" spcFirstLastPara="1" rIns="91425" wrap="square" tIns="91425">
+          <a:bodyPr spcFirstLastPara="1" wrap="square" lIns="91425" tIns="91425" rIns="91425" bIns="91425" anchor="t" anchorCtr="0">
             <a:noAutofit/>
           </a:bodyPr>
           <a:lstStyle/>
           <a:p>
-            <a:pPr indent="0" lvl="0" marL="0" rtl="0" algn="l">
+            <a:pPr marL="0" lvl="0" indent="0" algn="l" rtl="0">
               <a:lnSpc>
                 <a:spcPct val="115000"/>
               </a:lnSpc>
@@ -8112,9 +8273,11 @@
       <p:sp>
         <p:nvSpPr>
           <p:cNvPr id="74" name="Google Shape;74;p16"/>
-          <p:cNvSpPr txBox="1"/>
+          <p:cNvSpPr txBox="1">
+            <a:spLocks noGrp="1"/>
+          </p:cNvSpPr>
           <p:nvPr>
-            <p:ph idx="1" type="body"/>
+            <p:ph type="body" idx="1"/>
           </p:nvPr>
         </p:nvSpPr>
         <p:spPr>
@@ -8127,12 +8290,12 @@
           </a:prstGeom>
         </p:spPr>
         <p:txBody>
-          <a:bodyPr anchorCtr="0" anchor="t" bIns="91425" lIns="91425" spcFirstLastPara="1" rIns="91425" wrap="square" tIns="91425">
+          <a:bodyPr spcFirstLastPara="1" wrap="square" lIns="91425" tIns="91425" rIns="91425" bIns="91425" anchor="t" anchorCtr="0">
             <a:noAutofit/>
           </a:bodyPr>
           <a:lstStyle/>
           <a:p>
-            <a:pPr indent="0" lvl="0" marL="0" rtl="0" algn="l">
+            <a:pPr marL="0" lvl="0" indent="0" algn="l" rtl="0">
               <a:lnSpc>
                 <a:spcPct val="95000"/>
               </a:lnSpc>
@@ -8164,7 +8327,7 @@
             </a:endParaRPr>
           </a:p>
           <a:p>
-            <a:pPr indent="0" lvl="0" marL="0" rtl="0" algn="l">
+            <a:pPr marL="0" lvl="0" indent="0" algn="l" rtl="0">
               <a:lnSpc>
                 <a:spcPct val="95000"/>
               </a:lnSpc>
@@ -8196,7 +8359,7 @@
             </a:endParaRPr>
           </a:p>
           <a:p>
-            <a:pPr indent="0" lvl="0" marL="0" rtl="0" algn="l">
+            <a:pPr marL="0" lvl="0" indent="0" algn="l" rtl="0">
               <a:lnSpc>
                 <a:spcPct val="95000"/>
               </a:lnSpc>
@@ -8228,7 +8391,7 @@
             </a:endParaRPr>
           </a:p>
           <a:p>
-            <a:pPr indent="0" lvl="0" marL="0" rtl="0" algn="l">
+            <a:pPr marL="0" lvl="0" indent="0" algn="l" rtl="0">
               <a:lnSpc>
                 <a:spcPct val="95000"/>
               </a:lnSpc>
@@ -8260,7 +8423,7 @@
             </a:endParaRPr>
           </a:p>
           <a:p>
-            <a:pPr indent="0" lvl="0" marL="0" rtl="0" algn="l">
+            <a:pPr marL="0" lvl="0" indent="0" algn="l" rtl="0">
               <a:lnSpc>
                 <a:spcPct val="95000"/>
               </a:lnSpc>
@@ -8273,9 +8436,6 @@
               <a:buSzPts val="440"/>
               <a:buNone/>
             </a:pPr>
-            <a:r>
-              <a:t/>
-            </a:r>
             <a:endParaRPr sz="1920"/>
           </a:p>
         </p:txBody>
@@ -8289,11 +8449,11 @@
 </file>
 
 <file path=ppt/slides/slide5.xml><?xml version="1.0" encoding="utf-8"?>
-<p:sld xmlns:a="http://schemas.openxmlformats.org/drawingml/2006/main" xmlns:r="http://schemas.openxmlformats.org/officeDocument/2006/relationships" xmlns:mc="http://schemas.openxmlformats.org/markup-compatibility/2006" xmlns:mv="urn:schemas-microsoft-com:mac:vml" xmlns:p="http://schemas.openxmlformats.org/presentationml/2006/main" xmlns:c="http://schemas.openxmlformats.org/drawingml/2006/chart" xmlns:dgm="http://schemas.openxmlformats.org/drawingml/2006/diagram" xmlns:o="urn:schemas-microsoft-com:office:office" xmlns:v="urn:schemas-microsoft-com:vml" xmlns:pvml="urn:schemas-microsoft-com:office:powerpoint" xmlns:com="http://schemas.openxmlformats.org/drawingml/2006/compatibility" xmlns:p14="http://schemas.microsoft.com/office/powerpoint/2010/main" xmlns:p15="http://schemas.microsoft.com/office/powerpoint/2012/main" xmlns:ahyp="http://schemas.microsoft.com/office/drawing/2018/hyperlinkcolor">
+<p:sld xmlns:a="http://schemas.openxmlformats.org/drawingml/2006/main" xmlns:r="http://schemas.openxmlformats.org/officeDocument/2006/relationships" xmlns:p="http://schemas.openxmlformats.org/presentationml/2006/main">
   <p:cSld>
     <p:spTree>
       <p:nvGrpSpPr>
-        <p:cNvPr id="78" name="Shape 78"/>
+        <p:cNvPr id="1" name="Shape 78"/>
         <p:cNvGrpSpPr/>
         <p:nvPr/>
       </p:nvGrpSpPr>
@@ -8308,7 +8468,9 @@
       <p:sp>
         <p:nvSpPr>
           <p:cNvPr id="79" name="Google Shape;79;p17"/>
-          <p:cNvSpPr txBox="1"/>
+          <p:cNvSpPr txBox="1">
+            <a:spLocks noGrp="1"/>
+          </p:cNvSpPr>
           <p:nvPr>
             <p:ph type="title"/>
           </p:nvPr>
@@ -8323,12 +8485,12 @@
           </a:prstGeom>
         </p:spPr>
         <p:txBody>
-          <a:bodyPr anchorCtr="0" anchor="t" bIns="91425" lIns="91425" spcFirstLastPara="1" rIns="91425" wrap="square" tIns="91425">
+          <a:bodyPr spcFirstLastPara="1" wrap="square" lIns="91425" tIns="91425" rIns="91425" bIns="91425" anchor="t" anchorCtr="0">
             <a:normAutofit fontScale="90000"/>
           </a:bodyPr>
           <a:lstStyle/>
           <a:p>
-            <a:pPr indent="0" lvl="0" marL="0" rtl="0" algn="l">
+            <a:pPr marL="0" lvl="0" indent="0" algn="l" rtl="0">
               <a:spcBef>
                 <a:spcPts val="0"/>
               </a:spcBef>
@@ -8348,9 +8510,11 @@
       <p:sp>
         <p:nvSpPr>
           <p:cNvPr id="80" name="Google Shape;80;p17"/>
-          <p:cNvSpPr txBox="1"/>
+          <p:cNvSpPr txBox="1">
+            <a:spLocks noGrp="1"/>
+          </p:cNvSpPr>
           <p:nvPr>
-            <p:ph idx="1" type="body"/>
+            <p:ph type="body" idx="1"/>
           </p:nvPr>
         </p:nvSpPr>
         <p:spPr>
@@ -8363,12 +8527,12 @@
           </a:prstGeom>
         </p:spPr>
         <p:txBody>
-          <a:bodyPr anchorCtr="0" anchor="t" bIns="91425" lIns="91425" spcFirstLastPara="1" rIns="91425" wrap="square" tIns="91425">
-            <a:normAutofit lnSpcReduction="20000"/>
+          <a:bodyPr spcFirstLastPara="1" wrap="square" lIns="91425" tIns="91425" rIns="91425" bIns="91425" anchor="t" anchorCtr="0">
+            <a:normAutofit lnSpcReduction="10000"/>
           </a:bodyPr>
           <a:lstStyle/>
           <a:p>
-            <a:pPr indent="-342900" lvl="0" marL="457200" rtl="0" algn="l">
+            <a:pPr marL="457200" lvl="0" indent="-342900" algn="l" rtl="0">
               <a:spcBef>
                 <a:spcPts val="1200"/>
               </a:spcBef>
@@ -8403,7 +8567,7 @@
             </a:endParaRPr>
           </a:p>
           <a:p>
-            <a:pPr indent="-342900" lvl="0" marL="457200" rtl="0" algn="l">
+            <a:pPr marL="457200" lvl="0" indent="-342900" algn="l" rtl="0">
               <a:spcBef>
                 <a:spcPts val="0"/>
               </a:spcBef>
@@ -8438,7 +8602,7 @@
             </a:endParaRPr>
           </a:p>
           <a:p>
-            <a:pPr indent="-342900" lvl="0" marL="457200" rtl="0" algn="l">
+            <a:pPr marL="457200" lvl="0" indent="-342900" algn="l" rtl="0">
               <a:spcBef>
                 <a:spcPts val="0"/>
               </a:spcBef>
@@ -8473,7 +8637,7 @@
             </a:endParaRPr>
           </a:p>
           <a:p>
-            <a:pPr indent="-342900" lvl="0" marL="457200" rtl="0" algn="l">
+            <a:pPr marL="457200" lvl="0" indent="-342900" algn="l" rtl="0">
               <a:spcBef>
                 <a:spcPts val="0"/>
               </a:spcBef>
@@ -8508,7 +8672,7 @@
             </a:endParaRPr>
           </a:p>
           <a:p>
-            <a:pPr indent="-342900" lvl="0" marL="457200" rtl="0" algn="l">
+            <a:pPr marL="457200" lvl="0" indent="-342900" algn="l" rtl="0">
               <a:spcBef>
                 <a:spcPts val="0"/>
               </a:spcBef>
@@ -8532,7 +8696,7 @@
             <a:endParaRPr/>
           </a:p>
           <a:p>
-            <a:pPr indent="0" lvl="0" marL="0" rtl="0" algn="l">
+            <a:pPr marL="0" lvl="0" indent="0" algn="l" rtl="0">
               <a:spcBef>
                 <a:spcPts val="1200"/>
               </a:spcBef>
@@ -8541,9 +8705,6 @@
               </a:spcAft>
               <a:buNone/>
             </a:pPr>
-            <a:r>
-              <a:t/>
-            </a:r>
             <a:endParaRPr/>
           </a:p>
         </p:txBody>
@@ -8585,11 +8746,11 @@
 </file>
 
 <file path=ppt/slides/slide6.xml><?xml version="1.0" encoding="utf-8"?>
-<p:sld xmlns:a="http://schemas.openxmlformats.org/drawingml/2006/main" xmlns:r="http://schemas.openxmlformats.org/officeDocument/2006/relationships" xmlns:mc="http://schemas.openxmlformats.org/markup-compatibility/2006" xmlns:mv="urn:schemas-microsoft-com:mac:vml" xmlns:p="http://schemas.openxmlformats.org/presentationml/2006/main" xmlns:c="http://schemas.openxmlformats.org/drawingml/2006/chart" xmlns:dgm="http://schemas.openxmlformats.org/drawingml/2006/diagram" xmlns:o="urn:schemas-microsoft-com:office:office" xmlns:v="urn:schemas-microsoft-com:vml" xmlns:pvml="urn:schemas-microsoft-com:office:powerpoint" xmlns:com="http://schemas.openxmlformats.org/drawingml/2006/compatibility" xmlns:p14="http://schemas.microsoft.com/office/powerpoint/2010/main" xmlns:p15="http://schemas.microsoft.com/office/powerpoint/2012/main" xmlns:ahyp="http://schemas.microsoft.com/office/drawing/2018/hyperlinkcolor">
+<p:sld xmlns:a="http://schemas.openxmlformats.org/drawingml/2006/main" xmlns:r="http://schemas.openxmlformats.org/officeDocument/2006/relationships" xmlns:p="http://schemas.openxmlformats.org/presentationml/2006/main">
   <p:cSld>
     <p:spTree>
       <p:nvGrpSpPr>
-        <p:cNvPr id="85" name="Shape 85"/>
+        <p:cNvPr id="1" name="Shape 85"/>
         <p:cNvGrpSpPr/>
         <p:nvPr/>
       </p:nvGrpSpPr>
@@ -8604,7 +8765,9 @@
       <p:sp>
         <p:nvSpPr>
           <p:cNvPr id="86" name="Google Shape;86;p18"/>
-          <p:cNvSpPr txBox="1"/>
+          <p:cNvSpPr txBox="1">
+            <a:spLocks noGrp="1"/>
+          </p:cNvSpPr>
           <p:nvPr>
             <p:ph type="title"/>
           </p:nvPr>
@@ -8619,12 +8782,12 @@
           </a:prstGeom>
         </p:spPr>
         <p:txBody>
-          <a:bodyPr anchorCtr="0" anchor="t" bIns="91425" lIns="91425" spcFirstLastPara="1" rIns="91425" wrap="square" tIns="91425">
+          <a:bodyPr spcFirstLastPara="1" wrap="square" lIns="91425" tIns="91425" rIns="91425" bIns="91425" anchor="t" anchorCtr="0">
             <a:normAutofit fontScale="90000"/>
           </a:bodyPr>
           <a:lstStyle/>
           <a:p>
-            <a:pPr indent="0" lvl="0" marL="0" rtl="0" algn="l">
+            <a:pPr marL="0" lvl="0" indent="0" algn="l" rtl="0">
               <a:spcBef>
                 <a:spcPts val="0"/>
               </a:spcBef>
@@ -8644,9 +8807,11 @@
       <p:sp>
         <p:nvSpPr>
           <p:cNvPr id="87" name="Google Shape;87;p18"/>
-          <p:cNvSpPr txBox="1"/>
+          <p:cNvSpPr txBox="1">
+            <a:spLocks noGrp="1"/>
+          </p:cNvSpPr>
           <p:nvPr>
-            <p:ph idx="1" type="body"/>
+            <p:ph type="body" idx="1"/>
           </p:nvPr>
         </p:nvSpPr>
         <p:spPr>
@@ -8659,12 +8824,12 @@
           </a:prstGeom>
         </p:spPr>
         <p:txBody>
-          <a:bodyPr anchorCtr="0" anchor="t" bIns="91425" lIns="91425" spcFirstLastPara="1" rIns="91425" wrap="square" tIns="91425">
+          <a:bodyPr spcFirstLastPara="1" wrap="square" lIns="91425" tIns="91425" rIns="91425" bIns="91425" anchor="t" anchorCtr="0">
             <a:normAutofit/>
           </a:bodyPr>
           <a:lstStyle/>
           <a:p>
-            <a:pPr indent="0" lvl="0" marL="0" rtl="0" algn="l">
+            <a:pPr marL="0" lvl="0" indent="0" algn="l" rtl="0">
               <a:spcBef>
                 <a:spcPts val="0"/>
               </a:spcBef>
@@ -8724,7 +8889,7 @@
             </a:endParaRPr>
           </a:p>
           <a:p>
-            <a:pPr indent="0" lvl="0" marL="0" rtl="0" algn="l">
+            <a:pPr marL="0" lvl="0" indent="0" algn="l" rtl="0">
               <a:spcBef>
                 <a:spcPts val="1200"/>
               </a:spcBef>
@@ -8756,7 +8921,7 @@
             </a:endParaRPr>
           </a:p>
           <a:p>
-            <a:pPr indent="-317500" lvl="0" marL="457200" rtl="0" algn="l">
+            <a:pPr marL="457200" lvl="0" indent="-317500" algn="l" rtl="0">
               <a:spcBef>
                 <a:spcPts val="1200"/>
               </a:spcBef>
@@ -8784,7 +8949,7 @@
             </a:endParaRPr>
           </a:p>
           <a:p>
-            <a:pPr indent="-317500" lvl="0" marL="457200" rtl="0" algn="l">
+            <a:pPr marL="457200" lvl="0" indent="-317500" algn="l" rtl="0">
               <a:spcBef>
                 <a:spcPts val="0"/>
               </a:spcBef>
@@ -8812,7 +8977,7 @@
             </a:endParaRPr>
           </a:p>
           <a:p>
-            <a:pPr indent="-317500" lvl="0" marL="457200" rtl="0" algn="l">
+            <a:pPr marL="457200" lvl="0" indent="-317500" algn="l" rtl="0">
               <a:spcBef>
                 <a:spcPts val="0"/>
               </a:spcBef>
@@ -8840,7 +9005,7 @@
             </a:endParaRPr>
           </a:p>
           <a:p>
-            <a:pPr indent="-317500" lvl="0" marL="457200" rtl="0" algn="l">
+            <a:pPr marL="457200" lvl="0" indent="-317500" algn="l" rtl="0">
               <a:spcBef>
                 <a:spcPts val="0"/>
               </a:spcBef>
@@ -8868,7 +9033,7 @@
             </a:endParaRPr>
           </a:p>
           <a:p>
-            <a:pPr indent="-317500" lvl="0" marL="457200" rtl="0" algn="l">
+            <a:pPr marL="457200" lvl="0" indent="-317500" algn="l" rtl="0">
               <a:spcBef>
                 <a:spcPts val="0"/>
               </a:spcBef>
@@ -8896,7 +9061,7 @@
             </a:endParaRPr>
           </a:p>
           <a:p>
-            <a:pPr indent="0" lvl="0" marL="0" rtl="0" algn="l">
+            <a:pPr marL="0" lvl="0" indent="0" algn="l" rtl="0">
               <a:spcBef>
                 <a:spcPts val="1200"/>
               </a:spcBef>
@@ -8905,9 +9070,6 @@
               </a:spcAft>
               <a:buNone/>
             </a:pPr>
-            <a:r>
-              <a:t/>
-            </a:r>
             <a:endParaRPr sz="1400"/>
           </a:p>
         </p:txBody>
@@ -8949,11 +9111,11 @@
 </file>
 
 <file path=ppt/slides/slide7.xml><?xml version="1.0" encoding="utf-8"?>
-<p:sld xmlns:a="http://schemas.openxmlformats.org/drawingml/2006/main" xmlns:r="http://schemas.openxmlformats.org/officeDocument/2006/relationships" xmlns:mc="http://schemas.openxmlformats.org/markup-compatibility/2006" xmlns:mv="urn:schemas-microsoft-com:mac:vml" xmlns:p="http://schemas.openxmlformats.org/presentationml/2006/main" xmlns:c="http://schemas.openxmlformats.org/drawingml/2006/chart" xmlns:dgm="http://schemas.openxmlformats.org/drawingml/2006/diagram" xmlns:o="urn:schemas-microsoft-com:office:office" xmlns:v="urn:schemas-microsoft-com:vml" xmlns:pvml="urn:schemas-microsoft-com:office:powerpoint" xmlns:com="http://schemas.openxmlformats.org/drawingml/2006/compatibility" xmlns:p14="http://schemas.microsoft.com/office/powerpoint/2010/main" xmlns:p15="http://schemas.microsoft.com/office/powerpoint/2012/main" xmlns:ahyp="http://schemas.microsoft.com/office/drawing/2018/hyperlinkcolor">
+<p:sld xmlns:a="http://schemas.openxmlformats.org/drawingml/2006/main" xmlns:r="http://schemas.openxmlformats.org/officeDocument/2006/relationships" xmlns:p="http://schemas.openxmlformats.org/presentationml/2006/main">
   <p:cSld>
     <p:spTree>
       <p:nvGrpSpPr>
-        <p:cNvPr id="92" name="Shape 92"/>
+        <p:cNvPr id="1" name="Shape 92"/>
         <p:cNvGrpSpPr/>
         <p:nvPr/>
       </p:nvGrpSpPr>
@@ -8968,7 +9130,9 @@
       <p:sp>
         <p:nvSpPr>
           <p:cNvPr id="93" name="Google Shape;93;p19"/>
-          <p:cNvSpPr txBox="1"/>
+          <p:cNvSpPr txBox="1">
+            <a:spLocks noGrp="1"/>
+          </p:cNvSpPr>
           <p:nvPr>
             <p:ph type="title"/>
           </p:nvPr>
@@ -8983,12 +9147,12 @@
           </a:prstGeom>
         </p:spPr>
         <p:txBody>
-          <a:bodyPr anchorCtr="0" anchor="t" bIns="91425" lIns="91425" spcFirstLastPara="1" rIns="91425" wrap="square" tIns="91425">
+          <a:bodyPr spcFirstLastPara="1" wrap="square" lIns="91425" tIns="91425" rIns="91425" bIns="91425" anchor="t" anchorCtr="0">
             <a:normAutofit fontScale="90000"/>
           </a:bodyPr>
           <a:lstStyle/>
           <a:p>
-            <a:pPr indent="0" lvl="0" marL="0" rtl="0" algn="l">
+            <a:pPr marL="0" lvl="0" indent="0" algn="l" rtl="0">
               <a:spcBef>
                 <a:spcPts val="0"/>
               </a:spcBef>
@@ -9008,9 +9172,11 @@
       <p:sp>
         <p:nvSpPr>
           <p:cNvPr id="94" name="Google Shape;94;p19"/>
-          <p:cNvSpPr txBox="1"/>
+          <p:cNvSpPr txBox="1">
+            <a:spLocks noGrp="1"/>
+          </p:cNvSpPr>
           <p:nvPr>
-            <p:ph idx="1" type="body"/>
+            <p:ph type="body" idx="1"/>
           </p:nvPr>
         </p:nvSpPr>
         <p:spPr>
@@ -9023,12 +9189,12 @@
           </a:prstGeom>
         </p:spPr>
         <p:txBody>
-          <a:bodyPr anchorCtr="0" anchor="t" bIns="91425" lIns="91425" spcFirstLastPara="1" rIns="91425" wrap="square" tIns="91425">
+          <a:bodyPr spcFirstLastPara="1" wrap="square" lIns="91425" tIns="91425" rIns="91425" bIns="91425" anchor="t" anchorCtr="0">
             <a:normAutofit/>
           </a:bodyPr>
           <a:lstStyle/>
           <a:p>
-            <a:pPr indent="-342900" lvl="0" marL="457200" rtl="0" algn="l">
+            <a:pPr marL="457200" lvl="0" indent="-342900" algn="l" rtl="0">
               <a:spcBef>
                 <a:spcPts val="0"/>
               </a:spcBef>
@@ -9063,7 +9229,7 @@
             </a:endParaRPr>
           </a:p>
           <a:p>
-            <a:pPr indent="-342900" lvl="0" marL="457200" rtl="0" algn="l">
+            <a:pPr marL="457200" lvl="0" indent="-342900" algn="l" rtl="0">
               <a:spcBef>
                 <a:spcPts val="0"/>
               </a:spcBef>
@@ -9098,7 +9264,7 @@
             </a:endParaRPr>
           </a:p>
           <a:p>
-            <a:pPr indent="-342900" lvl="0" marL="457200" rtl="0" algn="l">
+            <a:pPr marL="457200" lvl="0" indent="-342900" algn="l" rtl="0">
               <a:spcBef>
                 <a:spcPts val="0"/>
               </a:spcBef>
@@ -9126,7 +9292,7 @@
             </a:endParaRPr>
           </a:p>
           <a:p>
-            <a:pPr indent="0" lvl="0" marL="0" rtl="0" algn="l">
+            <a:pPr marL="0" lvl="0" indent="0" algn="l" rtl="0">
               <a:spcBef>
                 <a:spcPts val="1200"/>
               </a:spcBef>
@@ -9135,9 +9301,6 @@
               </a:spcAft>
               <a:buNone/>
             </a:pPr>
-            <a:r>
-              <a:t/>
-            </a:r>
             <a:endParaRPr/>
           </a:p>
         </p:txBody>
@@ -9179,11 +9342,11 @@
 </file>
 
 <file path=ppt/slides/slide8.xml><?xml version="1.0" encoding="utf-8"?>
-<p:sld xmlns:a="http://schemas.openxmlformats.org/drawingml/2006/main" xmlns:r="http://schemas.openxmlformats.org/officeDocument/2006/relationships" xmlns:mc="http://schemas.openxmlformats.org/markup-compatibility/2006" xmlns:mv="urn:schemas-microsoft-com:mac:vml" xmlns:p="http://schemas.openxmlformats.org/presentationml/2006/main" xmlns:c="http://schemas.openxmlformats.org/drawingml/2006/chart" xmlns:dgm="http://schemas.openxmlformats.org/drawingml/2006/diagram" xmlns:o="urn:schemas-microsoft-com:office:office" xmlns:v="urn:schemas-microsoft-com:vml" xmlns:pvml="urn:schemas-microsoft-com:office:powerpoint" xmlns:com="http://schemas.openxmlformats.org/drawingml/2006/compatibility" xmlns:p14="http://schemas.microsoft.com/office/powerpoint/2010/main" xmlns:p15="http://schemas.microsoft.com/office/powerpoint/2012/main" xmlns:ahyp="http://schemas.microsoft.com/office/drawing/2018/hyperlinkcolor">
+<p:sld xmlns:a="http://schemas.openxmlformats.org/drawingml/2006/main" xmlns:r="http://schemas.openxmlformats.org/officeDocument/2006/relationships" xmlns:p="http://schemas.openxmlformats.org/presentationml/2006/main">
   <p:cSld>
     <p:spTree>
       <p:nvGrpSpPr>
-        <p:cNvPr id="99" name="Shape 99"/>
+        <p:cNvPr id="1" name="Shape 99"/>
         <p:cNvGrpSpPr/>
         <p:nvPr/>
       </p:nvGrpSpPr>
@@ -9198,7 +9361,9 @@
       <p:sp>
         <p:nvSpPr>
           <p:cNvPr id="100" name="Google Shape;100;p20"/>
-          <p:cNvSpPr txBox="1"/>
+          <p:cNvSpPr txBox="1">
+            <a:spLocks noGrp="1"/>
+          </p:cNvSpPr>
           <p:nvPr>
             <p:ph type="title"/>
           </p:nvPr>
@@ -9213,12 +9378,12 @@
           </a:prstGeom>
         </p:spPr>
         <p:txBody>
-          <a:bodyPr anchorCtr="0" anchor="t" bIns="91425" lIns="91425" spcFirstLastPara="1" rIns="91425" wrap="square" tIns="91425">
+          <a:bodyPr spcFirstLastPara="1" wrap="square" lIns="91425" tIns="91425" rIns="91425" bIns="91425" anchor="t" anchorCtr="0">
             <a:normAutofit fontScale="90000"/>
           </a:bodyPr>
           <a:lstStyle/>
           <a:p>
-            <a:pPr indent="0" lvl="0" marL="0" rtl="0" algn="l">
+            <a:pPr marL="0" lvl="0" indent="0" algn="l" rtl="0">
               <a:spcBef>
                 <a:spcPts val="0"/>
               </a:spcBef>
@@ -9228,19 +9393,20 @@
               <a:buNone/>
             </a:pPr>
             <a:r>
-              <a:rPr lang="en"/>
+              <a:rPr lang="en-US"/>
               <a:t>OLAP Cube Design</a:t>
             </a:r>
-            <a:endParaRPr/>
           </a:p>
         </p:txBody>
       </p:sp>
       <p:sp>
         <p:nvSpPr>
           <p:cNvPr id="101" name="Google Shape;101;p20"/>
-          <p:cNvSpPr txBox="1"/>
+          <p:cNvSpPr txBox="1">
+            <a:spLocks noGrp="1"/>
+          </p:cNvSpPr>
           <p:nvPr>
-            <p:ph idx="1" type="body"/>
+            <p:ph type="body" idx="1"/>
           </p:nvPr>
         </p:nvSpPr>
         <p:spPr>
@@ -9253,12 +9419,12 @@
           </a:prstGeom>
         </p:spPr>
         <p:txBody>
-          <a:bodyPr anchorCtr="0" anchor="t" bIns="91425" lIns="91425" spcFirstLastPara="1" rIns="91425" wrap="square" tIns="91425">
+          <a:bodyPr spcFirstLastPara="1" wrap="square" lIns="91425" tIns="91425" rIns="91425" bIns="91425" anchor="t" anchorCtr="0">
             <a:normAutofit fontScale="70000" lnSpcReduction="20000"/>
           </a:bodyPr>
           <a:lstStyle/>
           <a:p>
-            <a:pPr indent="0" lvl="0" marL="0" rtl="0" algn="l">
+            <a:pPr marL="0" lvl="0" indent="0" algn="l" rtl="0">
               <a:spcBef>
                 <a:spcPts val="0"/>
               </a:spcBef>
@@ -9273,7 +9439,7 @@
               <a:buNone/>
             </a:pPr>
             <a:r>
-              <a:rPr lang="en" sz="2318">
+              <a:rPr lang="en-US" sz="2318">
                 <a:solidFill>
                   <a:schemeClr val="dk1"/>
                 </a:solidFill>
@@ -9281,20 +9447,20 @@
               <a:t>Built an SSAS Multidimensional Cube.</a:t>
             </a:r>
             <a:br>
-              <a:rPr lang="en" sz="2318">
+              <a:rPr lang="en-US" sz="2318">
                 <a:solidFill>
                   <a:schemeClr val="dk1"/>
                 </a:solidFill>
               </a:rPr>
             </a:br>
-            <a:endParaRPr sz="2318">
+            <a:endParaRPr lang="en-US" sz="2318">
               <a:solidFill>
                 <a:schemeClr val="dk1"/>
               </a:solidFill>
             </a:endParaRPr>
           </a:p>
           <a:p>
-            <a:pPr indent="0" lvl="0" marL="0" rtl="0" algn="l">
+            <a:pPr marL="0" lvl="0" indent="0" algn="l" rtl="0">
               <a:spcBef>
                 <a:spcPts val="1200"/>
               </a:spcBef>
@@ -9309,7 +9475,7 @@
               <a:buNone/>
             </a:pPr>
             <a:r>
-              <a:rPr lang="en" sz="2318">
+              <a:rPr lang="en-US" sz="2318">
                 <a:solidFill>
                   <a:schemeClr val="dk1"/>
                 </a:solidFill>
@@ -9317,20 +9483,20 @@
               <a:t>Defined Measures:</a:t>
             </a:r>
             <a:br>
-              <a:rPr lang="en" sz="2318">
+              <a:rPr lang="en-US" sz="2318">
                 <a:solidFill>
                   <a:schemeClr val="dk1"/>
                 </a:solidFill>
               </a:rPr>
             </a:br>
-            <a:endParaRPr sz="2318">
+            <a:endParaRPr lang="en-US" sz="2318">
               <a:solidFill>
                 <a:schemeClr val="dk1"/>
               </a:solidFill>
             </a:endParaRPr>
           </a:p>
           <a:p>
-            <a:pPr indent="-300545" lvl="0" marL="457200" rtl="0" algn="l">
+            <a:pPr marL="457200" lvl="0" indent="-300545" algn="l" rtl="0">
               <a:spcBef>
                 <a:spcPts val="1200"/>
               </a:spcBef>
@@ -9344,7 +9510,7 @@
               <a:buChar char="●"/>
             </a:pPr>
             <a:r>
-              <a:rPr lang="en" sz="2318">
+              <a:rPr lang="en-US" sz="2318">
                 <a:solidFill>
                   <a:schemeClr val="dk1"/>
                 </a:solidFill>
@@ -9352,20 +9518,20 @@
               <a:t>Payment Amount</a:t>
             </a:r>
             <a:br>
-              <a:rPr lang="en" sz="2318">
+              <a:rPr lang="en-US" sz="2318">
                 <a:solidFill>
                   <a:schemeClr val="dk1"/>
                 </a:solidFill>
               </a:rPr>
             </a:br>
-            <a:endParaRPr sz="2318">
+            <a:endParaRPr lang="en-US" sz="2318">
               <a:solidFill>
                 <a:schemeClr val="dk1"/>
               </a:solidFill>
             </a:endParaRPr>
           </a:p>
           <a:p>
-            <a:pPr indent="-300545" lvl="0" marL="457200" rtl="0" algn="l">
+            <a:pPr marL="457200" lvl="0" indent="-300545" algn="l" rtl="0">
               <a:spcBef>
                 <a:spcPts val="0"/>
               </a:spcBef>
@@ -9379,7 +9545,7 @@
               <a:buChar char="●"/>
             </a:pPr>
             <a:r>
-              <a:rPr lang="en" sz="2318">
+              <a:rPr lang="en-US" sz="2318">
                 <a:solidFill>
                   <a:schemeClr val="dk1"/>
                 </a:solidFill>
@@ -9387,20 +9553,20 @@
               <a:t>Late Fee</a:t>
             </a:r>
             <a:br>
-              <a:rPr lang="en" sz="2318">
+              <a:rPr lang="en-US" sz="2318">
                 <a:solidFill>
                   <a:schemeClr val="dk1"/>
                 </a:solidFill>
               </a:rPr>
             </a:br>
-            <a:endParaRPr sz="2318">
+            <a:endParaRPr lang="en-US" sz="2318">
               <a:solidFill>
                 <a:schemeClr val="dk1"/>
               </a:solidFill>
             </a:endParaRPr>
           </a:p>
           <a:p>
-            <a:pPr indent="-300545" lvl="0" marL="457200" rtl="0" algn="l">
+            <a:pPr marL="457200" lvl="0" indent="-300545" algn="l" rtl="0">
               <a:spcBef>
                 <a:spcPts val="0"/>
               </a:spcBef>
@@ -9414,7 +9580,7 @@
               <a:buChar char="●"/>
             </a:pPr>
             <a:r>
-              <a:rPr lang="en" sz="2318">
+              <a:rPr lang="en-US" sz="2318">
                 <a:solidFill>
                   <a:schemeClr val="dk1"/>
                 </a:solidFill>
@@ -9422,20 +9588,20 @@
               <a:t>Rental Duration</a:t>
             </a:r>
             <a:br>
-              <a:rPr lang="en" sz="2318">
+              <a:rPr lang="en-US" sz="2318">
                 <a:solidFill>
                   <a:schemeClr val="dk1"/>
                 </a:solidFill>
               </a:rPr>
             </a:br>
-            <a:endParaRPr sz="2318">
+            <a:endParaRPr lang="en-US" sz="2318">
               <a:solidFill>
                 <a:schemeClr val="dk1"/>
               </a:solidFill>
             </a:endParaRPr>
           </a:p>
           <a:p>
-            <a:pPr indent="0" lvl="0" marL="0" rtl="0" algn="l">
+            <a:pPr marL="0" lvl="0" indent="0" algn="l" rtl="0">
               <a:spcBef>
                 <a:spcPts val="1200"/>
               </a:spcBef>
@@ -9450,21 +9616,16 @@
               <a:buNone/>
             </a:pPr>
             <a:r>
-              <a:rPr lang="en" sz="2318">
+              <a:rPr lang="en-US" sz="2318">
                 <a:solidFill>
                   <a:schemeClr val="dk1"/>
                 </a:solidFill>
               </a:rPr>
               <a:t>Enabled multidimensional querying with MDX.</a:t>
             </a:r>
-            <a:endParaRPr sz="2318">
-              <a:solidFill>
-                <a:schemeClr val="dk1"/>
-              </a:solidFill>
-            </a:endParaRPr>
-          </a:p>
-          <a:p>
-            <a:pPr indent="0" lvl="0" marL="0" rtl="0" algn="l">
+          </a:p>
+          <a:p>
+            <a:pPr marL="0" lvl="0" indent="0" algn="l" rtl="0">
               <a:spcBef>
                 <a:spcPts val="0"/>
               </a:spcBef>
@@ -9473,10 +9634,91 @@
               </a:spcAft>
               <a:buNone/>
             </a:pPr>
-            <a:r>
-              <a:t/>
-            </a:r>
-            <a:endParaRPr/>
+            <a:endParaRPr lang="en-US"/>
+          </a:p>
+        </p:txBody>
+      </p:sp>
+      <p:pic>
+        <p:nvPicPr>
+          <p:cNvPr id="3" name="Picture 2">
+            <a:extLst>
+              <a:ext uri="{FF2B5EF4-FFF2-40B4-BE49-F238E27FC236}">
+                <a16:creationId xmlns:a16="http://schemas.microsoft.com/office/drawing/2014/main" id="{22400D1E-49C8-B332-1F14-A6F1D72CBB11}"/>
+              </a:ext>
+            </a:extLst>
+          </p:cNvPr>
+          <p:cNvPicPr>
+            <a:picLocks noChangeAspect="1"/>
+          </p:cNvPicPr>
+          <p:nvPr/>
+        </p:nvPicPr>
+        <p:blipFill>
+          <a:blip r:embed="rId3"/>
+          <a:stretch>
+            <a:fillRect/>
+          </a:stretch>
+        </p:blipFill>
+        <p:spPr>
+          <a:xfrm>
+            <a:off x="4907279" y="1017725"/>
+            <a:ext cx="3522345" cy="2973300"/>
+          </a:xfrm>
+          <a:prstGeom prst="rect">
+            <a:avLst/>
+          </a:prstGeom>
+        </p:spPr>
+      </p:pic>
+      <p:sp>
+        <p:nvSpPr>
+          <p:cNvPr id="4" name="Rectangle 3">
+            <a:extLst>
+              <a:ext uri="{FF2B5EF4-FFF2-40B4-BE49-F238E27FC236}">
+                <a16:creationId xmlns:a16="http://schemas.microsoft.com/office/drawing/2014/main" id="{C433016D-FD75-62C8-1CFF-B3D4D275EFF6}"/>
+              </a:ext>
+            </a:extLst>
+          </p:cNvPr>
+          <p:cNvSpPr/>
+          <p:nvPr/>
+        </p:nvSpPr>
+        <p:spPr>
+          <a:xfrm>
+            <a:off x="6096000" y="3055433"/>
+            <a:ext cx="973873" cy="750849"/>
+          </a:xfrm>
+          <a:prstGeom prst="rect">
+            <a:avLst/>
+          </a:prstGeom>
+          <a:solidFill>
+            <a:schemeClr val="bg1"/>
+          </a:solidFill>
+          <a:ln>
+            <a:solidFill>
+              <a:schemeClr val="bg1"/>
+            </a:solidFill>
+          </a:ln>
+        </p:spPr>
+        <p:style>
+          <a:lnRef idx="2">
+            <a:schemeClr val="accent1">
+              <a:shade val="15000"/>
+            </a:schemeClr>
+          </a:lnRef>
+          <a:fillRef idx="1">
+            <a:schemeClr val="accent1"/>
+          </a:fillRef>
+          <a:effectRef idx="0">
+            <a:schemeClr val="accent1"/>
+          </a:effectRef>
+          <a:fontRef idx="minor">
+            <a:schemeClr val="lt1"/>
+          </a:fontRef>
+        </p:style>
+        <p:txBody>
+          <a:bodyPr rtlCol="0" anchor="ctr"/>
+          <a:lstStyle/>
+          <a:p>
+            <a:pPr algn="ctr"/>
+            <a:endParaRPr lang="en-US"/>
           </a:p>
         </p:txBody>
       </p:sp>
@@ -9489,11 +9731,11 @@
 </file>
 
 <file path=ppt/slides/slide9.xml><?xml version="1.0" encoding="utf-8"?>
-<p:sld xmlns:a="http://schemas.openxmlformats.org/drawingml/2006/main" xmlns:r="http://schemas.openxmlformats.org/officeDocument/2006/relationships" xmlns:mc="http://schemas.openxmlformats.org/markup-compatibility/2006" xmlns:mv="urn:schemas-microsoft-com:mac:vml" xmlns:p="http://schemas.openxmlformats.org/presentationml/2006/main" xmlns:c="http://schemas.openxmlformats.org/drawingml/2006/chart" xmlns:dgm="http://schemas.openxmlformats.org/drawingml/2006/diagram" xmlns:o="urn:schemas-microsoft-com:office:office" xmlns:v="urn:schemas-microsoft-com:vml" xmlns:pvml="urn:schemas-microsoft-com:office:powerpoint" xmlns:com="http://schemas.openxmlformats.org/drawingml/2006/compatibility" xmlns:p14="http://schemas.microsoft.com/office/powerpoint/2010/main" xmlns:p15="http://schemas.microsoft.com/office/powerpoint/2012/main" xmlns:ahyp="http://schemas.microsoft.com/office/drawing/2018/hyperlinkcolor">
+<p:sld xmlns:a="http://schemas.openxmlformats.org/drawingml/2006/main" xmlns:r="http://schemas.openxmlformats.org/officeDocument/2006/relationships" xmlns:p="http://schemas.openxmlformats.org/presentationml/2006/main">
   <p:cSld>
     <p:spTree>
       <p:nvGrpSpPr>
-        <p:cNvPr id="105" name="Shape 105"/>
+        <p:cNvPr id="1" name="Shape 105"/>
         <p:cNvGrpSpPr/>
         <p:nvPr/>
       </p:nvGrpSpPr>
@@ -9508,7 +9750,9 @@
       <p:sp>
         <p:nvSpPr>
           <p:cNvPr id="106" name="Google Shape;106;p21"/>
-          <p:cNvSpPr txBox="1"/>
+          <p:cNvSpPr txBox="1">
+            <a:spLocks noGrp="1"/>
+          </p:cNvSpPr>
           <p:nvPr>
             <p:ph type="title"/>
           </p:nvPr>
@@ -9523,12 +9767,12 @@
           </a:prstGeom>
         </p:spPr>
         <p:txBody>
-          <a:bodyPr anchorCtr="0" anchor="t" bIns="91425" lIns="91425" spcFirstLastPara="1" rIns="91425" wrap="square" tIns="91425">
+          <a:bodyPr spcFirstLastPara="1" wrap="square" lIns="91425" tIns="91425" rIns="91425" bIns="91425" anchor="t" anchorCtr="0">
             <a:normAutofit fontScale="90000"/>
           </a:bodyPr>
           <a:lstStyle/>
           <a:p>
-            <a:pPr indent="0" lvl="0" marL="0" rtl="0" algn="l">
+            <a:pPr marL="0" lvl="0" indent="0" algn="l" rtl="0">
               <a:spcBef>
                 <a:spcPts val="0"/>
               </a:spcBef>
@@ -9548,9 +9792,11 @@
       <p:sp>
         <p:nvSpPr>
           <p:cNvPr id="107" name="Google Shape;107;p21"/>
-          <p:cNvSpPr txBox="1"/>
+          <p:cNvSpPr txBox="1">
+            <a:spLocks noGrp="1"/>
+          </p:cNvSpPr>
           <p:nvPr>
-            <p:ph idx="1" type="body"/>
+            <p:ph type="body" idx="1"/>
           </p:nvPr>
         </p:nvSpPr>
         <p:spPr>
@@ -9563,12 +9809,12 @@
           </a:prstGeom>
         </p:spPr>
         <p:txBody>
-          <a:bodyPr anchorCtr="0" anchor="t" bIns="91425" lIns="91425" spcFirstLastPara="1" rIns="91425" wrap="square" tIns="91425">
-            <a:normAutofit lnSpcReduction="10000"/>
+          <a:bodyPr spcFirstLastPara="1" wrap="square" lIns="91425" tIns="91425" rIns="91425" bIns="91425" anchor="t" anchorCtr="0">
+            <a:normAutofit/>
           </a:bodyPr>
           <a:lstStyle/>
           <a:p>
-            <a:pPr indent="-342900" lvl="0" marL="457200" rtl="0" algn="l">
+            <a:pPr marL="457200" lvl="0" indent="-342900" algn="l" rtl="0">
               <a:spcBef>
                 <a:spcPts val="0"/>
               </a:spcBef>
@@ -9596,7 +9842,7 @@
             </a:endParaRPr>
           </a:p>
           <a:p>
-            <a:pPr indent="-342900" lvl="0" marL="457200" rtl="0" algn="l">
+            <a:pPr marL="457200" lvl="0" indent="-342900" algn="l" rtl="0">
               <a:spcBef>
                 <a:spcPts val="0"/>
               </a:spcBef>
@@ -9624,7 +9870,7 @@
             </a:endParaRPr>
           </a:p>
           <a:p>
-            <a:pPr indent="0" lvl="0" marL="0" rtl="0" algn="l">
+            <a:pPr marL="0" lvl="0" indent="0" algn="l" rtl="0">
               <a:spcBef>
                 <a:spcPts val="1200"/>
               </a:spcBef>
@@ -9633,9 +9879,6 @@
               </a:spcAft>
               <a:buNone/>
             </a:pPr>
-            <a:r>
-              <a:t/>
-            </a:r>
             <a:endParaRPr/>
           </a:p>
         </p:txBody>
@@ -9677,7 +9920,7 @@
 </file>
 
 <file path=ppt/theme/theme1.xml><?xml version="1.0" encoding="utf-8"?>
-<a:theme xmlns:a="http://schemas.openxmlformats.org/drawingml/2006/main" xmlns:r="http://schemas.openxmlformats.org/officeDocument/2006/relationships" name="Simple Light">
+<a:theme xmlns:a="http://schemas.openxmlformats.org/drawingml/2006/main" name="Simple Light">
   <a:themeElements>
     <a:clrScheme name="Simple Light">
       <a:dk1>
@@ -9952,11 +10195,13 @@
       </a:bgFillStyleLst>
     </a:fmtScheme>
   </a:themeElements>
+  <a:objectDefaults/>
+  <a:extraClrSchemeLst/>
 </a:theme>
 </file>
 
 <file path=ppt/theme/theme2.xml><?xml version="1.0" encoding="utf-8"?>
-<a:theme xmlns:a="http://schemas.openxmlformats.org/drawingml/2006/main" xmlns:r="http://schemas.openxmlformats.org/officeDocument/2006/relationships">
+<a:theme xmlns:a="http://schemas.openxmlformats.org/drawingml/2006/main">
   <a:themeElements>
     <a:clrScheme name="Default">
       <a:dk1>
@@ -10231,5 +10476,7 @@
       </a:bgFillStyleLst>
     </a:fmtScheme>
   </a:themeElements>
+  <a:objectDefaults/>
+  <a:extraClrSchemeLst/>
 </a:theme>
 </file>